--- a/Units_development/Container orchestration_AWG.pptx
+++ b/Units_development/Container orchestration_AWG.pptx
@@ -9,16 +9,15 @@
     <p:sldMasterId id="2147483826" r:id="rId5"/>
   </p:sldMasterIdLst>
   <p:notesMasterIdLst>
-    <p:notesMasterId r:id="rId13"/>
+    <p:notesMasterId r:id="rId12"/>
   </p:notesMasterIdLst>
   <p:sldIdLst>
     <p:sldId id="533" r:id="rId6"/>
-    <p:sldId id="510" r:id="rId7"/>
-    <p:sldId id="505" r:id="rId8"/>
-    <p:sldId id="506" r:id="rId9"/>
-    <p:sldId id="507" r:id="rId10"/>
-    <p:sldId id="508" r:id="rId11"/>
-    <p:sldId id="517" r:id="rId12"/>
+    <p:sldId id="505" r:id="rId7"/>
+    <p:sldId id="506" r:id="rId8"/>
+    <p:sldId id="507" r:id="rId9"/>
+    <p:sldId id="508" r:id="rId10"/>
+    <p:sldId id="517" r:id="rId11"/>
   </p:sldIdLst>
   <p:sldSz cx="9144000" cy="5143500" type="screen16x9"/>
   <p:notesSz cx="6858000" cy="9144000"/>
@@ -119,7 +118,7 @@
   </p:defaultTextStyle>
   <p:extLst>
     <p:ext uri="{EFAFB233-063F-42B5-8137-9DF3F51BA10A}">
-      <p15:sldGuideLst xmlns="" xmlns:p15="http://schemas.microsoft.com/office/powerpoint/2012/main">
+      <p15:sldGuideLst xmlns:p15="http://schemas.microsoft.com/office/powerpoint/2012/main" xmlns="">
         <p15:guide id="1" orient="horz" pos="1620" userDrawn="1">
           <p15:clr>
             <a:srgbClr val="A4A3A4"/>
@@ -218,7 +217,7 @@
           <a:p>
             <a:fld id="{26BE012A-D992-5D42-B86E-AA2BC0764EE1}" type="datetimeFigureOut">
               <a:rPr lang="en-US" smtClean="0"/>
-              <a:t>5/22/2018</a:t>
+              <a:t>5/29/2018</a:t>
             </a:fld>
             <a:endParaRPr lang="en-US"/>
           </a:p>
@@ -552,7 +551,7 @@
               <a:defRPr/>
             </a:pPr>
             <a:r>
-              <a:rPr lang="en-US" smtClean="0"/>
+              <a:rPr lang="en-US"/>
               <a:t>© Copyright IBM Corporation 2016</a:t>
             </a:r>
             <a:endParaRPr lang="en-US" dirty="0"/>
@@ -582,7 +581,7 @@
               <a:pPr>
                 <a:defRPr/>
               </a:pPr>
-              <a:t>2</a:t>
+              <a:t>3</a:t>
             </a:fld>
             <a:endParaRPr lang="en-US"/>
           </a:p>
@@ -591,7 +590,7 @@
     </p:spTree>
     <p:extLst>
       <p:ext uri="{BB962C8B-B14F-4D97-AF65-F5344CB8AC3E}">
-        <p14:creationId xmlns:p14="http://schemas.microsoft.com/office/powerpoint/2010/main" val="1881362924"/>
+        <p14:creationId xmlns:p14="http://schemas.microsoft.com/office/powerpoint/2010/main" val="2866849111"/>
       </p:ext>
     </p:extLst>
   </p:cSld>
@@ -645,122 +644,6 @@
           <a:bodyPr/>
           <a:lstStyle/>
           <a:p>
-            <a:endParaRPr lang="en-US"/>
-          </a:p>
-        </p:txBody>
-      </p:sp>
-      <p:sp>
-        <p:nvSpPr>
-          <p:cNvPr id="4" name="Footer Placeholder 3"/>
-          <p:cNvSpPr>
-            <a:spLocks noGrp="1"/>
-          </p:cNvSpPr>
-          <p:nvPr>
-            <p:ph type="ftr" sz="quarter" idx="10"/>
-          </p:nvPr>
-        </p:nvSpPr>
-        <p:spPr/>
-        <p:txBody>
-          <a:bodyPr/>
-          <a:lstStyle/>
-          <a:p>
-            <a:pPr>
-              <a:defRPr/>
-            </a:pPr>
-            <a:r>
-              <a:rPr lang="en-US"/>
-              <a:t>© Copyright IBM Corporation 2016</a:t>
-            </a:r>
-            <a:endParaRPr lang="en-US" dirty="0"/>
-          </a:p>
-        </p:txBody>
-      </p:sp>
-      <p:sp>
-        <p:nvSpPr>
-          <p:cNvPr id="5" name="Slide Number Placeholder 4"/>
-          <p:cNvSpPr>
-            <a:spLocks noGrp="1"/>
-          </p:cNvSpPr>
-          <p:nvPr>
-            <p:ph type="sldNum" sz="quarter" idx="11"/>
-          </p:nvPr>
-        </p:nvSpPr>
-        <p:spPr/>
-        <p:txBody>
-          <a:bodyPr/>
-          <a:lstStyle/>
-          <a:p>
-            <a:pPr>
-              <a:defRPr/>
-            </a:pPr>
-            <a:fld id="{45275DD5-0764-482C-9A5A-1DB6DE378BB8}" type="slidenum">
-              <a:rPr lang="en-US" smtClean="0"/>
-              <a:pPr>
-                <a:defRPr/>
-              </a:pPr>
-              <a:t>4</a:t>
-            </a:fld>
-            <a:endParaRPr lang="en-US"/>
-          </a:p>
-        </p:txBody>
-      </p:sp>
-    </p:spTree>
-    <p:extLst>
-      <p:ext uri="{BB962C8B-B14F-4D97-AF65-F5344CB8AC3E}">
-        <p14:creationId xmlns:p14="http://schemas.microsoft.com/office/powerpoint/2010/main" val="2866849111"/>
-      </p:ext>
-    </p:extLst>
-  </p:cSld>
-  <p:clrMapOvr>
-    <a:masterClrMapping/>
-  </p:clrMapOvr>
-</p:notes>
-</file>
-
-<file path=ppt/notesSlides/notesSlide3.xml><?xml version="1.0" encoding="utf-8"?>
-<p:notes xmlns:a="http://schemas.openxmlformats.org/drawingml/2006/main" xmlns:r="http://schemas.openxmlformats.org/officeDocument/2006/relationships" xmlns:p="http://schemas.openxmlformats.org/presentationml/2006/main">
-  <p:cSld>
-    <p:spTree>
-      <p:nvGrpSpPr>
-        <p:cNvPr id="1" name=""/>
-        <p:cNvGrpSpPr/>
-        <p:nvPr/>
-      </p:nvGrpSpPr>
-      <p:grpSpPr>
-        <a:xfrm>
-          <a:off x="0" y="0"/>
-          <a:ext cx="0" cy="0"/>
-          <a:chOff x="0" y="0"/>
-          <a:chExt cx="0" cy="0"/>
-        </a:xfrm>
-      </p:grpSpPr>
-      <p:sp>
-        <p:nvSpPr>
-          <p:cNvPr id="2" name="Slide Image Placeholder 1"/>
-          <p:cNvSpPr>
-            <a:spLocks noGrp="1" noRot="1" noChangeAspect="1"/>
-          </p:cNvSpPr>
-          <p:nvPr>
-            <p:ph type="sldImg"/>
-          </p:nvPr>
-        </p:nvSpPr>
-        <p:spPr/>
-      </p:sp>
-      <p:sp>
-        <p:nvSpPr>
-          <p:cNvPr id="3" name="Notes Placeholder 2"/>
-          <p:cNvSpPr>
-            <a:spLocks noGrp="1"/>
-          </p:cNvSpPr>
-          <p:nvPr>
-            <p:ph type="body" idx="1"/>
-          </p:nvPr>
-        </p:nvSpPr>
-        <p:spPr/>
-        <p:txBody>
-          <a:bodyPr/>
-          <a:lstStyle/>
-          <a:p>
             <a:endParaRPr lang="en-US" dirty="0"/>
           </a:p>
         </p:txBody>
@@ -782,7 +665,7 @@
           <a:p>
             <a:fld id="{18D02FFD-07D4-5C4F-BD77-921008177348}" type="slidenum">
               <a:rPr lang="en-US" smtClean="0"/>
-              <a:t>7</a:t>
+              <a:t>6</a:t>
             </a:fld>
             <a:endParaRPr lang="en-US"/>
           </a:p>
@@ -10956,7 +10839,7 @@
           <p:cNvPr id="2" name="Rectangle 1">
             <a:extLst>
               <a:ext uri="{FF2B5EF4-FFF2-40B4-BE49-F238E27FC236}">
-                <a16:creationId xmlns="" xmlns:a16="http://schemas.microsoft.com/office/drawing/2014/main" id="{0408AE91-D7AE-A745-86FC-C38E5AC46DFA}"/>
+                <a16:creationId xmlns:a16="http://schemas.microsoft.com/office/drawing/2014/main" xmlns="" id="{0408AE91-D7AE-A745-86FC-C38E5AC46DFA}"/>
               </a:ext>
             </a:extLst>
           </p:cNvPr>
@@ -31872,7 +31755,7 @@
   </p:txStyles>
   <p:extLst mod="1">
     <p:ext uri="{27BBF7A9-308A-43DC-89C8-2F10F3537804}">
-      <p15:sldGuideLst xmlns="" xmlns:p15="http://schemas.microsoft.com/office/powerpoint/2012/main">
+      <p15:sldGuideLst xmlns:p15="http://schemas.microsoft.com/office/powerpoint/2012/main" xmlns="">
         <p15:guide id="1" pos="1296">
           <p15:clr>
             <a:srgbClr val="F26B43"/>
@@ -32518,7 +32401,7 @@
   </p:txStyles>
   <p:extLst mod="1">
     <p:ext uri="{27BBF7A9-308A-43DC-89C8-2F10F3537804}">
-      <p15:sldGuideLst xmlns="" xmlns:p15="http://schemas.microsoft.com/office/powerpoint/2012/main">
+      <p15:sldGuideLst xmlns:p15="http://schemas.microsoft.com/office/powerpoint/2012/main" xmlns="">
         <p15:guide id="1" pos="1296">
           <p15:clr>
             <a:srgbClr val="F26B43"/>
@@ -33165,7 +33048,7 @@
   </p:txStyles>
   <p:extLst mod="1">
     <p:ext uri="{27BBF7A9-308A-43DC-89C8-2F10F3537804}">
-      <p15:sldGuideLst xmlns="" xmlns:p15="http://schemas.microsoft.com/office/powerpoint/2012/main">
+      <p15:sldGuideLst xmlns:p15="http://schemas.microsoft.com/office/powerpoint/2012/main" xmlns="">
         <p15:guide id="1" pos="1296">
           <p15:clr>
             <a:srgbClr val="F26B43"/>
@@ -33769,7 +33652,7 @@
   </p:txStyles>
   <p:extLst mod="1">
     <p:ext uri="{27BBF7A9-308A-43DC-89C8-2F10F3537804}">
-      <p15:sldGuideLst xmlns="" xmlns:p15="http://schemas.microsoft.com/office/powerpoint/2012/main">
+      <p15:sldGuideLst xmlns:p15="http://schemas.microsoft.com/office/powerpoint/2012/main" xmlns="">
         <p15:guide id="1" pos="1296">
           <p15:clr>
             <a:srgbClr val="F26B43"/>
@@ -34333,7 +34216,7 @@
   </p:txStyles>
   <p:extLst mod="1">
     <p:ext uri="{27BBF7A9-308A-43DC-89C8-2F10F3537804}">
-      <p15:sldGuideLst xmlns="" xmlns:p15="http://schemas.microsoft.com/office/powerpoint/2012/main">
+      <p15:sldGuideLst xmlns:p15="http://schemas.microsoft.com/office/powerpoint/2012/main" xmlns="">
         <p15:guide id="1" pos="1296">
           <p15:clr>
             <a:srgbClr val="F26B43"/>
@@ -34487,29 +34370,6 @@
       </p:sp>
       <p:sp>
         <p:nvSpPr>
-          <p:cNvPr id="2" name="Title 1"/>
-          <p:cNvSpPr>
-            <a:spLocks noGrp="1"/>
-          </p:cNvSpPr>
-          <p:nvPr>
-            <p:ph type="title"/>
-          </p:nvPr>
-        </p:nvSpPr>
-        <p:spPr/>
-        <p:txBody>
-          <a:bodyPr/>
-          <a:lstStyle/>
-          <a:p>
-            <a:r>
-              <a:rPr lang="en-US" dirty="0" smtClean="0"/>
-              <a:t>Container Orchestration and Kubernetes</a:t>
-            </a:r>
-            <a:endParaRPr lang="en-US" dirty="0"/>
-          </a:p>
-        </p:txBody>
-      </p:sp>
-      <p:sp>
-        <p:nvSpPr>
           <p:cNvPr id="3" name="Slide Number Placeholder 2"/>
           <p:cNvSpPr>
             <a:spLocks noGrp="1"/>
@@ -34534,6 +34394,67 @@
               <a:t>1</a:t>
             </a:fld>
             <a:endParaRPr lang="en-US" dirty="0"/>
+          </a:p>
+        </p:txBody>
+      </p:sp>
+      <p:sp>
+        <p:nvSpPr>
+          <p:cNvPr id="6" name="Title 1"/>
+          <p:cNvSpPr txBox="1">
+            <a:spLocks/>
+          </p:cNvSpPr>
+          <p:nvPr/>
+        </p:nvSpPr>
+        <p:spPr>
+          <a:xfrm>
+            <a:off x="380999" y="356181"/>
+            <a:ext cx="4114801" cy="4479344"/>
+          </a:xfrm>
+          <a:prstGeom prst="rect">
+            <a:avLst/>
+          </a:prstGeom>
+        </p:spPr>
+        <p:txBody>
+          <a:bodyPr vert="horz" lIns="0" tIns="0" rIns="0" bIns="0" rtlCol="0" anchor="ctr" anchorCtr="0">
+            <a:noAutofit/>
+          </a:bodyPr>
+          <a:lstStyle>
+            <a:lvl1pPr algn="l" defTabSz="457200" rtl="0" eaLnBrk="1" latinLnBrk="0" hangingPunct="1">
+              <a:lnSpc>
+                <a:spcPct val="90000"/>
+              </a:lnSpc>
+              <a:spcBef>
+                <a:spcPct val="0"/>
+              </a:spcBef>
+              <a:buNone/>
+              <a:defRPr sz="2400" b="0" kern="1200">
+                <a:solidFill>
+                  <a:schemeClr val="tx1"/>
+                </a:solidFill>
+                <a:latin typeface="+mj-lt"/>
+                <a:ea typeface="Arial" charset="0"/>
+                <a:cs typeface="Arial" charset="0"/>
+              </a:defRPr>
+            </a:lvl1pPr>
+          </a:lstStyle>
+          <a:p>
+            <a:r>
+              <a:rPr lang="en-US" sz="3750" b="1" dirty="0" smtClean="0">
+                <a:latin typeface="Arial" charset="0"/>
+                <a:sym typeface="Helvetica Neue for IBM Light" charset="0"/>
+              </a:rPr>
+              <a:t>Container orchestration</a:t>
+            </a:r>
+            <a:br>
+              <a:rPr lang="en-US" sz="3750" b="1" dirty="0" smtClean="0">
+                <a:latin typeface="Arial" charset="0"/>
+                <a:sym typeface="Helvetica Neue for IBM Light" charset="0"/>
+              </a:rPr>
+            </a:br>
+            <a:endParaRPr lang="en-US" sz="1500" i="1" dirty="0">
+              <a:latin typeface="Arial" charset="0"/>
+              <a:sym typeface="Helvetica Neue for IBM Light" charset="0"/>
+            </a:endParaRPr>
           </a:p>
         </p:txBody>
       </p:sp>
@@ -34574,79 +34495,6 @@
           <a:chExt cx="0" cy="0"/>
         </a:xfrm>
       </p:grpSpPr>
-      <p:sp>
-        <p:nvSpPr>
-          <p:cNvPr id="2" name="Title 1"/>
-          <p:cNvSpPr>
-            <a:spLocks noGrp="1"/>
-          </p:cNvSpPr>
-          <p:nvPr>
-            <p:ph type="title"/>
-          </p:nvPr>
-        </p:nvSpPr>
-        <p:spPr>
-          <a:xfrm>
-            <a:off x="228599" y="1765162"/>
-            <a:ext cx="4114801" cy="667487"/>
-          </a:xfrm>
-        </p:spPr>
-        <p:txBody>
-          <a:bodyPr/>
-          <a:lstStyle/>
-          <a:p>
-            <a:r>
-              <a:rPr lang="en-US" dirty="0" smtClean="0"/>
-              <a:t>Container Orchestration</a:t>
-            </a:r>
-            <a:endParaRPr lang="en-US" dirty="0"/>
-          </a:p>
-        </p:txBody>
-      </p:sp>
-    </p:spTree>
-    <p:extLst>
-      <p:ext uri="{BB962C8B-B14F-4D97-AF65-F5344CB8AC3E}">
-        <p14:creationId xmlns:p14="http://schemas.microsoft.com/office/powerpoint/2010/main" val="4121241028"/>
-      </p:ext>
-    </p:extLst>
-  </p:cSld>
-  <p:clrMapOvr>
-    <a:masterClrMapping/>
-  </p:clrMapOvr>
-  <mc:AlternateContent xmlns:mc="http://schemas.openxmlformats.org/markup-compatibility/2006" xmlns:p14="http://schemas.microsoft.com/office/powerpoint/2010/main">
-    <mc:Choice Requires="p14">
-      <p:transition p14:dur="0"/>
-    </mc:Choice>
-    <mc:Fallback xmlns="">
-      <p:transition/>
-    </mc:Fallback>
-  </mc:AlternateContent>
-  <p:timing>
-    <p:tnLst>
-      <p:par>
-        <p:cTn id="1" dur="indefinite" restart="never" nodeType="tmRoot"/>
-      </p:par>
-    </p:tnLst>
-  </p:timing>
-</p:sld>
-</file>
-
-<file path=ppt/slides/slide3.xml><?xml version="1.0" encoding="utf-8"?>
-<p:sld xmlns:a="http://schemas.openxmlformats.org/drawingml/2006/main" xmlns:r="http://schemas.openxmlformats.org/officeDocument/2006/relationships" xmlns:p="http://schemas.openxmlformats.org/presentationml/2006/main">
-  <p:cSld>
-    <p:spTree>
-      <p:nvGrpSpPr>
-        <p:cNvPr id="1" name=""/>
-        <p:cNvGrpSpPr/>
-        <p:nvPr/>
-      </p:nvGrpSpPr>
-      <p:grpSpPr>
-        <a:xfrm>
-          <a:off x="0" y="0"/>
-          <a:ext cx="0" cy="0"/>
-          <a:chOff x="0" y="0"/>
-          <a:chExt cx="0" cy="0"/>
-        </a:xfrm>
-      </p:grpSpPr>
       <p:pic>
         <p:nvPicPr>
           <p:cNvPr id="657" name="pasted-image.pdf"/>
@@ -34699,7 +34547,7 @@
           </a:ln>
           <a:extLst>
             <a:ext uri="{C572A759-6A51-4108-AA02-DFA0A04FC94B}">
-              <ma14:wrappingTextBoxFlag xmlns="" xmlns:ma14="http://schemas.microsoft.com/office/mac/drawingml/2011/main" val="1"/>
+              <ma14:wrappingTextBoxFlag xmlns:ma14="http://schemas.microsoft.com/office/mac/drawingml/2011/main" xmlns="" val="1"/>
             </a:ext>
           </a:extLst>
         </p:spPr>
@@ -34743,7 +34591,7 @@
               <a:pPr>
                 <a:defRPr/>
               </a:pPr>
-              <a:t>3</a:t>
+              <a:t>2</a:t>
             </a:fld>
             <a:endParaRPr lang="en-US" dirty="0"/>
           </a:p>
@@ -34762,7 +34610,7 @@
 </p:sld>
 </file>
 
-<file path=ppt/slides/slide4.xml><?xml version="1.0" encoding="utf-8"?>
+<file path=ppt/slides/slide3.xml><?xml version="1.0" encoding="utf-8"?>
 <p:sld xmlns:a="http://schemas.openxmlformats.org/drawingml/2006/main" xmlns:r="http://schemas.openxmlformats.org/officeDocument/2006/relationships" xmlns:p="http://schemas.openxmlformats.org/presentationml/2006/main">
   <p:cSld>
     <p:spTree>
@@ -34831,7 +34679,7 @@
           </a:ln>
           <a:extLst>
             <a:ext uri="{C572A759-6A51-4108-AA02-DFA0A04FC94B}">
-              <ma14:wrappingTextBoxFlag xmlns="" xmlns:ma14="http://schemas.microsoft.com/office/mac/drawingml/2011/main" val="1"/>
+              <ma14:wrappingTextBoxFlag xmlns:ma14="http://schemas.microsoft.com/office/mac/drawingml/2011/main" xmlns="" val="1"/>
             </a:ext>
           </a:extLst>
         </p:spPr>
@@ -35007,7 +34855,7 @@
               <a:pPr>
                 <a:defRPr/>
               </a:pPr>
-              <a:t>4</a:t>
+              <a:t>3</a:t>
             </a:fld>
             <a:endParaRPr lang="en-US" dirty="0"/>
           </a:p>
@@ -35406,7 +35254,7 @@
 </p:sld>
 </file>
 
-<file path=ppt/slides/slide5.xml><?xml version="1.0" encoding="utf-8"?>
+<file path=ppt/slides/slide4.xml><?xml version="1.0" encoding="utf-8"?>
 <p:sld xmlns:a="http://schemas.openxmlformats.org/drawingml/2006/main" xmlns:r="http://schemas.openxmlformats.org/officeDocument/2006/relationships" xmlns:p="http://schemas.openxmlformats.org/presentationml/2006/main">
   <p:cSld>
     <p:spTree>
@@ -36762,7 +36610,7 @@
           </a:ln>
           <a:extLst>
             <a:ext uri="{C572A759-6A51-4108-AA02-DFA0A04FC94B}">
-              <ma14:wrappingTextBoxFlag xmlns="" xmlns:ma14="http://schemas.microsoft.com/office/mac/drawingml/2011/main" val="1"/>
+              <ma14:wrappingTextBoxFlag xmlns:ma14="http://schemas.microsoft.com/office/mac/drawingml/2011/main" xmlns="" val="1"/>
             </a:ext>
           </a:extLst>
         </p:spPr>
@@ -36811,7 +36659,7 @@
               <a:pPr>
                 <a:defRPr/>
               </a:pPr>
-              <a:t>5</a:t>
+              <a:t>4</a:t>
             </a:fld>
             <a:endParaRPr lang="en-US" dirty="0"/>
           </a:p>
@@ -39752,7 +39600,7 @@
 </p:sld>
 </file>
 
-<file path=ppt/slides/slide6.xml><?xml version="1.0" encoding="utf-8"?>
+<file path=ppt/slides/slide5.xml><?xml version="1.0" encoding="utf-8"?>
 <p:sld xmlns:a="http://schemas.openxmlformats.org/drawingml/2006/main" xmlns:r="http://schemas.openxmlformats.org/officeDocument/2006/relationships" xmlns:p="http://schemas.openxmlformats.org/presentationml/2006/main">
   <p:cSld>
     <p:spTree>
@@ -41016,7 +40864,7 @@
           </a:ln>
           <a:extLst>
             <a:ext uri="{C572A759-6A51-4108-AA02-DFA0A04FC94B}">
-              <ma14:wrappingTextBoxFlag xmlns="" xmlns:ma14="http://schemas.microsoft.com/office/mac/drawingml/2011/main" val="1"/>
+              <ma14:wrappingTextBoxFlag xmlns:ma14="http://schemas.microsoft.com/office/mac/drawingml/2011/main" xmlns="" val="1"/>
             </a:ext>
           </a:extLst>
         </p:spPr>
@@ -41452,7 +41300,7 @@
               <a:pPr>
                 <a:defRPr/>
               </a:pPr>
-              <a:t>6</a:t>
+              <a:t>5</a:t>
             </a:fld>
             <a:endParaRPr lang="en-US" dirty="0"/>
           </a:p>
@@ -41479,7 +41327,7 @@
 </p:sld>
 </file>
 
-<file path=ppt/slides/slide7.xml><?xml version="1.0" encoding="utf-8"?>
+<file path=ppt/slides/slide6.xml><?xml version="1.0" encoding="utf-8"?>
 <p:sld xmlns:a="http://schemas.openxmlformats.org/drawingml/2006/main" xmlns:r="http://schemas.openxmlformats.org/officeDocument/2006/relationships" xmlns:p="http://schemas.openxmlformats.org/presentationml/2006/main">
   <p:cSld>
     <p:spTree>
@@ -41534,7 +41382,12 @@
             <p:ph type="sldNum" sz="quarter" idx="10"/>
           </p:nvPr>
         </p:nvSpPr>
-        <p:spPr/>
+        <p:spPr>
+          <a:xfrm>
+            <a:off x="6926580" y="4826480"/>
+            <a:ext cx="2057400" cy="137160"/>
+          </a:xfrm>
+        </p:spPr>
         <p:txBody>
           <a:bodyPr/>
           <a:lstStyle/>
@@ -41542,7 +41395,7 @@
             <a:fld id="{11A68DD8-55F1-4DDB-A894-47428CF80362}" type="slidenum">
               <a:rPr lang="en-US" smtClean="0"/>
               <a:pPr/>
-              <a:t>7</a:t>
+              <a:t>6</a:t>
             </a:fld>
             <a:endParaRPr lang="en-US" dirty="0"/>
           </a:p>
@@ -41561,7 +41414,7 @@
         <p:spPr>
           <a:xfrm>
             <a:off x="123273" y="1198541"/>
-            <a:ext cx="4324627" cy="3810051"/>
+            <a:ext cx="4951647" cy="3810051"/>
           </a:xfrm>
         </p:spPr>
         <p:txBody>
@@ -41572,18 +41425,18 @@
               <a:buNone/>
             </a:pPr>
             <a:r>
-              <a:rPr lang="en-US" sz="1300" b="1" dirty="0" smtClean="0"/>
+              <a:rPr lang="en-US" sz="1600" dirty="0" smtClean="0"/>
               <a:t>Cluster </a:t>
             </a:r>
             <a:r>
-              <a:rPr lang="en-US" sz="1300" b="1" dirty="0"/>
+              <a:rPr lang="en-US" sz="1600" dirty="0"/>
               <a:t>management</a:t>
             </a:r>
           </a:p>
           <a:p>
             <a:pPr lvl="2"/>
             <a:r>
-              <a:rPr lang="en-US" sz="1200" dirty="0"/>
+              <a:rPr lang="en-US" dirty="0"/>
               <a:t>Federates multiple hosts into one target</a:t>
             </a:r>
           </a:p>
@@ -41592,14 +41445,14 @@
               <a:buNone/>
             </a:pPr>
             <a:r>
-              <a:rPr lang="en-US" sz="1300" b="1" dirty="0"/>
+              <a:rPr lang="en-US" sz="1600" dirty="0"/>
               <a:t>Scheduling</a:t>
             </a:r>
           </a:p>
           <a:p>
             <a:pPr lvl="2"/>
             <a:r>
-              <a:rPr lang="en-US" sz="1200" dirty="0"/>
+              <a:rPr lang="en-US" dirty="0"/>
               <a:t>Distributes containers across nodes</a:t>
             </a:r>
           </a:p>
@@ -41608,21 +41461,21 @@
               <a:buNone/>
             </a:pPr>
             <a:r>
-              <a:rPr lang="en-US" sz="1300" b="1" dirty="0"/>
+              <a:rPr lang="en-US" sz="1600" dirty="0"/>
               <a:t>Service discovery</a:t>
             </a:r>
           </a:p>
           <a:p>
             <a:pPr lvl="2"/>
             <a:r>
-              <a:rPr lang="en-US" sz="1200" dirty="0"/>
+              <a:rPr lang="en-US" dirty="0"/>
               <a:t>Knows where the containers are located</a:t>
             </a:r>
           </a:p>
           <a:p>
             <a:pPr lvl="2"/>
             <a:r>
-              <a:rPr lang="en-US" sz="1200" dirty="0"/>
+              <a:rPr lang="en-US" dirty="0"/>
               <a:t>Distributes client requests across the containers</a:t>
             </a:r>
           </a:p>
@@ -41631,14 +41484,14 @@
               <a:buNone/>
             </a:pPr>
             <a:r>
-              <a:rPr lang="en-US" sz="1300" b="1" dirty="0"/>
+              <a:rPr lang="en-US" sz="1600" dirty="0"/>
               <a:t>Replication</a:t>
             </a:r>
           </a:p>
           <a:p>
             <a:pPr lvl="2"/>
             <a:r>
-              <a:rPr lang="en-US" sz="1200" dirty="0"/>
+              <a:rPr lang="en-US" dirty="0"/>
               <a:t>Ensures the right number of nodes and containers</a:t>
             </a:r>
           </a:p>
@@ -41647,14 +41500,14 @@
               <a:buNone/>
             </a:pPr>
             <a:r>
-              <a:rPr lang="en-US" sz="1300" b="1" dirty="0"/>
+              <a:rPr lang="en-US" sz="1600" dirty="0"/>
               <a:t>Health management</a:t>
             </a:r>
           </a:p>
           <a:p>
             <a:pPr lvl="2"/>
             <a:r>
-              <a:rPr lang="en-US" sz="1200" dirty="0"/>
+              <a:rPr lang="en-US" dirty="0"/>
               <a:t>Replaces unhealthy containers and nodes</a:t>
             </a:r>
           </a:p>
@@ -41675,7 +41528,7 @@
         </p:nvSpPr>
         <p:spPr>
           <a:xfrm>
-            <a:off x="5000249" y="1315664"/>
+            <a:off x="5068829" y="1315664"/>
             <a:ext cx="3429901" cy="341683"/>
           </a:xfrm>
         </p:spPr>
@@ -41700,7 +41553,7 @@
         </p:nvSpPr>
         <p:spPr bwMode="auto">
           <a:xfrm>
-            <a:off x="6075515" y="1735547"/>
+            <a:off x="6144095" y="1735547"/>
             <a:ext cx="1124556" cy="1275282"/>
           </a:xfrm>
           <a:prstGeom prst="rect">
@@ -41757,7 +41610,7 @@
         </p:nvSpPr>
         <p:spPr bwMode="auto">
           <a:xfrm>
-            <a:off x="6207183" y="2074817"/>
+            <a:off x="6275763" y="2074817"/>
             <a:ext cx="854662" cy="382250"/>
           </a:xfrm>
           <a:prstGeom prst="rect">
@@ -41814,7 +41667,7 @@
         </p:nvSpPr>
         <p:spPr bwMode="auto">
           <a:xfrm>
-            <a:off x="6207183" y="2540233"/>
+            <a:off x="6275763" y="2540233"/>
             <a:ext cx="854662" cy="382250"/>
           </a:xfrm>
           <a:prstGeom prst="rect">
@@ -41871,7 +41724,7 @@
         </p:nvSpPr>
         <p:spPr bwMode="auto">
           <a:xfrm>
-            <a:off x="4777120" y="3577105"/>
+            <a:off x="4845700" y="3577105"/>
             <a:ext cx="1124556" cy="1344179"/>
           </a:xfrm>
           <a:prstGeom prst="rect">
@@ -41927,7 +41780,7 @@
         </p:nvSpPr>
         <p:spPr bwMode="auto">
           <a:xfrm>
-            <a:off x="4911601" y="3901465"/>
+            <a:off x="4980181" y="3901465"/>
             <a:ext cx="854662" cy="382250"/>
           </a:xfrm>
           <a:prstGeom prst="rect">
@@ -41984,7 +41837,7 @@
         </p:nvGrpSpPr>
         <p:grpSpPr>
           <a:xfrm>
-            <a:off x="4872244" y="4368719"/>
+            <a:off x="4940824" y="4368719"/>
             <a:ext cx="933377" cy="452813"/>
             <a:chOff x="5748109" y="3235641"/>
             <a:chExt cx="1244178" cy="603751"/>
@@ -42185,7 +42038,7 @@
         </p:nvSpPr>
         <p:spPr bwMode="auto">
           <a:xfrm>
-            <a:off x="6075515" y="3563393"/>
+            <a:off x="6144095" y="3563393"/>
             <a:ext cx="1124556" cy="1344179"/>
           </a:xfrm>
           <a:prstGeom prst="rect">
@@ -42241,7 +42094,7 @@
         </p:nvSpPr>
         <p:spPr bwMode="auto">
           <a:xfrm>
-            <a:off x="6209996" y="3887754"/>
+            <a:off x="6278576" y="3887754"/>
             <a:ext cx="854662" cy="382250"/>
           </a:xfrm>
           <a:prstGeom prst="rect">
@@ -42298,7 +42151,7 @@
         </p:nvGrpSpPr>
         <p:grpSpPr>
           <a:xfrm>
-            <a:off x="6170639" y="4355008"/>
+            <a:off x="6239219" y="4355008"/>
             <a:ext cx="933377" cy="452813"/>
             <a:chOff x="5748109" y="3235641"/>
             <a:chExt cx="1244178" cy="603751"/>
@@ -42499,7 +42352,7 @@
         </p:nvSpPr>
         <p:spPr bwMode="auto">
           <a:xfrm>
-            <a:off x="7373909" y="3559555"/>
+            <a:off x="7442489" y="3559555"/>
             <a:ext cx="1124556" cy="1344179"/>
           </a:xfrm>
           <a:prstGeom prst="rect">
@@ -42555,7 +42408,7 @@
         </p:nvSpPr>
         <p:spPr bwMode="auto">
           <a:xfrm>
-            <a:off x="7508391" y="3883915"/>
+            <a:off x="7576971" y="3883915"/>
             <a:ext cx="854662" cy="382250"/>
           </a:xfrm>
           <a:prstGeom prst="rect">
@@ -42612,7 +42465,7 @@
         </p:nvGrpSpPr>
         <p:grpSpPr>
           <a:xfrm>
-            <a:off x="7469033" y="4351169"/>
+            <a:off x="7537613" y="4351169"/>
             <a:ext cx="933377" cy="452813"/>
             <a:chOff x="5748109" y="3235641"/>
             <a:chExt cx="1244178" cy="603751"/>
@@ -42816,7 +42669,7 @@
         </p:nvCxnSpPr>
         <p:spPr bwMode="auto">
           <a:xfrm rot="16200000" flipH="1">
-            <a:off x="7012627" y="2635994"/>
+            <a:off x="7081207" y="2635994"/>
             <a:ext cx="548726" cy="1298395"/>
           </a:xfrm>
           <a:prstGeom prst="bentConnector3">
@@ -42861,7 +42714,7 @@
         </p:nvCxnSpPr>
         <p:spPr bwMode="auto">
           <a:xfrm rot="5400000">
-            <a:off x="5705458" y="2644769"/>
+            <a:off x="5774038" y="2644769"/>
             <a:ext cx="566276" cy="1298395"/>
           </a:xfrm>
           <a:prstGeom prst="bentConnector3">
@@ -42904,7 +42757,7 @@
         </p:nvCxnSpPr>
         <p:spPr bwMode="auto">
           <a:xfrm>
-            <a:off x="6637793" y="3010829"/>
+            <a:off x="6706373" y="3010829"/>
             <a:ext cx="0" cy="552564"/>
           </a:xfrm>
           <a:prstGeom prst="line">
@@ -42946,7 +42799,7 @@
         </p:nvCxnSpPr>
         <p:spPr bwMode="auto">
           <a:xfrm flipV="1">
-            <a:off x="8498465" y="2632683"/>
+            <a:off x="8567045" y="2632683"/>
             <a:ext cx="133103" cy="1598961"/>
           </a:xfrm>
           <a:prstGeom prst="bentConnector2">
@@ -42988,7 +42841,7 @@
         </p:nvCxnSpPr>
         <p:spPr bwMode="auto">
           <a:xfrm>
-            <a:off x="7200070" y="2373188"/>
+            <a:off x="7268650" y="2373188"/>
             <a:ext cx="1004167" cy="0"/>
           </a:xfrm>
           <a:prstGeom prst="straightConnector1">
@@ -43030,7 +42883,7 @@
         </p:nvCxnSpPr>
         <p:spPr bwMode="auto">
           <a:xfrm flipH="1">
-            <a:off x="5613925" y="2373188"/>
+            <a:off x="5682505" y="2373188"/>
             <a:ext cx="461590" cy="0"/>
           </a:xfrm>
           <a:prstGeom prst="straightConnector1">
@@ -43070,7 +42923,7 @@
         </p:nvSpPr>
         <p:spPr>
           <a:xfrm>
-            <a:off x="5000249" y="1315664"/>
+            <a:off x="5068829" y="1315664"/>
             <a:ext cx="487375" cy="536645"/>
           </a:xfrm>
           <a:prstGeom prst="can">
@@ -43117,7 +42970,7 @@
         </p:blipFill>
         <p:spPr bwMode="auto">
           <a:xfrm>
-            <a:off x="5000249" y="2007102"/>
+            <a:off x="5068829" y="2007102"/>
             <a:ext cx="496803" cy="527443"/>
           </a:xfrm>
           <a:prstGeom prst="rect">
@@ -43145,7 +42998,7 @@
         </p:nvSpPr>
         <p:spPr>
           <a:xfrm>
-            <a:off x="4748338" y="2540233"/>
+            <a:off x="4816918" y="2540233"/>
             <a:ext cx="1116352" cy="341683"/>
           </a:xfrm>
           <a:prstGeom prst="rect">
@@ -43353,7 +43206,7 @@
         </p:blipFill>
         <p:spPr bwMode="auto">
           <a:xfrm>
-            <a:off x="8402410" y="1575020"/>
+            <a:off x="8470990" y="1575020"/>
             <a:ext cx="496803" cy="527443"/>
           </a:xfrm>
           <a:prstGeom prst="rect">
@@ -43381,7 +43234,7 @@
         </p:nvSpPr>
         <p:spPr>
           <a:xfrm>
-            <a:off x="8092635" y="2154129"/>
+            <a:off x="8161215" y="2154129"/>
             <a:ext cx="1116352" cy="341683"/>
           </a:xfrm>
           <a:prstGeom prst="rect">
@@ -43574,7 +43427,7 @@
         <p:spPr>
           <a:xfrm>
             <a:off x="268713" y="672736"/>
-            <a:ext cx="6292107" cy="507831"/>
+            <a:ext cx="7484741" cy="584775"/>
           </a:xfrm>
           <a:prstGeom prst="rect">
             <a:avLst/>
@@ -43588,16 +43441,16 @@
           <a:lstStyle/>
           <a:p>
             <a:r>
-              <a:rPr lang="en-US" dirty="0" smtClean="0"/>
+              <a:rPr lang="en-US" sz="1600" dirty="0" smtClean="0"/>
               <a:t>Management of </a:t>
             </a:r>
             <a:r>
-              <a:rPr lang="en-US" dirty="0"/>
+              <a:rPr lang="en-US" sz="1600" dirty="0"/>
               <a:t>the deployment, placement, and lifecycle of workload containers</a:t>
             </a:r>
           </a:p>
           <a:p>
-            <a:endParaRPr lang="en-US" dirty="0"/>
+            <a:endParaRPr lang="en-US" sz="1600" dirty="0"/>
           </a:p>
         </p:txBody>
       </p:sp>
@@ -43938,7 +43791,7 @@
   <a:extraClrSchemeLst/>
   <a:extLst>
     <a:ext uri="{05A4C25C-085E-4340-85A3-A5531E510DB2}">
-      <thm15:themeFamily xmlns="" xmlns:thm15="http://schemas.microsoft.com/office/thememl/2012/main" name="DRAFT 7_IBM_Cloud_Presentation_Fast Start_2018_Mini Main and Sessions_Arial" id="{448989E2-F453-EB48-A504-083BB1AFD7E3}" vid="{B050ED43-DA11-BE41-B744-807098D861CA}"/>
+      <thm15:themeFamily xmlns:thm15="http://schemas.microsoft.com/office/thememl/2012/main" xmlns="" name="DRAFT 7_IBM_Cloud_Presentation_Fast Start_2018_Mini Main and Sessions_Arial" id="{448989E2-F453-EB48-A504-083BB1AFD7E3}" vid="{B050ED43-DA11-BE41-B744-807098D861CA}"/>
     </a:ext>
   </a:extLst>
 </a:theme>
@@ -44261,7 +44114,7 @@
   <a:extraClrSchemeLst/>
   <a:extLst>
     <a:ext uri="{05A4C25C-085E-4340-85A3-A5531E510DB2}">
-      <thm15:themeFamily xmlns="" xmlns:thm15="http://schemas.microsoft.com/office/thememl/2012/main" name="DRAFT 7_IBM_Cloud_Presentation_Fast Start_2018_Mini Main and Sessions_Arial" id="{448989E2-F453-EB48-A504-083BB1AFD7E3}" vid="{C99EB306-4F64-C242-BE13-5B49035DDC3E}"/>
+      <thm15:themeFamily xmlns:thm15="http://schemas.microsoft.com/office/thememl/2012/main" xmlns="" name="DRAFT 7_IBM_Cloud_Presentation_Fast Start_2018_Mini Main and Sessions_Arial" id="{448989E2-F453-EB48-A504-083BB1AFD7E3}" vid="{C99EB306-4F64-C242-BE13-5B49035DDC3E}"/>
     </a:ext>
   </a:extLst>
 </a:theme>
@@ -44593,7 +44446,7 @@
   <a:extraClrSchemeLst/>
   <a:extLst>
     <a:ext uri="{05A4C25C-085E-4340-85A3-A5531E510DB2}">
-      <thm15:themeFamily xmlns="" xmlns:thm15="http://schemas.microsoft.com/office/thememl/2012/main" name="DRAFT 7_IBM_Cloud_Presentation_Fast Start_2018_Mini Main and Sessions_Arial" id="{448989E2-F453-EB48-A504-083BB1AFD7E3}" vid="{07DB8211-143D-D64F-904E-1520B9F17183}"/>
+      <thm15:themeFamily xmlns:thm15="http://schemas.microsoft.com/office/thememl/2012/main" xmlns="" name="DRAFT 7_IBM_Cloud_Presentation_Fast Start_2018_Mini Main and Sessions_Arial" id="{448989E2-F453-EB48-A504-083BB1AFD7E3}" vid="{07DB8211-143D-D64F-904E-1520B9F17183}"/>
     </a:ext>
   </a:extLst>
 </a:theme>
@@ -44916,7 +44769,7 @@
   <a:extraClrSchemeLst/>
   <a:extLst>
     <a:ext uri="{05A4C25C-085E-4340-85A3-A5531E510DB2}">
-      <thm15:themeFamily xmlns="" xmlns:thm15="http://schemas.microsoft.com/office/thememl/2012/main" name="DRAFT 7_IBM_Cloud_Presentation_Fast Start_2018_Mini Main and Sessions_Arial" id="{448989E2-F453-EB48-A504-083BB1AFD7E3}" vid="{A9EE2942-96FA-7B41-8904-00DEB1B826B4}"/>
+      <thm15:themeFamily xmlns:thm15="http://schemas.microsoft.com/office/thememl/2012/main" xmlns="" name="DRAFT 7_IBM_Cloud_Presentation_Fast Start_2018_Mini Main and Sessions_Arial" id="{448989E2-F453-EB48-A504-083BB1AFD7E3}" vid="{A9EE2942-96FA-7B41-8904-00DEB1B826B4}"/>
     </a:ext>
   </a:extLst>
 </a:theme>
@@ -45239,7 +45092,7 @@
   <a:extraClrSchemeLst/>
   <a:extLst>
     <a:ext uri="{05A4C25C-085E-4340-85A3-A5531E510DB2}">
-      <thm15:themeFamily xmlns="" xmlns:thm15="http://schemas.microsoft.com/office/thememl/2012/main" name="DRAFT 7_IBM_Cloud_Presentation_Fast Start_2018_Mini Main and Sessions_Arial" id="{448989E2-F453-EB48-A504-083BB1AFD7E3}" vid="{69E3344E-065F-7B4B-8991-E5AD7C8A66B7}"/>
+      <thm15:themeFamily xmlns:thm15="http://schemas.microsoft.com/office/thememl/2012/main" xmlns="" name="DRAFT 7_IBM_Cloud_Presentation_Fast Start_2018_Mini Main and Sessions_Arial" id="{448989E2-F453-EB48-A504-083BB1AFD7E3}" vid="{69E3344E-065F-7B4B-8991-E5AD7C8A66B7}"/>
     </a:ext>
   </a:extLst>
 </a:theme>
@@ -45500,7 +45353,7 @@
   <a:extraClrSchemeLst/>
   <a:extLst>
     <a:ext uri="{05A4C25C-085E-4340-85A3-A5531E510DB2}">
-      <thm15:themeFamily xmlns="" xmlns:thm15="http://schemas.microsoft.com/office/thememl/2012/main" name="Office Theme" id="{62F939B6-93AF-4DB8-9C6B-D6C7DFDC589F}" vid="{4A3C46E8-61CC-4603-A589-7422A47A8E4A}"/>
+      <thm15:themeFamily xmlns:thm15="http://schemas.microsoft.com/office/thememl/2012/main" xmlns="" name="Office Theme" id="{62F939B6-93AF-4DB8-9C6B-D6C7DFDC589F}" vid="{4A3C46E8-61CC-4603-A589-7422A47A8E4A}"/>
     </a:ext>
   </a:extLst>
 </a:theme>

--- a/Units_development/Container orchestration_AWG.pptx
+++ b/Units_development/Container orchestration_AWG.pptx
@@ -9,7 +9,7 @@
     <p:sldMasterId id="2147483826" r:id="rId5"/>
   </p:sldMasterIdLst>
   <p:notesMasterIdLst>
-    <p:notesMasterId r:id="rId12"/>
+    <p:notesMasterId r:id="rId14"/>
   </p:notesMasterIdLst>
   <p:sldIdLst>
     <p:sldId id="533" r:id="rId6"/>
@@ -18,6 +18,8 @@
     <p:sldId id="507" r:id="rId9"/>
     <p:sldId id="508" r:id="rId10"/>
     <p:sldId id="517" r:id="rId11"/>
+    <p:sldId id="535" r:id="rId12"/>
+    <p:sldId id="534" r:id="rId13"/>
   </p:sldIdLst>
   <p:sldSz cx="9144000" cy="5143500" type="screen16x9"/>
   <p:notesSz cx="6858000" cy="9144000"/>
@@ -118,7 +120,7 @@
   </p:defaultTextStyle>
   <p:extLst>
     <p:ext uri="{EFAFB233-063F-42B5-8137-9DF3F51BA10A}">
-      <p15:sldGuideLst xmlns:p15="http://schemas.microsoft.com/office/powerpoint/2012/main" xmlns="">
+      <p15:sldGuideLst xmlns="" xmlns:p15="http://schemas.microsoft.com/office/powerpoint/2012/main">
         <p15:guide id="1" orient="horz" pos="1620" userDrawn="1">
           <p15:clr>
             <a:srgbClr val="A4A3A4"/>
@@ -217,7 +219,7 @@
           <a:p>
             <a:fld id="{26BE012A-D992-5D42-B86E-AA2BC0764EE1}" type="datetimeFigureOut">
               <a:rPr lang="en-US" smtClean="0"/>
-              <a:t>5/29/2018</a:t>
+              <a:t>5/30/2018</a:t>
             </a:fld>
             <a:endParaRPr lang="en-US"/>
           </a:p>
@@ -2190,8 +2192,8 @@
 </file>
 
 <file path=ppt/slideLayouts/slideLayout107.xml><?xml version="1.0" encoding="utf-8"?>
-<p:sldLayout xmlns:a="http://schemas.openxmlformats.org/drawingml/2006/main" xmlns:r="http://schemas.openxmlformats.org/officeDocument/2006/relationships" xmlns:p="http://schemas.openxmlformats.org/presentationml/2006/main" preserve="1">
-  <p:cSld name="Cover Slide">
+<p:sldLayout xmlns:a="http://schemas.openxmlformats.org/drawingml/2006/main" xmlns:r="http://schemas.openxmlformats.org/officeDocument/2006/relationships" xmlns:p="http://schemas.openxmlformats.org/presentationml/2006/main" type="titleOnly">
+  <p:cSld name="Title Only">
     <p:spTree>
       <p:nvGrpSpPr>
         <p:cNvPr id="1" name=""/>
@@ -2208,7 +2210,7 @@
       </p:grpSpPr>
       <p:sp>
         <p:nvSpPr>
-          <p:cNvPr id="4" name="Title 3"/>
+          <p:cNvPr id="2" name="Title 1"/>
           <p:cNvSpPr>
             <a:spLocks noGrp="1"/>
           </p:cNvSpPr>
@@ -2216,158 +2218,90 @@
             <p:ph type="title"/>
           </p:nvPr>
         </p:nvSpPr>
-        <p:spPr>
-          <a:xfrm>
-            <a:off x="228599" y="203781"/>
-            <a:ext cx="4114801" cy="4479344"/>
-          </a:xfrm>
+        <p:spPr/>
+        <p:txBody>
+          <a:bodyPr/>
+          <a:lstStyle/>
+          <a:p>
+            <a:r>
+              <a:rPr lang="en-US"/>
+              <a:t>Click to edit Master title style</a:t>
+            </a:r>
+            <a:endParaRPr lang="en-US" dirty="0"/>
+          </a:p>
+        </p:txBody>
+      </p:sp>
+      <p:sp>
+        <p:nvSpPr>
+          <p:cNvPr id="3" name="Rectangle 10"/>
+          <p:cNvSpPr>
+            <a:spLocks noGrp="1" noChangeArrowheads="1"/>
+          </p:cNvSpPr>
+          <p:nvPr>
+            <p:ph type="sldNum" sz="quarter" idx="10"/>
+          </p:nvPr>
+        </p:nvSpPr>
+        <p:spPr>
+          <a:ln/>
         </p:spPr>
         <p:txBody>
           <a:bodyPr/>
           <a:lstStyle>
             <a:lvl1pPr>
-              <a:lnSpc>
-                <a:spcPct val="90000"/>
-              </a:lnSpc>
-              <a:defRPr sz="2400" b="0">
-                <a:solidFill>
-                  <a:schemeClr val="tx1"/>
-                </a:solidFill>
-              </a:defRPr>
+              <a:defRPr/>
             </a:lvl1pPr>
           </a:lstStyle>
           <a:p>
-            <a:r>
-              <a:rPr lang="en-US"/>
-              <a:t>Click to edit Master title style</a:t>
-            </a:r>
+            <a:pPr>
+              <a:defRPr/>
+            </a:pPr>
+            <a:fld id="{9FD8E78C-0F93-4A43-ACD8-0787B77EB95B}" type="slidenum">
+              <a:rPr lang="en-US" smtClean="0"/>
+              <a:pPr>
+                <a:defRPr/>
+              </a:pPr>
+              <a:t>‹#›</a:t>
+            </a:fld>
             <a:endParaRPr lang="en-US" dirty="0"/>
           </a:p>
         </p:txBody>
       </p:sp>
-      <p:pic>
-        <p:nvPicPr>
-          <p:cNvPr id="5" name="Picture 4"/>
-          <p:cNvPicPr>
-            <a:picLocks noChangeAspect="1"/>
-          </p:cNvPicPr>
-          <p:nvPr/>
-        </p:nvPicPr>
-        <p:blipFill>
-          <a:blip r:embed="rId2" cstate="email">
-            <a:extLst>
-              <a:ext uri="{28A0092B-C50C-407E-A947-70E740481C1C}">
-                <a14:useLocalDpi xmlns:a14="http://schemas.microsoft.com/office/drawing/2010/main"/>
-              </a:ext>
-            </a:extLst>
-          </a:blip>
-          <a:stretch>
-            <a:fillRect/>
-          </a:stretch>
-        </p:blipFill>
-        <p:spPr>
-          <a:xfrm>
-            <a:off x="8393811" y="4705350"/>
-            <a:ext cx="521589" cy="211455"/>
-          </a:xfrm>
-          <a:prstGeom prst="rect">
-            <a:avLst/>
-          </a:prstGeom>
-        </p:spPr>
-      </p:pic>
-      <p:pic>
-        <p:nvPicPr>
-          <p:cNvPr id="7" name="Picture 6"/>
-          <p:cNvPicPr>
-            <a:picLocks noChangeAspect="1"/>
-          </p:cNvPicPr>
-          <p:nvPr userDrawn="1"/>
-        </p:nvPicPr>
-        <p:blipFill rotWithShape="1">
-          <a:blip r:embed="rId3" cstate="email">
-            <a:extLst>
-              <a:ext uri="{28A0092B-C50C-407E-A947-70E740481C1C}">
-                <a14:useLocalDpi xmlns:a14="http://schemas.microsoft.com/office/drawing/2010/main"/>
-              </a:ext>
-            </a:extLst>
-          </a:blip>
-          <a:srcRect/>
-          <a:stretch/>
-        </p:blipFill>
-        <p:spPr>
-          <a:xfrm>
-            <a:off x="4467224" y="405272"/>
-            <a:ext cx="4297421" cy="3687650"/>
-          </a:xfrm>
-          <a:prstGeom prst="rect">
-            <a:avLst/>
-          </a:prstGeom>
-        </p:spPr>
-      </p:pic>
-      <p:pic>
-        <p:nvPicPr>
-          <p:cNvPr id="8" name="Picture 7" descr="ibm_gry.png"/>
-          <p:cNvPicPr>
-            <a:picLocks noChangeAspect="1"/>
-          </p:cNvPicPr>
-          <p:nvPr userDrawn="1"/>
-        </p:nvPicPr>
-        <p:blipFill>
-          <a:blip r:embed="rId4" cstate="email">
-            <a:biLevel thresh="75000"/>
-            <a:extLst>
-              <a:ext uri="{28A0092B-C50C-407E-A947-70E740481C1C}">
-                <a14:useLocalDpi xmlns:a14="http://schemas.microsoft.com/office/drawing/2010/main"/>
-              </a:ext>
-            </a:extLst>
-          </a:blip>
-          <a:stretch>
-            <a:fillRect/>
-          </a:stretch>
-        </p:blipFill>
-        <p:spPr>
-          <a:xfrm>
-            <a:off x="8393811" y="240045"/>
-            <a:ext cx="521589" cy="211471"/>
-          </a:xfrm>
-          <a:prstGeom prst="rect">
-            <a:avLst/>
-          </a:prstGeom>
-        </p:spPr>
-      </p:pic>
-      <p:pic>
-        <p:nvPicPr>
-          <p:cNvPr id="9" name="Picture 8"/>
-          <p:cNvPicPr>
-            <a:picLocks noChangeAspect="1"/>
-          </p:cNvPicPr>
-          <p:nvPr userDrawn="1"/>
-        </p:nvPicPr>
-        <p:blipFill rotWithShape="1">
-          <a:blip r:embed="rId5" cstate="email">
-            <a:extLst>
-              <a:ext uri="{28A0092B-C50C-407E-A947-70E740481C1C}">
-                <a14:useLocalDpi xmlns:a14="http://schemas.microsoft.com/office/drawing/2010/main"/>
-              </a:ext>
-            </a:extLst>
-          </a:blip>
-          <a:srcRect/>
-          <a:stretch/>
-        </p:blipFill>
-        <p:spPr>
-          <a:xfrm>
-            <a:off x="7410684" y="4584701"/>
-            <a:ext cx="1620427" cy="470448"/>
-          </a:xfrm>
-          <a:prstGeom prst="rect">
-            <a:avLst/>
-          </a:prstGeom>
-        </p:spPr>
-      </p:pic>
+      <p:sp>
+        <p:nvSpPr>
+          <p:cNvPr id="4" name="Rectangle 11"/>
+          <p:cNvSpPr>
+            <a:spLocks noGrp="1" noChangeArrowheads="1"/>
+          </p:cNvSpPr>
+          <p:nvPr>
+            <p:ph type="ftr" sz="quarter" idx="11"/>
+          </p:nvPr>
+        </p:nvSpPr>
+        <p:spPr>
+          <a:ln/>
+        </p:spPr>
+        <p:txBody>
+          <a:bodyPr/>
+          <a:lstStyle>
+            <a:lvl1pPr>
+              <a:defRPr/>
+            </a:lvl1pPr>
+          </a:lstStyle>
+          <a:p>
+            <a:pPr>
+              <a:defRPr/>
+            </a:pPr>
+            <a:r>
+              <a:rPr lang="en-US"/>
+              <a:t>© Copyright IBM Corporation 2017-18</a:t>
+            </a:r>
+            <a:endParaRPr lang="en-US" dirty="0"/>
+          </a:p>
+        </p:txBody>
+      </p:sp>
     </p:spTree>
     <p:extLst>
       <p:ext uri="{BB962C8B-B14F-4D97-AF65-F5344CB8AC3E}">
-        <p14:creationId xmlns:p14="http://schemas.microsoft.com/office/powerpoint/2010/main" val="227238187"/>
+        <p14:creationId xmlns:p14="http://schemas.microsoft.com/office/powerpoint/2010/main" val="3990393900"/>
       </p:ext>
     </p:extLst>
   </p:cSld>
@@ -2378,8 +2312,8 @@
 </file>
 
 <file path=ppt/slideLayouts/slideLayout108.xml><?xml version="1.0" encoding="utf-8"?>
-<p:sldLayout xmlns:a="http://schemas.openxmlformats.org/drawingml/2006/main" xmlns:r="http://schemas.openxmlformats.org/officeDocument/2006/relationships" xmlns:p="http://schemas.openxmlformats.org/presentationml/2006/main" preserve="1" userDrawn="1">
-  <p:cSld name="title, bullets">
+<p:sldLayout xmlns:a="http://schemas.openxmlformats.org/drawingml/2006/main" xmlns:r="http://schemas.openxmlformats.org/officeDocument/2006/relationships" xmlns:p="http://schemas.openxmlformats.org/presentationml/2006/main" type="twoObj">
+  <p:cSld name="Two Content">
     <p:spTree>
       <p:nvGrpSpPr>
         <p:cNvPr id="1" name=""/>
@@ -2404,12 +2338,7 @@
             <p:ph type="title"/>
           </p:nvPr>
         </p:nvSpPr>
-        <p:spPr>
-          <a:xfrm>
-            <a:off x="228600" y="201167"/>
-            <a:ext cx="8686800" cy="864308"/>
-          </a:xfrm>
-        </p:spPr>
+        <p:spPr/>
         <p:txBody>
           <a:bodyPr/>
           <a:lstStyle/>
@@ -2424,118 +2353,171 @@
       </p:sp>
       <p:sp>
         <p:nvSpPr>
-          <p:cNvPr id="3" name="Slide Number Placeholder 2"/>
-          <p:cNvSpPr>
-            <a:spLocks noGrp="1"/>
+          <p:cNvPr id="3" name="Content Placeholder 2"/>
+          <p:cNvSpPr>
+            <a:spLocks noGrp="1"/>
+          </p:cNvSpPr>
+          <p:nvPr>
+            <p:ph sz="half" idx="1"/>
+          </p:nvPr>
+        </p:nvSpPr>
+        <p:spPr>
+          <a:xfrm>
+            <a:off x="192074" y="877824"/>
+            <a:ext cx="4257143" cy="4026028"/>
+          </a:xfrm>
+        </p:spPr>
+        <p:txBody>
+          <a:bodyPr/>
+          <a:lstStyle>
+            <a:lvl4pPr marL="509903" indent="0">
+              <a:buNone/>
+              <a:defRPr/>
+            </a:lvl4pPr>
+          </a:lstStyle>
+          <a:p>
+            <a:pPr lvl="0"/>
+            <a:r>
+              <a:rPr lang="en-US"/>
+              <a:t>Click to edit Master text styles</a:t>
+            </a:r>
+          </a:p>
+          <a:p>
+            <a:pPr lvl="1"/>
+            <a:r>
+              <a:rPr lang="en-US"/>
+              <a:t>Second level</a:t>
+            </a:r>
+          </a:p>
+          <a:p>
+            <a:pPr lvl="2"/>
+            <a:r>
+              <a:rPr lang="en-US"/>
+              <a:t>Third level</a:t>
+            </a:r>
+          </a:p>
+        </p:txBody>
+      </p:sp>
+      <p:sp>
+        <p:nvSpPr>
+          <p:cNvPr id="4" name="Content Placeholder 3"/>
+          <p:cNvSpPr>
+            <a:spLocks noGrp="1"/>
+          </p:cNvSpPr>
+          <p:nvPr>
+            <p:ph sz="half" idx="2"/>
+          </p:nvPr>
+        </p:nvSpPr>
+        <p:spPr>
+          <a:xfrm>
+            <a:off x="4631747" y="877824"/>
+            <a:ext cx="4257143" cy="4026028"/>
+          </a:xfrm>
+        </p:spPr>
+        <p:txBody>
+          <a:bodyPr/>
+          <a:lstStyle>
+            <a:lvl4pPr marL="509903" indent="0">
+              <a:buNone/>
+              <a:defRPr/>
+            </a:lvl4pPr>
+          </a:lstStyle>
+          <a:p>
+            <a:pPr lvl="0"/>
+            <a:r>
+              <a:rPr lang="en-US"/>
+              <a:t>Click to edit Master text styles</a:t>
+            </a:r>
+          </a:p>
+          <a:p>
+            <a:pPr lvl="1"/>
+            <a:r>
+              <a:rPr lang="en-US"/>
+              <a:t>Second level</a:t>
+            </a:r>
+          </a:p>
+          <a:p>
+            <a:pPr lvl="2"/>
+            <a:r>
+              <a:rPr lang="en-US"/>
+              <a:t>Third level</a:t>
+            </a:r>
+          </a:p>
+        </p:txBody>
+      </p:sp>
+      <p:sp>
+        <p:nvSpPr>
+          <p:cNvPr id="5" name="Rectangle 10"/>
+          <p:cNvSpPr>
+            <a:spLocks noGrp="1" noChangeArrowheads="1"/>
           </p:cNvSpPr>
           <p:nvPr>
             <p:ph type="sldNum" sz="quarter" idx="10"/>
           </p:nvPr>
         </p:nvSpPr>
-        <p:spPr/>
-        <p:txBody>
-          <a:bodyPr/>
-          <a:lstStyle/>
-          <a:p>
-            <a:fld id="{D0BE6F14-FF48-0F4F-A8AA-2E3F25371E4A}" type="slidenum">
-              <a:rPr lang="en-US" smtClean="0"/>
-              <a:pPr/>
-              <a:t>‹#›</a:t>
-            </a:fld>
-            <a:endParaRPr lang="en-US"/>
-          </a:p>
-        </p:txBody>
-      </p:sp>
-      <p:sp>
-        <p:nvSpPr>
-          <p:cNvPr id="9" name="Text Placeholder 8"/>
-          <p:cNvSpPr>
-            <a:spLocks noGrp="1"/>
-          </p:cNvSpPr>
-          <p:nvPr>
-            <p:ph type="body" sz="quarter" idx="14" hasCustomPrompt="1"/>
-          </p:nvPr>
-        </p:nvSpPr>
-        <p:spPr>
-          <a:xfrm>
-            <a:off x="228601" y="1136650"/>
-            <a:ext cx="8686800" cy="3562350"/>
-          </a:xfrm>
+        <p:spPr>
+          <a:ln/>
         </p:spPr>
         <p:txBody>
           <a:bodyPr/>
           <a:lstStyle>
-            <a:lvl1pPr marL="285750" marR="0" indent="-285750" algn="l" defTabSz="457200" rtl="0" eaLnBrk="1" fontAlgn="auto" latinLnBrk="0" hangingPunct="1">
-              <a:lnSpc>
-                <a:spcPct val="100000"/>
-              </a:lnSpc>
-              <a:spcBef>
-                <a:spcPts val="1100"/>
-              </a:spcBef>
-              <a:spcAft>
-                <a:spcPts val="0"/>
-              </a:spcAft>
-              <a:buClrTx/>
-              <a:buSzTx/>
-              <a:buFont typeface=".AppleSystemUIFont" charset="-120"/>
-              <a:buChar char="−"/>
-              <a:tabLst/>
+            <a:lvl1pPr>
               <a:defRPr/>
             </a:lvl1pPr>
           </a:lstStyle>
           <a:p>
-            <a:pPr marL="0" marR="0" lvl="0" indent="0" algn="l" defTabSz="457200" rtl="0" eaLnBrk="1" fontAlgn="auto" latinLnBrk="0" hangingPunct="1">
-              <a:lnSpc>
-                <a:spcPct val="100000"/>
-              </a:lnSpc>
-              <a:spcBef>
-                <a:spcPts val="1100"/>
-              </a:spcBef>
-              <a:spcAft>
-                <a:spcPts val="0"/>
-              </a:spcAft>
-              <a:buClrTx/>
-              <a:buSzTx/>
-              <a:tabLst/>
+            <a:pPr>
               <a:defRPr/>
             </a:pPr>
-            <a:r>
-              <a:rPr lang="en-US" dirty="0"/>
-              <a:t> Click to edit Master text styles</a:t>
-            </a:r>
-          </a:p>
-          <a:p>
-            <a:pPr lvl="1"/>
-            <a:r>
-              <a:rPr lang="en-US" dirty="0"/>
-              <a:t>Second level</a:t>
-            </a:r>
-          </a:p>
-          <a:p>
-            <a:pPr lvl="2"/>
-            <a:r>
-              <a:rPr lang="en-US" dirty="0"/>
-              <a:t>Third level</a:t>
-            </a:r>
-          </a:p>
-          <a:p>
-            <a:pPr lvl="3"/>
-            <a:r>
-              <a:rPr lang="en-US" dirty="0"/>
-              <a:t>Fourth level</a:t>
-            </a:r>
-          </a:p>
-          <a:p>
-            <a:pPr lvl="4"/>
-            <a:r>
-              <a:rPr lang="en-US" dirty="0"/>
-              <a:t>Fifth level</a:t>
-            </a:r>
+            <a:fld id="{F6195F61-18A5-496F-99BC-14D9FC7ECCF8}" type="slidenum">
+              <a:rPr lang="en-US" smtClean="0"/>
+              <a:pPr>
+                <a:defRPr/>
+              </a:pPr>
+              <a:t>‹#›</a:t>
+            </a:fld>
+            <a:endParaRPr lang="en-US" dirty="0"/>
+          </a:p>
+        </p:txBody>
+      </p:sp>
+      <p:sp>
+        <p:nvSpPr>
+          <p:cNvPr id="6" name="Rectangle 11"/>
+          <p:cNvSpPr>
+            <a:spLocks noGrp="1" noChangeArrowheads="1"/>
+          </p:cNvSpPr>
+          <p:nvPr>
+            <p:ph type="ftr" sz="quarter" idx="11"/>
+          </p:nvPr>
+        </p:nvSpPr>
+        <p:spPr>
+          <a:ln/>
+        </p:spPr>
+        <p:txBody>
+          <a:bodyPr/>
+          <a:lstStyle>
+            <a:lvl1pPr>
+              <a:defRPr/>
+            </a:lvl1pPr>
+          </a:lstStyle>
+          <a:p>
+            <a:pPr>
+              <a:defRPr/>
+            </a:pPr>
+            <a:r>
+              <a:rPr lang="en-US"/>
+              <a:t>© Copyright IBM Corporation 2017-18</a:t>
+            </a:r>
+            <a:endParaRPr lang="en-US" dirty="0"/>
           </a:p>
         </p:txBody>
       </p:sp>
     </p:spTree>
-    <p:extLst/>
+    <p:extLst>
+      <p:ext uri="{BB962C8B-B14F-4D97-AF65-F5344CB8AC3E}">
+        <p14:creationId xmlns:p14="http://schemas.microsoft.com/office/powerpoint/2010/main" val="1336033272"/>
+      </p:ext>
+    </p:extLst>
   </p:cSld>
   <p:clrMapOvr>
     <a:masterClrMapping/>
@@ -2544,8 +2526,8 @@
 </file>
 
 <file path=ppt/slideLayouts/slideLayout109.xml><?xml version="1.0" encoding="utf-8"?>
-<p:sldLayout xmlns:a="http://schemas.openxmlformats.org/drawingml/2006/main" xmlns:r="http://schemas.openxmlformats.org/officeDocument/2006/relationships" xmlns:p="http://schemas.openxmlformats.org/presentationml/2006/main" preserve="1">
-  <p:cSld name="title, blank">
+<p:sldLayout xmlns:a="http://schemas.openxmlformats.org/drawingml/2006/main" xmlns:r="http://schemas.openxmlformats.org/officeDocument/2006/relationships" xmlns:p="http://schemas.openxmlformats.org/presentationml/2006/main" type="obj">
+  <p:cSld name="Title and Content">
     <p:spTree>
       <p:nvGrpSpPr>
         <p:cNvPr id="1" name=""/>
@@ -2570,12 +2552,7 @@
             <p:ph type="title"/>
           </p:nvPr>
         </p:nvSpPr>
-        <p:spPr>
-          <a:xfrm>
-            <a:off x="228600" y="201168"/>
-            <a:ext cx="8686800" cy="381000"/>
-          </a:xfrm>
-        </p:spPr>
+        <p:spPr/>
         <p:txBody>
           <a:bodyPr/>
           <a:lstStyle/>
@@ -2590,32 +2567,132 @@
       </p:sp>
       <p:sp>
         <p:nvSpPr>
-          <p:cNvPr id="3" name="Slide Number Placeholder 2"/>
-          <p:cNvSpPr>
-            <a:spLocks noGrp="1"/>
+          <p:cNvPr id="3" name="Content Placeholder 2"/>
+          <p:cNvSpPr>
+            <a:spLocks noGrp="1"/>
+          </p:cNvSpPr>
+          <p:nvPr>
+            <p:ph idx="1"/>
+          </p:nvPr>
+        </p:nvSpPr>
+        <p:spPr/>
+        <p:txBody>
+          <a:bodyPr/>
+          <a:lstStyle>
+            <a:lvl1pPr marL="171421" indent="-171421">
+              <a:buFont typeface="Arial" panose="020B0604020202020204" pitchFamily="34" charset="0"/>
+              <a:buChar char="•"/>
+              <a:defRPr/>
+            </a:lvl1pPr>
+            <a:lvl2pPr marL="342843" indent="-171421">
+              <a:buFont typeface="Wingdings" panose="05000000000000000000" pitchFamily="2" charset="2"/>
+              <a:buChar char="§"/>
+              <a:defRPr/>
+            </a:lvl2pPr>
+            <a:lvl3pPr marL="514264" indent="-171421">
+              <a:buFont typeface="Arial" panose="020B0604020202020204" pitchFamily="34" charset="0"/>
+              <a:buChar char="−"/>
+              <a:defRPr/>
+            </a:lvl3pPr>
+            <a:lvl4pPr marL="509903" indent="0">
+              <a:buNone/>
+              <a:defRPr/>
+            </a:lvl4pPr>
+          </a:lstStyle>
+          <a:p>
+            <a:pPr lvl="0"/>
+            <a:r>
+              <a:rPr lang="en-US"/>
+              <a:t>Click to edit Master text styles</a:t>
+            </a:r>
+          </a:p>
+          <a:p>
+            <a:pPr lvl="1"/>
+            <a:r>
+              <a:rPr lang="en-US"/>
+              <a:t>Second level</a:t>
+            </a:r>
+          </a:p>
+          <a:p>
+            <a:pPr lvl="2"/>
+            <a:r>
+              <a:rPr lang="en-US"/>
+              <a:t>Third level</a:t>
+            </a:r>
+          </a:p>
+        </p:txBody>
+      </p:sp>
+      <p:sp>
+        <p:nvSpPr>
+          <p:cNvPr id="4" name="Rectangle 10"/>
+          <p:cNvSpPr>
+            <a:spLocks noGrp="1" noChangeArrowheads="1"/>
           </p:cNvSpPr>
           <p:nvPr>
             <p:ph type="sldNum" sz="quarter" idx="10"/>
           </p:nvPr>
         </p:nvSpPr>
-        <p:spPr/>
-        <p:txBody>
-          <a:bodyPr/>
-          <a:lstStyle/>
-          <a:p>
-            <a:fld id="{D0BE6F14-FF48-0F4F-A8AA-2E3F25371E4A}" type="slidenum">
+        <p:spPr>
+          <a:ln/>
+        </p:spPr>
+        <p:txBody>
+          <a:bodyPr/>
+          <a:lstStyle>
+            <a:lvl1pPr>
+              <a:defRPr/>
+            </a:lvl1pPr>
+          </a:lstStyle>
+          <a:p>
+            <a:pPr>
+              <a:defRPr/>
+            </a:pPr>
+            <a:fld id="{11A68DD8-55F1-4DDB-A894-47428CF80362}" type="slidenum">
               <a:rPr lang="en-US" smtClean="0"/>
-              <a:pPr/>
+              <a:pPr>
+                <a:defRPr/>
+              </a:pPr>
               <a:t>‹#›</a:t>
             </a:fld>
-            <a:endParaRPr lang="en-US"/>
+            <a:endParaRPr lang="en-US" dirty="0"/>
+          </a:p>
+        </p:txBody>
+      </p:sp>
+      <p:sp>
+        <p:nvSpPr>
+          <p:cNvPr id="5" name="Rectangle 11"/>
+          <p:cNvSpPr>
+            <a:spLocks noGrp="1" noChangeArrowheads="1"/>
+          </p:cNvSpPr>
+          <p:nvPr>
+            <p:ph type="ftr" sz="quarter" idx="11"/>
+          </p:nvPr>
+        </p:nvSpPr>
+        <p:spPr>
+          <a:ln/>
+        </p:spPr>
+        <p:txBody>
+          <a:bodyPr/>
+          <a:lstStyle>
+            <a:lvl1pPr>
+              <a:defRPr/>
+            </a:lvl1pPr>
+          </a:lstStyle>
+          <a:p>
+            <a:pPr>
+              <a:defRPr/>
+            </a:pPr>
+            <a:r>
+              <a:rPr lang="en-US"/>
+              <a:t>© Copyright IBM Corporation 2017-18</a:t>
+            </a:r>
+            <a:endParaRPr lang="en-US" dirty="0"/>
           </a:p>
         </p:txBody>
       </p:sp>
     </p:spTree>
     <p:extLst>
       <p:ext uri="{BB962C8B-B14F-4D97-AF65-F5344CB8AC3E}">
-        <p14:creationId xmlns:p14="http://schemas.microsoft.com/office/powerpoint/2010/main" val="1885081636"/>
+        <p14:creationId xmlns:p14="http://schemas.microsoft.com/office/powerpoint/2010/main" val="1205796073"/>
       </p:ext>
     </p:extLst>
   </p:cSld>
@@ -2848,6 +2925,442 @@
 
 <file path=ppt/slideLayouts/slideLayout110.xml><?xml version="1.0" encoding="utf-8"?>
 <p:sldLayout xmlns:a="http://schemas.openxmlformats.org/drawingml/2006/main" xmlns:r="http://schemas.openxmlformats.org/officeDocument/2006/relationships" xmlns:p="http://schemas.openxmlformats.org/presentationml/2006/main" preserve="1">
+  <p:cSld name="Cover Slide">
+    <p:spTree>
+      <p:nvGrpSpPr>
+        <p:cNvPr id="1" name=""/>
+        <p:cNvGrpSpPr/>
+        <p:nvPr/>
+      </p:nvGrpSpPr>
+      <p:grpSpPr>
+        <a:xfrm>
+          <a:off x="0" y="0"/>
+          <a:ext cx="0" cy="0"/>
+          <a:chOff x="0" y="0"/>
+          <a:chExt cx="0" cy="0"/>
+        </a:xfrm>
+      </p:grpSpPr>
+      <p:sp>
+        <p:nvSpPr>
+          <p:cNvPr id="4" name="Title 3"/>
+          <p:cNvSpPr>
+            <a:spLocks noGrp="1"/>
+          </p:cNvSpPr>
+          <p:nvPr>
+            <p:ph type="title"/>
+          </p:nvPr>
+        </p:nvSpPr>
+        <p:spPr>
+          <a:xfrm>
+            <a:off x="228599" y="203781"/>
+            <a:ext cx="4114801" cy="4479344"/>
+          </a:xfrm>
+        </p:spPr>
+        <p:txBody>
+          <a:bodyPr/>
+          <a:lstStyle>
+            <a:lvl1pPr>
+              <a:lnSpc>
+                <a:spcPct val="90000"/>
+              </a:lnSpc>
+              <a:defRPr sz="2400" b="0">
+                <a:solidFill>
+                  <a:schemeClr val="tx1"/>
+                </a:solidFill>
+              </a:defRPr>
+            </a:lvl1pPr>
+          </a:lstStyle>
+          <a:p>
+            <a:r>
+              <a:rPr lang="en-US"/>
+              <a:t>Click to edit Master title style</a:t>
+            </a:r>
+            <a:endParaRPr lang="en-US" dirty="0"/>
+          </a:p>
+        </p:txBody>
+      </p:sp>
+      <p:pic>
+        <p:nvPicPr>
+          <p:cNvPr id="5" name="Picture 4"/>
+          <p:cNvPicPr>
+            <a:picLocks noChangeAspect="1"/>
+          </p:cNvPicPr>
+          <p:nvPr/>
+        </p:nvPicPr>
+        <p:blipFill>
+          <a:blip r:embed="rId2" cstate="email">
+            <a:extLst>
+              <a:ext uri="{28A0092B-C50C-407E-A947-70E740481C1C}">
+                <a14:useLocalDpi xmlns:a14="http://schemas.microsoft.com/office/drawing/2010/main"/>
+              </a:ext>
+            </a:extLst>
+          </a:blip>
+          <a:stretch>
+            <a:fillRect/>
+          </a:stretch>
+        </p:blipFill>
+        <p:spPr>
+          <a:xfrm>
+            <a:off x="8393811" y="4705350"/>
+            <a:ext cx="521589" cy="211455"/>
+          </a:xfrm>
+          <a:prstGeom prst="rect">
+            <a:avLst/>
+          </a:prstGeom>
+        </p:spPr>
+      </p:pic>
+      <p:pic>
+        <p:nvPicPr>
+          <p:cNvPr id="7" name="Picture 6"/>
+          <p:cNvPicPr>
+            <a:picLocks noChangeAspect="1"/>
+          </p:cNvPicPr>
+          <p:nvPr userDrawn="1"/>
+        </p:nvPicPr>
+        <p:blipFill rotWithShape="1">
+          <a:blip r:embed="rId3" cstate="email">
+            <a:extLst>
+              <a:ext uri="{28A0092B-C50C-407E-A947-70E740481C1C}">
+                <a14:useLocalDpi xmlns:a14="http://schemas.microsoft.com/office/drawing/2010/main"/>
+              </a:ext>
+            </a:extLst>
+          </a:blip>
+          <a:srcRect/>
+          <a:stretch/>
+        </p:blipFill>
+        <p:spPr>
+          <a:xfrm>
+            <a:off x="4467224" y="405272"/>
+            <a:ext cx="4297421" cy="3687650"/>
+          </a:xfrm>
+          <a:prstGeom prst="rect">
+            <a:avLst/>
+          </a:prstGeom>
+        </p:spPr>
+      </p:pic>
+      <p:pic>
+        <p:nvPicPr>
+          <p:cNvPr id="8" name="Picture 7" descr="ibm_gry.png"/>
+          <p:cNvPicPr>
+            <a:picLocks noChangeAspect="1"/>
+          </p:cNvPicPr>
+          <p:nvPr userDrawn="1"/>
+        </p:nvPicPr>
+        <p:blipFill>
+          <a:blip r:embed="rId4" cstate="email">
+            <a:biLevel thresh="75000"/>
+            <a:extLst>
+              <a:ext uri="{28A0092B-C50C-407E-A947-70E740481C1C}">
+                <a14:useLocalDpi xmlns:a14="http://schemas.microsoft.com/office/drawing/2010/main"/>
+              </a:ext>
+            </a:extLst>
+          </a:blip>
+          <a:stretch>
+            <a:fillRect/>
+          </a:stretch>
+        </p:blipFill>
+        <p:spPr>
+          <a:xfrm>
+            <a:off x="8393811" y="240045"/>
+            <a:ext cx="521589" cy="211471"/>
+          </a:xfrm>
+          <a:prstGeom prst="rect">
+            <a:avLst/>
+          </a:prstGeom>
+        </p:spPr>
+      </p:pic>
+      <p:pic>
+        <p:nvPicPr>
+          <p:cNvPr id="9" name="Picture 8"/>
+          <p:cNvPicPr>
+            <a:picLocks noChangeAspect="1"/>
+          </p:cNvPicPr>
+          <p:nvPr userDrawn="1"/>
+        </p:nvPicPr>
+        <p:blipFill rotWithShape="1">
+          <a:blip r:embed="rId5" cstate="email">
+            <a:extLst>
+              <a:ext uri="{28A0092B-C50C-407E-A947-70E740481C1C}">
+                <a14:useLocalDpi xmlns:a14="http://schemas.microsoft.com/office/drawing/2010/main"/>
+              </a:ext>
+            </a:extLst>
+          </a:blip>
+          <a:srcRect/>
+          <a:stretch/>
+        </p:blipFill>
+        <p:spPr>
+          <a:xfrm>
+            <a:off x="7410684" y="4584701"/>
+            <a:ext cx="1620427" cy="470448"/>
+          </a:xfrm>
+          <a:prstGeom prst="rect">
+            <a:avLst/>
+          </a:prstGeom>
+        </p:spPr>
+      </p:pic>
+    </p:spTree>
+    <p:extLst>
+      <p:ext uri="{BB962C8B-B14F-4D97-AF65-F5344CB8AC3E}">
+        <p14:creationId xmlns:p14="http://schemas.microsoft.com/office/powerpoint/2010/main" val="227238187"/>
+      </p:ext>
+    </p:extLst>
+  </p:cSld>
+  <p:clrMapOvr>
+    <a:masterClrMapping/>
+  </p:clrMapOvr>
+</p:sldLayout>
+</file>
+
+<file path=ppt/slideLayouts/slideLayout111.xml><?xml version="1.0" encoding="utf-8"?>
+<p:sldLayout xmlns:a="http://schemas.openxmlformats.org/drawingml/2006/main" xmlns:r="http://schemas.openxmlformats.org/officeDocument/2006/relationships" xmlns:p="http://schemas.openxmlformats.org/presentationml/2006/main" preserve="1" userDrawn="1">
+  <p:cSld name="title, bullets">
+    <p:spTree>
+      <p:nvGrpSpPr>
+        <p:cNvPr id="1" name=""/>
+        <p:cNvGrpSpPr/>
+        <p:nvPr/>
+      </p:nvGrpSpPr>
+      <p:grpSpPr>
+        <a:xfrm>
+          <a:off x="0" y="0"/>
+          <a:ext cx="0" cy="0"/>
+          <a:chOff x="0" y="0"/>
+          <a:chExt cx="0" cy="0"/>
+        </a:xfrm>
+      </p:grpSpPr>
+      <p:sp>
+        <p:nvSpPr>
+          <p:cNvPr id="2" name="Title 1"/>
+          <p:cNvSpPr>
+            <a:spLocks noGrp="1"/>
+          </p:cNvSpPr>
+          <p:nvPr>
+            <p:ph type="title"/>
+          </p:nvPr>
+        </p:nvSpPr>
+        <p:spPr>
+          <a:xfrm>
+            <a:off x="228600" y="201167"/>
+            <a:ext cx="8686800" cy="864308"/>
+          </a:xfrm>
+        </p:spPr>
+        <p:txBody>
+          <a:bodyPr/>
+          <a:lstStyle/>
+          <a:p>
+            <a:r>
+              <a:rPr lang="en-US"/>
+              <a:t>Click to edit Master title style</a:t>
+            </a:r>
+            <a:endParaRPr lang="en-US" dirty="0"/>
+          </a:p>
+        </p:txBody>
+      </p:sp>
+      <p:sp>
+        <p:nvSpPr>
+          <p:cNvPr id="3" name="Slide Number Placeholder 2"/>
+          <p:cNvSpPr>
+            <a:spLocks noGrp="1"/>
+          </p:cNvSpPr>
+          <p:nvPr>
+            <p:ph type="sldNum" sz="quarter" idx="10"/>
+          </p:nvPr>
+        </p:nvSpPr>
+        <p:spPr/>
+        <p:txBody>
+          <a:bodyPr/>
+          <a:lstStyle/>
+          <a:p>
+            <a:fld id="{D0BE6F14-FF48-0F4F-A8AA-2E3F25371E4A}" type="slidenum">
+              <a:rPr lang="en-US" smtClean="0"/>
+              <a:pPr/>
+              <a:t>‹#›</a:t>
+            </a:fld>
+            <a:endParaRPr lang="en-US"/>
+          </a:p>
+        </p:txBody>
+      </p:sp>
+      <p:sp>
+        <p:nvSpPr>
+          <p:cNvPr id="9" name="Text Placeholder 8"/>
+          <p:cNvSpPr>
+            <a:spLocks noGrp="1"/>
+          </p:cNvSpPr>
+          <p:nvPr>
+            <p:ph type="body" sz="quarter" idx="14" hasCustomPrompt="1"/>
+          </p:nvPr>
+        </p:nvSpPr>
+        <p:spPr>
+          <a:xfrm>
+            <a:off x="228601" y="1136650"/>
+            <a:ext cx="8686800" cy="3562350"/>
+          </a:xfrm>
+        </p:spPr>
+        <p:txBody>
+          <a:bodyPr/>
+          <a:lstStyle>
+            <a:lvl1pPr marL="285750" marR="0" indent="-285750" algn="l" defTabSz="457200" rtl="0" eaLnBrk="1" fontAlgn="auto" latinLnBrk="0" hangingPunct="1">
+              <a:lnSpc>
+                <a:spcPct val="100000"/>
+              </a:lnSpc>
+              <a:spcBef>
+                <a:spcPts val="1100"/>
+              </a:spcBef>
+              <a:spcAft>
+                <a:spcPts val="0"/>
+              </a:spcAft>
+              <a:buClrTx/>
+              <a:buSzTx/>
+              <a:buFont typeface=".AppleSystemUIFont" charset="-120"/>
+              <a:buChar char="−"/>
+              <a:tabLst/>
+              <a:defRPr/>
+            </a:lvl1pPr>
+          </a:lstStyle>
+          <a:p>
+            <a:pPr marL="0" marR="0" lvl="0" indent="0" algn="l" defTabSz="457200" rtl="0" eaLnBrk="1" fontAlgn="auto" latinLnBrk="0" hangingPunct="1">
+              <a:lnSpc>
+                <a:spcPct val="100000"/>
+              </a:lnSpc>
+              <a:spcBef>
+                <a:spcPts val="1100"/>
+              </a:spcBef>
+              <a:spcAft>
+                <a:spcPts val="0"/>
+              </a:spcAft>
+              <a:buClrTx/>
+              <a:buSzTx/>
+              <a:tabLst/>
+              <a:defRPr/>
+            </a:pPr>
+            <a:r>
+              <a:rPr lang="en-US" dirty="0"/>
+              <a:t> Click to edit Master text styles</a:t>
+            </a:r>
+          </a:p>
+          <a:p>
+            <a:pPr lvl="1"/>
+            <a:r>
+              <a:rPr lang="en-US" dirty="0"/>
+              <a:t>Second level</a:t>
+            </a:r>
+          </a:p>
+          <a:p>
+            <a:pPr lvl="2"/>
+            <a:r>
+              <a:rPr lang="en-US" dirty="0"/>
+              <a:t>Third level</a:t>
+            </a:r>
+          </a:p>
+          <a:p>
+            <a:pPr lvl="3"/>
+            <a:r>
+              <a:rPr lang="en-US" dirty="0"/>
+              <a:t>Fourth level</a:t>
+            </a:r>
+          </a:p>
+          <a:p>
+            <a:pPr lvl="4"/>
+            <a:r>
+              <a:rPr lang="en-US" dirty="0"/>
+              <a:t>Fifth level</a:t>
+            </a:r>
+          </a:p>
+        </p:txBody>
+      </p:sp>
+    </p:spTree>
+    <p:extLst/>
+  </p:cSld>
+  <p:clrMapOvr>
+    <a:masterClrMapping/>
+  </p:clrMapOvr>
+</p:sldLayout>
+</file>
+
+<file path=ppt/slideLayouts/slideLayout112.xml><?xml version="1.0" encoding="utf-8"?>
+<p:sldLayout xmlns:a="http://schemas.openxmlformats.org/drawingml/2006/main" xmlns:r="http://schemas.openxmlformats.org/officeDocument/2006/relationships" xmlns:p="http://schemas.openxmlformats.org/presentationml/2006/main" preserve="1">
+  <p:cSld name="title, blank">
+    <p:spTree>
+      <p:nvGrpSpPr>
+        <p:cNvPr id="1" name=""/>
+        <p:cNvGrpSpPr/>
+        <p:nvPr/>
+      </p:nvGrpSpPr>
+      <p:grpSpPr>
+        <a:xfrm>
+          <a:off x="0" y="0"/>
+          <a:ext cx="0" cy="0"/>
+          <a:chOff x="0" y="0"/>
+          <a:chExt cx="0" cy="0"/>
+        </a:xfrm>
+      </p:grpSpPr>
+      <p:sp>
+        <p:nvSpPr>
+          <p:cNvPr id="2" name="Title 1"/>
+          <p:cNvSpPr>
+            <a:spLocks noGrp="1"/>
+          </p:cNvSpPr>
+          <p:nvPr>
+            <p:ph type="title"/>
+          </p:nvPr>
+        </p:nvSpPr>
+        <p:spPr>
+          <a:xfrm>
+            <a:off x="228600" y="201168"/>
+            <a:ext cx="8686800" cy="381000"/>
+          </a:xfrm>
+        </p:spPr>
+        <p:txBody>
+          <a:bodyPr/>
+          <a:lstStyle/>
+          <a:p>
+            <a:r>
+              <a:rPr lang="en-US"/>
+              <a:t>Click to edit Master title style</a:t>
+            </a:r>
+            <a:endParaRPr lang="en-US" dirty="0"/>
+          </a:p>
+        </p:txBody>
+      </p:sp>
+      <p:sp>
+        <p:nvSpPr>
+          <p:cNvPr id="3" name="Slide Number Placeholder 2"/>
+          <p:cNvSpPr>
+            <a:spLocks noGrp="1"/>
+          </p:cNvSpPr>
+          <p:nvPr>
+            <p:ph type="sldNum" sz="quarter" idx="10"/>
+          </p:nvPr>
+        </p:nvSpPr>
+        <p:spPr/>
+        <p:txBody>
+          <a:bodyPr/>
+          <a:lstStyle/>
+          <a:p>
+            <a:fld id="{D0BE6F14-FF48-0F4F-A8AA-2E3F25371E4A}" type="slidenum">
+              <a:rPr lang="en-US" smtClean="0"/>
+              <a:pPr/>
+              <a:t>‹#›</a:t>
+            </a:fld>
+            <a:endParaRPr lang="en-US"/>
+          </a:p>
+        </p:txBody>
+      </p:sp>
+    </p:spTree>
+    <p:extLst>
+      <p:ext uri="{BB962C8B-B14F-4D97-AF65-F5344CB8AC3E}">
+        <p14:creationId xmlns:p14="http://schemas.microsoft.com/office/powerpoint/2010/main" val="1885081636"/>
+      </p:ext>
+    </p:extLst>
+  </p:cSld>
+  <p:clrMapOvr>
+    <a:masterClrMapping/>
+  </p:clrMapOvr>
+</p:sldLayout>
+</file>
+
+<file path=ppt/slideLayouts/slideLayout113.xml><?xml version="1.0" encoding="utf-8"?>
+<p:sldLayout xmlns:a="http://schemas.openxmlformats.org/drawingml/2006/main" xmlns:r="http://schemas.openxmlformats.org/officeDocument/2006/relationships" xmlns:p="http://schemas.openxmlformats.org/presentationml/2006/main" preserve="1">
   <p:cSld name="Divider">
     <p:spTree>
       <p:nvGrpSpPr>
@@ -2947,7 +3460,7 @@
 </p:sldLayout>
 </file>
 
-<file path=ppt/slideLayouts/slideLayout111.xml><?xml version="1.0" encoding="utf-8"?>
+<file path=ppt/slideLayouts/slideLayout114.xml><?xml version="1.0" encoding="utf-8"?>
 <p:sldLayout xmlns:a="http://schemas.openxmlformats.org/drawingml/2006/main" xmlns:r="http://schemas.openxmlformats.org/officeDocument/2006/relationships" xmlns:p="http://schemas.openxmlformats.org/presentationml/2006/main" preserve="1" userDrawn="1">
   <p:cSld name="Divider (with page contents)">
     <p:spTree>
@@ -3246,7 +3759,7 @@
 </p:sldLayout>
 </file>
 
-<file path=ppt/slideLayouts/slideLayout112.xml><?xml version="1.0" encoding="utf-8"?>
+<file path=ppt/slideLayouts/slideLayout115.xml><?xml version="1.0" encoding="utf-8"?>
 <p:sldLayout xmlns:a="http://schemas.openxmlformats.org/drawingml/2006/main" xmlns:r="http://schemas.openxmlformats.org/officeDocument/2006/relationships" xmlns:p="http://schemas.openxmlformats.org/presentationml/2006/main" preserve="1">
   <p:cSld name="fact, number">
     <p:spTree>
@@ -3424,7 +3937,7 @@
 </p:sldLayout>
 </file>
 
-<file path=ppt/slideLayouts/slideLayout113.xml><?xml version="1.0" encoding="utf-8"?>
+<file path=ppt/slideLayouts/slideLayout116.xml><?xml version="1.0" encoding="utf-8"?>
 <p:sldLayout xmlns:a="http://schemas.openxmlformats.org/drawingml/2006/main" xmlns:r="http://schemas.openxmlformats.org/officeDocument/2006/relationships" xmlns:p="http://schemas.openxmlformats.org/presentationml/2006/main" preserve="1">
   <p:cSld name="fact, number, half-image (bleeds)">
     <p:spTree>
@@ -3637,7 +4150,7 @@
 </p:sldLayout>
 </file>
 
-<file path=ppt/slideLayouts/slideLayout114.xml><?xml version="1.0" encoding="utf-8"?>
+<file path=ppt/slideLayouts/slideLayout117.xml><?xml version="1.0" encoding="utf-8"?>
 <p:sldLayout xmlns:a="http://schemas.openxmlformats.org/drawingml/2006/main" xmlns:r="http://schemas.openxmlformats.org/officeDocument/2006/relationships" xmlns:p="http://schemas.openxmlformats.org/presentationml/2006/main" preserve="1">
   <p:cSld name="big text">
     <p:spTree>
@@ -3756,7 +4269,7 @@
 </p:sldLayout>
 </file>
 
-<file path=ppt/slideLayouts/slideLayout115.xml><?xml version="1.0" encoding="utf-8"?>
+<file path=ppt/slideLayouts/slideLayout118.xml><?xml version="1.0" encoding="utf-8"?>
 <p:sldLayout xmlns:a="http://schemas.openxmlformats.org/drawingml/2006/main" xmlns:r="http://schemas.openxmlformats.org/officeDocument/2006/relationships" xmlns:p="http://schemas.openxmlformats.org/presentationml/2006/main" preserve="1">
   <p:cSld name="quote">
     <p:spTree>
@@ -3897,7 +4410,7 @@
 </p:sldLayout>
 </file>
 
-<file path=ppt/slideLayouts/slideLayout116.xml><?xml version="1.0" encoding="utf-8"?>
+<file path=ppt/slideLayouts/slideLayout119.xml><?xml version="1.0" encoding="utf-8"?>
 <p:sldLayout xmlns:a="http://schemas.openxmlformats.org/drawingml/2006/main" xmlns:r="http://schemas.openxmlformats.org/officeDocument/2006/relationships" xmlns:p="http://schemas.openxmlformats.org/presentationml/2006/main" preserve="1">
   <p:cSld name="section, title, text">
     <p:spTree>
@@ -4138,747 +4651,6 @@
 </p:sldLayout>
 </file>
 
-<file path=ppt/slideLayouts/slideLayout117.xml><?xml version="1.0" encoding="utf-8"?>
-<p:sldLayout xmlns:a="http://schemas.openxmlformats.org/drawingml/2006/main" xmlns:r="http://schemas.openxmlformats.org/officeDocument/2006/relationships" xmlns:p="http://schemas.openxmlformats.org/presentationml/2006/main" preserve="1">
-  <p:cSld name="title, text (two columns)">
-    <p:spTree>
-      <p:nvGrpSpPr>
-        <p:cNvPr id="1" name=""/>
-        <p:cNvGrpSpPr/>
-        <p:nvPr/>
-      </p:nvGrpSpPr>
-      <p:grpSpPr>
-        <a:xfrm>
-          <a:off x="0" y="0"/>
-          <a:ext cx="0" cy="0"/>
-          <a:chOff x="0" y="0"/>
-          <a:chExt cx="0" cy="0"/>
-        </a:xfrm>
-      </p:grpSpPr>
-      <p:sp>
-        <p:nvSpPr>
-          <p:cNvPr id="2" name="Title 1"/>
-          <p:cNvSpPr>
-            <a:spLocks noGrp="1"/>
-          </p:cNvSpPr>
-          <p:nvPr>
-            <p:ph type="title"/>
-          </p:nvPr>
-        </p:nvSpPr>
-        <p:spPr>
-          <a:xfrm>
-            <a:off x="228600" y="201168"/>
-            <a:ext cx="8686800" cy="855726"/>
-          </a:xfrm>
-        </p:spPr>
-        <p:txBody>
-          <a:bodyPr/>
-          <a:lstStyle/>
-          <a:p>
-            <a:r>
-              <a:rPr lang="en-US"/>
-              <a:t>Click to edit Master title style</a:t>
-            </a:r>
-            <a:endParaRPr lang="en-US" dirty="0"/>
-          </a:p>
-        </p:txBody>
-      </p:sp>
-      <p:sp>
-        <p:nvSpPr>
-          <p:cNvPr id="3" name="Slide Number Placeholder 2"/>
-          <p:cNvSpPr>
-            <a:spLocks noGrp="1"/>
-          </p:cNvSpPr>
-          <p:nvPr>
-            <p:ph type="sldNum" sz="quarter" idx="10"/>
-          </p:nvPr>
-        </p:nvSpPr>
-        <p:spPr/>
-        <p:txBody>
-          <a:bodyPr/>
-          <a:lstStyle/>
-          <a:p>
-            <a:fld id="{D0BE6F14-FF48-0F4F-A8AA-2E3F25371E4A}" type="slidenum">
-              <a:rPr lang="en-US" smtClean="0"/>
-              <a:pPr/>
-              <a:t>‹#›</a:t>
-            </a:fld>
-            <a:endParaRPr lang="en-US"/>
-          </a:p>
-        </p:txBody>
-      </p:sp>
-      <p:sp>
-        <p:nvSpPr>
-          <p:cNvPr id="4" name="Footer Placeholder 3"/>
-          <p:cNvSpPr>
-            <a:spLocks noGrp="1"/>
-          </p:cNvSpPr>
-          <p:nvPr>
-            <p:ph type="ftr" sz="quarter" idx="11"/>
-          </p:nvPr>
-        </p:nvSpPr>
-        <p:spPr>
-          <a:xfrm>
-            <a:off x="228600" y="4826480"/>
-            <a:ext cx="6400800" cy="137160"/>
-          </a:xfrm>
-          <a:prstGeom prst="rect">
-            <a:avLst/>
-          </a:prstGeom>
-        </p:spPr>
-        <p:txBody>
-          <a:bodyPr/>
-          <a:lstStyle>
-            <a:lvl1pPr>
-              <a:defRPr/>
-            </a:lvl1pPr>
-          </a:lstStyle>
-          <a:p>
-            <a:r>
-              <a:rPr lang="de-DE" dirty="0"/>
-              <a:t>IBM Cloud / © 2018 IBM Corporation  </a:t>
-            </a:r>
-            <a:r>
-              <a:rPr lang="en-US" dirty="0"/>
-              <a:t>IBM and Business Partner use only</a:t>
-            </a:r>
-          </a:p>
-        </p:txBody>
-      </p:sp>
-      <p:sp>
-        <p:nvSpPr>
-          <p:cNvPr id="8" name="Text Placeholder 7"/>
-          <p:cNvSpPr>
-            <a:spLocks noGrp="1"/>
-          </p:cNvSpPr>
-          <p:nvPr>
-            <p:ph type="body" sz="quarter" idx="12"/>
-          </p:nvPr>
-        </p:nvSpPr>
-        <p:spPr>
-          <a:xfrm>
-            <a:off x="228600" y="1124712"/>
-            <a:ext cx="4114800" cy="3585845"/>
-          </a:xfrm>
-        </p:spPr>
-        <p:txBody>
-          <a:bodyPr/>
-          <a:lstStyle>
-            <a:lvl1pPr>
-              <a:spcBef>
-                <a:spcPts val="0"/>
-              </a:spcBef>
-              <a:defRPr sz="1400"/>
-            </a:lvl1pPr>
-          </a:lstStyle>
-          <a:p>
-            <a:pPr lvl="0"/>
-            <a:r>
-              <a:rPr lang="en-US" dirty="0"/>
-              <a:t>Click to edit Master text styles</a:t>
-            </a:r>
-          </a:p>
-          <a:p>
-            <a:pPr lvl="1"/>
-            <a:r>
-              <a:rPr lang="en-US" dirty="0"/>
-              <a:t>Second level</a:t>
-            </a:r>
-          </a:p>
-          <a:p>
-            <a:pPr lvl="2"/>
-            <a:r>
-              <a:rPr lang="en-US" dirty="0"/>
-              <a:t>Third level</a:t>
-            </a:r>
-          </a:p>
-          <a:p>
-            <a:pPr lvl="3"/>
-            <a:r>
-              <a:rPr lang="en-US" dirty="0"/>
-              <a:t>Fourth level</a:t>
-            </a:r>
-          </a:p>
-          <a:p>
-            <a:pPr lvl="4"/>
-            <a:r>
-              <a:rPr lang="en-US" dirty="0"/>
-              <a:t>Fifth level</a:t>
-            </a:r>
-          </a:p>
-        </p:txBody>
-      </p:sp>
-      <p:sp>
-        <p:nvSpPr>
-          <p:cNvPr id="10" name="Text Placeholder 9"/>
-          <p:cNvSpPr>
-            <a:spLocks noGrp="1"/>
-          </p:cNvSpPr>
-          <p:nvPr>
-            <p:ph type="body" sz="quarter" idx="13"/>
-          </p:nvPr>
-        </p:nvSpPr>
-        <p:spPr>
-          <a:xfrm>
-            <a:off x="4800600" y="1124712"/>
-            <a:ext cx="4114800" cy="3585845"/>
-          </a:xfrm>
-        </p:spPr>
-        <p:txBody>
-          <a:bodyPr/>
-          <a:lstStyle>
-            <a:lvl1pPr>
-              <a:spcBef>
-                <a:spcPts val="0"/>
-              </a:spcBef>
-              <a:defRPr sz="1400"/>
-            </a:lvl1pPr>
-          </a:lstStyle>
-          <a:p>
-            <a:pPr lvl="0"/>
-            <a:r>
-              <a:rPr lang="en-US" dirty="0"/>
-              <a:t>Click to edit Master text styles</a:t>
-            </a:r>
-          </a:p>
-          <a:p>
-            <a:pPr lvl="1"/>
-            <a:r>
-              <a:rPr lang="en-US" dirty="0"/>
-              <a:t>Second level</a:t>
-            </a:r>
-          </a:p>
-          <a:p>
-            <a:pPr lvl="2"/>
-            <a:r>
-              <a:rPr lang="en-US" dirty="0"/>
-              <a:t>Third level</a:t>
-            </a:r>
-          </a:p>
-          <a:p>
-            <a:pPr lvl="3"/>
-            <a:r>
-              <a:rPr lang="en-US" dirty="0"/>
-              <a:t>Fourth level</a:t>
-            </a:r>
-          </a:p>
-          <a:p>
-            <a:pPr lvl="4"/>
-            <a:r>
-              <a:rPr lang="en-US" dirty="0"/>
-              <a:t>Fifth level</a:t>
-            </a:r>
-          </a:p>
-        </p:txBody>
-      </p:sp>
-    </p:spTree>
-    <p:extLst>
-      <p:ext uri="{BB962C8B-B14F-4D97-AF65-F5344CB8AC3E}">
-        <p14:creationId xmlns:p14="http://schemas.microsoft.com/office/powerpoint/2010/main" val="1029557597"/>
-      </p:ext>
-    </p:extLst>
-  </p:cSld>
-  <p:clrMapOvr>
-    <a:masterClrMapping/>
-  </p:clrMapOvr>
-</p:sldLayout>
-</file>
-
-<file path=ppt/slideLayouts/slideLayout118.xml><?xml version="1.0" encoding="utf-8"?>
-<p:sldLayout xmlns:a="http://schemas.openxmlformats.org/drawingml/2006/main" xmlns:r="http://schemas.openxmlformats.org/officeDocument/2006/relationships" xmlns:p="http://schemas.openxmlformats.org/presentationml/2006/main" preserve="1">
-  <p:cSld name="section, title, text (two columns)">
-    <p:spTree>
-      <p:nvGrpSpPr>
-        <p:cNvPr id="1" name=""/>
-        <p:cNvGrpSpPr/>
-        <p:nvPr/>
-      </p:nvGrpSpPr>
-      <p:grpSpPr>
-        <a:xfrm>
-          <a:off x="0" y="0"/>
-          <a:ext cx="0" cy="0"/>
-          <a:chOff x="0" y="0"/>
-          <a:chExt cx="0" cy="0"/>
-        </a:xfrm>
-      </p:grpSpPr>
-      <p:sp>
-        <p:nvSpPr>
-          <p:cNvPr id="2" name="Title 1"/>
-          <p:cNvSpPr>
-            <a:spLocks noGrp="1"/>
-          </p:cNvSpPr>
-          <p:nvPr>
-            <p:ph type="title"/>
-          </p:nvPr>
-        </p:nvSpPr>
-        <p:spPr>
-          <a:xfrm>
-            <a:off x="228600" y="411480"/>
-            <a:ext cx="8686800" cy="640080"/>
-          </a:xfrm>
-        </p:spPr>
-        <p:txBody>
-          <a:bodyPr/>
-          <a:lstStyle/>
-          <a:p>
-            <a:r>
-              <a:rPr lang="en-US" dirty="0"/>
-              <a:t>Click to edit Master title style</a:t>
-            </a:r>
-          </a:p>
-        </p:txBody>
-      </p:sp>
-      <p:sp>
-        <p:nvSpPr>
-          <p:cNvPr id="3" name="Slide Number Placeholder 2"/>
-          <p:cNvSpPr>
-            <a:spLocks noGrp="1"/>
-          </p:cNvSpPr>
-          <p:nvPr>
-            <p:ph type="sldNum" sz="quarter" idx="10"/>
-          </p:nvPr>
-        </p:nvSpPr>
-        <p:spPr/>
-        <p:txBody>
-          <a:bodyPr/>
-          <a:lstStyle/>
-          <a:p>
-            <a:fld id="{D0BE6F14-FF48-0F4F-A8AA-2E3F25371E4A}" type="slidenum">
-              <a:rPr lang="en-US" smtClean="0"/>
-              <a:pPr/>
-              <a:t>‹#›</a:t>
-            </a:fld>
-            <a:endParaRPr lang="en-US"/>
-          </a:p>
-        </p:txBody>
-      </p:sp>
-      <p:sp>
-        <p:nvSpPr>
-          <p:cNvPr id="4" name="Footer Placeholder 3"/>
-          <p:cNvSpPr>
-            <a:spLocks noGrp="1"/>
-          </p:cNvSpPr>
-          <p:nvPr>
-            <p:ph type="ftr" sz="quarter" idx="11"/>
-          </p:nvPr>
-        </p:nvSpPr>
-        <p:spPr>
-          <a:xfrm>
-            <a:off x="228600" y="4826480"/>
-            <a:ext cx="6400800" cy="137160"/>
-          </a:xfrm>
-          <a:prstGeom prst="rect">
-            <a:avLst/>
-          </a:prstGeom>
-        </p:spPr>
-        <p:txBody>
-          <a:bodyPr/>
-          <a:lstStyle>
-            <a:lvl1pPr>
-              <a:defRPr/>
-            </a:lvl1pPr>
-          </a:lstStyle>
-          <a:p>
-            <a:r>
-              <a:rPr lang="de-DE" dirty="0"/>
-              <a:t>IBM Cloud / © 2018 IBM Corporation  </a:t>
-            </a:r>
-            <a:r>
-              <a:rPr lang="en-US" dirty="0"/>
-              <a:t>IBM and Business Partner use only</a:t>
-            </a:r>
-          </a:p>
-        </p:txBody>
-      </p:sp>
-      <p:sp>
-        <p:nvSpPr>
-          <p:cNvPr id="6" name="Text Placeholder 5"/>
-          <p:cNvSpPr>
-            <a:spLocks noGrp="1"/>
-          </p:cNvSpPr>
-          <p:nvPr>
-            <p:ph type="body" sz="quarter" idx="12"/>
-          </p:nvPr>
-        </p:nvSpPr>
-        <p:spPr>
-          <a:xfrm>
-            <a:off x="4800600" y="1118616"/>
-            <a:ext cx="4114800" cy="3564510"/>
-          </a:xfrm>
-        </p:spPr>
-        <p:txBody>
-          <a:bodyPr/>
-          <a:lstStyle>
-            <a:lvl1pPr>
-              <a:defRPr sz="1600"/>
-            </a:lvl1pPr>
-          </a:lstStyle>
-          <a:p>
-            <a:pPr lvl="0"/>
-            <a:r>
-              <a:rPr lang="en-US" dirty="0"/>
-              <a:t>Click to edit Master text styles</a:t>
-            </a:r>
-          </a:p>
-          <a:p>
-            <a:pPr lvl="1"/>
-            <a:r>
-              <a:rPr lang="en-US" dirty="0"/>
-              <a:t>Second level</a:t>
-            </a:r>
-          </a:p>
-          <a:p>
-            <a:pPr lvl="2"/>
-            <a:r>
-              <a:rPr lang="en-US" dirty="0"/>
-              <a:t>Third level</a:t>
-            </a:r>
-          </a:p>
-          <a:p>
-            <a:pPr lvl="3"/>
-            <a:r>
-              <a:rPr lang="en-US" dirty="0"/>
-              <a:t>Fourth level</a:t>
-            </a:r>
-          </a:p>
-          <a:p>
-            <a:pPr lvl="4"/>
-            <a:r>
-              <a:rPr lang="en-US" dirty="0"/>
-              <a:t>Fifth level</a:t>
-            </a:r>
-          </a:p>
-        </p:txBody>
-      </p:sp>
-      <p:sp>
-        <p:nvSpPr>
-          <p:cNvPr id="12" name="Text Placeholder 11"/>
-          <p:cNvSpPr>
-            <a:spLocks noGrp="1"/>
-          </p:cNvSpPr>
-          <p:nvPr>
-            <p:ph type="body" sz="quarter" idx="13"/>
-          </p:nvPr>
-        </p:nvSpPr>
-        <p:spPr>
-          <a:xfrm>
-            <a:off x="228600" y="201169"/>
-            <a:ext cx="8686800" cy="204978"/>
-          </a:xfrm>
-        </p:spPr>
-        <p:txBody>
-          <a:bodyPr/>
-          <a:lstStyle>
-            <a:lvl1pPr>
-              <a:defRPr sz="1100"/>
-            </a:lvl1pPr>
-          </a:lstStyle>
-          <a:p>
-            <a:pPr lvl="0"/>
-            <a:r>
-              <a:rPr lang="en-US"/>
-              <a:t>Click to edit Master text styles</a:t>
-            </a:r>
-          </a:p>
-        </p:txBody>
-      </p:sp>
-      <p:sp>
-        <p:nvSpPr>
-          <p:cNvPr id="7" name="Text Placeholder 6"/>
-          <p:cNvSpPr>
-            <a:spLocks noGrp="1"/>
-          </p:cNvSpPr>
-          <p:nvPr>
-            <p:ph type="body" sz="quarter" idx="14"/>
-          </p:nvPr>
-        </p:nvSpPr>
-        <p:spPr>
-          <a:xfrm>
-            <a:off x="228600" y="1118616"/>
-            <a:ext cx="4114800" cy="3564509"/>
-          </a:xfrm>
-        </p:spPr>
-        <p:txBody>
-          <a:bodyPr/>
-          <a:lstStyle>
-            <a:lvl1pPr>
-              <a:defRPr sz="1600"/>
-            </a:lvl1pPr>
-          </a:lstStyle>
-          <a:p>
-            <a:pPr lvl="0"/>
-            <a:r>
-              <a:rPr lang="en-US" dirty="0"/>
-              <a:t>Click to edit Master text styles</a:t>
-            </a:r>
-          </a:p>
-          <a:p>
-            <a:pPr lvl="1"/>
-            <a:r>
-              <a:rPr lang="en-US" dirty="0"/>
-              <a:t>Second level</a:t>
-            </a:r>
-          </a:p>
-          <a:p>
-            <a:pPr lvl="2"/>
-            <a:r>
-              <a:rPr lang="en-US" dirty="0"/>
-              <a:t>Third level</a:t>
-            </a:r>
-          </a:p>
-          <a:p>
-            <a:pPr lvl="3"/>
-            <a:r>
-              <a:rPr lang="en-US" dirty="0"/>
-              <a:t>Fourth level</a:t>
-            </a:r>
-          </a:p>
-          <a:p>
-            <a:pPr lvl="4"/>
-            <a:r>
-              <a:rPr lang="en-US" dirty="0"/>
-              <a:t>Fifth level</a:t>
-            </a:r>
-          </a:p>
-        </p:txBody>
-      </p:sp>
-    </p:spTree>
-    <p:extLst>
-      <p:ext uri="{BB962C8B-B14F-4D97-AF65-F5344CB8AC3E}">
-        <p14:creationId xmlns:p14="http://schemas.microsoft.com/office/powerpoint/2010/main" val="1498788900"/>
-      </p:ext>
-    </p:extLst>
-  </p:cSld>
-  <p:clrMapOvr>
-    <a:masterClrMapping/>
-  </p:clrMapOvr>
-</p:sldLayout>
-</file>
-
-<file path=ppt/slideLayouts/slideLayout119.xml><?xml version="1.0" encoding="utf-8"?>
-<p:sldLayout xmlns:a="http://schemas.openxmlformats.org/drawingml/2006/main" xmlns:r="http://schemas.openxmlformats.org/officeDocument/2006/relationships" xmlns:p="http://schemas.openxmlformats.org/presentationml/2006/main" preserve="1">
-  <p:cSld name="title, text (two columns, different text sizes)">
-    <p:spTree>
-      <p:nvGrpSpPr>
-        <p:cNvPr id="1" name=""/>
-        <p:cNvGrpSpPr/>
-        <p:nvPr/>
-      </p:nvGrpSpPr>
-      <p:grpSpPr>
-        <a:xfrm>
-          <a:off x="0" y="0"/>
-          <a:ext cx="0" cy="0"/>
-          <a:chOff x="0" y="0"/>
-          <a:chExt cx="0" cy="0"/>
-        </a:xfrm>
-      </p:grpSpPr>
-      <p:sp>
-        <p:nvSpPr>
-          <p:cNvPr id="2" name="Title 1"/>
-          <p:cNvSpPr>
-            <a:spLocks noGrp="1"/>
-          </p:cNvSpPr>
-          <p:nvPr>
-            <p:ph type="title"/>
-          </p:nvPr>
-        </p:nvSpPr>
-        <p:spPr>
-          <a:xfrm>
-            <a:off x="228600" y="201168"/>
-            <a:ext cx="8686800" cy="502158"/>
-          </a:xfrm>
-        </p:spPr>
-        <p:txBody>
-          <a:bodyPr/>
-          <a:lstStyle/>
-          <a:p>
-            <a:r>
-              <a:rPr lang="en-US"/>
-              <a:t>Click to edit Master title style</a:t>
-            </a:r>
-            <a:endParaRPr lang="en-US" dirty="0"/>
-          </a:p>
-        </p:txBody>
-      </p:sp>
-      <p:sp>
-        <p:nvSpPr>
-          <p:cNvPr id="3" name="Slide Number Placeholder 2"/>
-          <p:cNvSpPr>
-            <a:spLocks noGrp="1"/>
-          </p:cNvSpPr>
-          <p:nvPr>
-            <p:ph type="sldNum" sz="quarter" idx="10"/>
-          </p:nvPr>
-        </p:nvSpPr>
-        <p:spPr/>
-        <p:txBody>
-          <a:bodyPr/>
-          <a:lstStyle/>
-          <a:p>
-            <a:fld id="{D0BE6F14-FF48-0F4F-A8AA-2E3F25371E4A}" type="slidenum">
-              <a:rPr lang="en-US" smtClean="0"/>
-              <a:pPr/>
-              <a:t>‹#›</a:t>
-            </a:fld>
-            <a:endParaRPr lang="en-US"/>
-          </a:p>
-        </p:txBody>
-      </p:sp>
-      <p:sp>
-        <p:nvSpPr>
-          <p:cNvPr id="4" name="Footer Placeholder 3"/>
-          <p:cNvSpPr>
-            <a:spLocks noGrp="1"/>
-          </p:cNvSpPr>
-          <p:nvPr>
-            <p:ph type="ftr" sz="quarter" idx="11"/>
-          </p:nvPr>
-        </p:nvSpPr>
-        <p:spPr>
-          <a:xfrm>
-            <a:off x="228600" y="4826480"/>
-            <a:ext cx="6400800" cy="137160"/>
-          </a:xfrm>
-          <a:prstGeom prst="rect">
-            <a:avLst/>
-          </a:prstGeom>
-        </p:spPr>
-        <p:txBody>
-          <a:bodyPr/>
-          <a:lstStyle>
-            <a:lvl1pPr>
-              <a:defRPr/>
-            </a:lvl1pPr>
-          </a:lstStyle>
-          <a:p>
-            <a:r>
-              <a:rPr lang="de-DE" dirty="0"/>
-              <a:t>IBM Cloud / © 2018 IBM Corporation  </a:t>
-            </a:r>
-            <a:r>
-              <a:rPr lang="en-US" dirty="0"/>
-              <a:t>IBM and Business Partner use only</a:t>
-            </a:r>
-          </a:p>
-        </p:txBody>
-      </p:sp>
-      <p:sp>
-        <p:nvSpPr>
-          <p:cNvPr id="6" name="Content Placeholder 5"/>
-          <p:cNvSpPr>
-            <a:spLocks noGrp="1"/>
-          </p:cNvSpPr>
-          <p:nvPr>
-            <p:ph sz="quarter" idx="12"/>
-          </p:nvPr>
-        </p:nvSpPr>
-        <p:spPr>
-          <a:xfrm>
-            <a:off x="228600" y="1056894"/>
-            <a:ext cx="4114800" cy="3626231"/>
-          </a:xfrm>
-        </p:spPr>
-        <p:txBody>
-          <a:bodyPr/>
-          <a:lstStyle>
-            <a:lvl1pPr>
-              <a:defRPr sz="2400"/>
-            </a:lvl1pPr>
-          </a:lstStyle>
-          <a:p>
-            <a:pPr lvl="0"/>
-            <a:r>
-              <a:rPr lang="en-US" dirty="0"/>
-              <a:t>Click to edit Master text styles</a:t>
-            </a:r>
-          </a:p>
-        </p:txBody>
-      </p:sp>
-      <p:sp>
-        <p:nvSpPr>
-          <p:cNvPr id="8" name="Content Placeholder 7"/>
-          <p:cNvSpPr>
-            <a:spLocks noGrp="1"/>
-          </p:cNvSpPr>
-          <p:nvPr>
-            <p:ph sz="quarter" idx="13"/>
-          </p:nvPr>
-        </p:nvSpPr>
-        <p:spPr>
-          <a:xfrm>
-            <a:off x="4800600" y="1056894"/>
-            <a:ext cx="4114800" cy="3626231"/>
-          </a:xfrm>
-        </p:spPr>
-        <p:txBody>
-          <a:bodyPr/>
-          <a:lstStyle>
-            <a:lvl1pPr>
-              <a:defRPr sz="1400"/>
-            </a:lvl1pPr>
-            <a:lvl2pPr>
-              <a:defRPr sz="1400"/>
-            </a:lvl2pPr>
-            <a:lvl3pPr>
-              <a:defRPr sz="1400"/>
-            </a:lvl3pPr>
-            <a:lvl4pPr>
-              <a:defRPr sz="1400"/>
-            </a:lvl4pPr>
-            <a:lvl5pPr>
-              <a:defRPr sz="1400"/>
-            </a:lvl5pPr>
-          </a:lstStyle>
-          <a:p>
-            <a:pPr lvl="0"/>
-            <a:r>
-              <a:rPr lang="en-US" dirty="0"/>
-              <a:t>Click to edit Master text styles</a:t>
-            </a:r>
-          </a:p>
-          <a:p>
-            <a:pPr lvl="1"/>
-            <a:r>
-              <a:rPr lang="en-US" dirty="0"/>
-              <a:t>Second level</a:t>
-            </a:r>
-          </a:p>
-          <a:p>
-            <a:pPr lvl="2"/>
-            <a:r>
-              <a:rPr lang="en-US" dirty="0"/>
-              <a:t>Third level</a:t>
-            </a:r>
-          </a:p>
-          <a:p>
-            <a:pPr lvl="3"/>
-            <a:r>
-              <a:rPr lang="en-US" dirty="0"/>
-              <a:t>Fourth level</a:t>
-            </a:r>
-          </a:p>
-          <a:p>
-            <a:pPr lvl="4"/>
-            <a:r>
-              <a:rPr lang="en-US" dirty="0"/>
-              <a:t>Fifth level</a:t>
-            </a:r>
-          </a:p>
-        </p:txBody>
-      </p:sp>
-    </p:spTree>
-    <p:extLst>
-      <p:ext uri="{BB962C8B-B14F-4D97-AF65-F5344CB8AC3E}">
-        <p14:creationId xmlns:p14="http://schemas.microsoft.com/office/powerpoint/2010/main" val="161862990"/>
-      </p:ext>
-    </p:extLst>
-  </p:cSld>
-  <p:clrMapOvr>
-    <a:masterClrMapping/>
-  </p:clrMapOvr>
-</p:sldLayout>
-</file>
-
 <file path=ppt/slideLayouts/slideLayout12.xml><?xml version="1.0" encoding="utf-8"?>
 <p:sldLayout xmlns:a="http://schemas.openxmlformats.org/drawingml/2006/main" xmlns:r="http://schemas.openxmlformats.org/officeDocument/2006/relationships" xmlns:p="http://schemas.openxmlformats.org/presentationml/2006/main" preserve="1">
   <p:cSld name="section, title, text (four columns)">
@@ -5331,6 +5103,747 @@
 
 <file path=ppt/slideLayouts/slideLayout120.xml><?xml version="1.0" encoding="utf-8"?>
 <p:sldLayout xmlns:a="http://schemas.openxmlformats.org/drawingml/2006/main" xmlns:r="http://schemas.openxmlformats.org/officeDocument/2006/relationships" xmlns:p="http://schemas.openxmlformats.org/presentationml/2006/main" preserve="1">
+  <p:cSld name="title, text (two columns)">
+    <p:spTree>
+      <p:nvGrpSpPr>
+        <p:cNvPr id="1" name=""/>
+        <p:cNvGrpSpPr/>
+        <p:nvPr/>
+      </p:nvGrpSpPr>
+      <p:grpSpPr>
+        <a:xfrm>
+          <a:off x="0" y="0"/>
+          <a:ext cx="0" cy="0"/>
+          <a:chOff x="0" y="0"/>
+          <a:chExt cx="0" cy="0"/>
+        </a:xfrm>
+      </p:grpSpPr>
+      <p:sp>
+        <p:nvSpPr>
+          <p:cNvPr id="2" name="Title 1"/>
+          <p:cNvSpPr>
+            <a:spLocks noGrp="1"/>
+          </p:cNvSpPr>
+          <p:nvPr>
+            <p:ph type="title"/>
+          </p:nvPr>
+        </p:nvSpPr>
+        <p:spPr>
+          <a:xfrm>
+            <a:off x="228600" y="201168"/>
+            <a:ext cx="8686800" cy="855726"/>
+          </a:xfrm>
+        </p:spPr>
+        <p:txBody>
+          <a:bodyPr/>
+          <a:lstStyle/>
+          <a:p>
+            <a:r>
+              <a:rPr lang="en-US"/>
+              <a:t>Click to edit Master title style</a:t>
+            </a:r>
+            <a:endParaRPr lang="en-US" dirty="0"/>
+          </a:p>
+        </p:txBody>
+      </p:sp>
+      <p:sp>
+        <p:nvSpPr>
+          <p:cNvPr id="3" name="Slide Number Placeholder 2"/>
+          <p:cNvSpPr>
+            <a:spLocks noGrp="1"/>
+          </p:cNvSpPr>
+          <p:nvPr>
+            <p:ph type="sldNum" sz="quarter" idx="10"/>
+          </p:nvPr>
+        </p:nvSpPr>
+        <p:spPr/>
+        <p:txBody>
+          <a:bodyPr/>
+          <a:lstStyle/>
+          <a:p>
+            <a:fld id="{D0BE6F14-FF48-0F4F-A8AA-2E3F25371E4A}" type="slidenum">
+              <a:rPr lang="en-US" smtClean="0"/>
+              <a:pPr/>
+              <a:t>‹#›</a:t>
+            </a:fld>
+            <a:endParaRPr lang="en-US"/>
+          </a:p>
+        </p:txBody>
+      </p:sp>
+      <p:sp>
+        <p:nvSpPr>
+          <p:cNvPr id="4" name="Footer Placeholder 3"/>
+          <p:cNvSpPr>
+            <a:spLocks noGrp="1"/>
+          </p:cNvSpPr>
+          <p:nvPr>
+            <p:ph type="ftr" sz="quarter" idx="11"/>
+          </p:nvPr>
+        </p:nvSpPr>
+        <p:spPr>
+          <a:xfrm>
+            <a:off x="228600" y="4826480"/>
+            <a:ext cx="6400800" cy="137160"/>
+          </a:xfrm>
+          <a:prstGeom prst="rect">
+            <a:avLst/>
+          </a:prstGeom>
+        </p:spPr>
+        <p:txBody>
+          <a:bodyPr/>
+          <a:lstStyle>
+            <a:lvl1pPr>
+              <a:defRPr/>
+            </a:lvl1pPr>
+          </a:lstStyle>
+          <a:p>
+            <a:r>
+              <a:rPr lang="de-DE" dirty="0"/>
+              <a:t>IBM Cloud / © 2018 IBM Corporation  </a:t>
+            </a:r>
+            <a:r>
+              <a:rPr lang="en-US" dirty="0"/>
+              <a:t>IBM and Business Partner use only</a:t>
+            </a:r>
+          </a:p>
+        </p:txBody>
+      </p:sp>
+      <p:sp>
+        <p:nvSpPr>
+          <p:cNvPr id="8" name="Text Placeholder 7"/>
+          <p:cNvSpPr>
+            <a:spLocks noGrp="1"/>
+          </p:cNvSpPr>
+          <p:nvPr>
+            <p:ph type="body" sz="quarter" idx="12"/>
+          </p:nvPr>
+        </p:nvSpPr>
+        <p:spPr>
+          <a:xfrm>
+            <a:off x="228600" y="1124712"/>
+            <a:ext cx="4114800" cy="3585845"/>
+          </a:xfrm>
+        </p:spPr>
+        <p:txBody>
+          <a:bodyPr/>
+          <a:lstStyle>
+            <a:lvl1pPr>
+              <a:spcBef>
+                <a:spcPts val="0"/>
+              </a:spcBef>
+              <a:defRPr sz="1400"/>
+            </a:lvl1pPr>
+          </a:lstStyle>
+          <a:p>
+            <a:pPr lvl="0"/>
+            <a:r>
+              <a:rPr lang="en-US" dirty="0"/>
+              <a:t>Click to edit Master text styles</a:t>
+            </a:r>
+          </a:p>
+          <a:p>
+            <a:pPr lvl="1"/>
+            <a:r>
+              <a:rPr lang="en-US" dirty="0"/>
+              <a:t>Second level</a:t>
+            </a:r>
+          </a:p>
+          <a:p>
+            <a:pPr lvl="2"/>
+            <a:r>
+              <a:rPr lang="en-US" dirty="0"/>
+              <a:t>Third level</a:t>
+            </a:r>
+          </a:p>
+          <a:p>
+            <a:pPr lvl="3"/>
+            <a:r>
+              <a:rPr lang="en-US" dirty="0"/>
+              <a:t>Fourth level</a:t>
+            </a:r>
+          </a:p>
+          <a:p>
+            <a:pPr lvl="4"/>
+            <a:r>
+              <a:rPr lang="en-US" dirty="0"/>
+              <a:t>Fifth level</a:t>
+            </a:r>
+          </a:p>
+        </p:txBody>
+      </p:sp>
+      <p:sp>
+        <p:nvSpPr>
+          <p:cNvPr id="10" name="Text Placeholder 9"/>
+          <p:cNvSpPr>
+            <a:spLocks noGrp="1"/>
+          </p:cNvSpPr>
+          <p:nvPr>
+            <p:ph type="body" sz="quarter" idx="13"/>
+          </p:nvPr>
+        </p:nvSpPr>
+        <p:spPr>
+          <a:xfrm>
+            <a:off x="4800600" y="1124712"/>
+            <a:ext cx="4114800" cy="3585845"/>
+          </a:xfrm>
+        </p:spPr>
+        <p:txBody>
+          <a:bodyPr/>
+          <a:lstStyle>
+            <a:lvl1pPr>
+              <a:spcBef>
+                <a:spcPts val="0"/>
+              </a:spcBef>
+              <a:defRPr sz="1400"/>
+            </a:lvl1pPr>
+          </a:lstStyle>
+          <a:p>
+            <a:pPr lvl="0"/>
+            <a:r>
+              <a:rPr lang="en-US" dirty="0"/>
+              <a:t>Click to edit Master text styles</a:t>
+            </a:r>
+          </a:p>
+          <a:p>
+            <a:pPr lvl="1"/>
+            <a:r>
+              <a:rPr lang="en-US" dirty="0"/>
+              <a:t>Second level</a:t>
+            </a:r>
+          </a:p>
+          <a:p>
+            <a:pPr lvl="2"/>
+            <a:r>
+              <a:rPr lang="en-US" dirty="0"/>
+              <a:t>Third level</a:t>
+            </a:r>
+          </a:p>
+          <a:p>
+            <a:pPr lvl="3"/>
+            <a:r>
+              <a:rPr lang="en-US" dirty="0"/>
+              <a:t>Fourth level</a:t>
+            </a:r>
+          </a:p>
+          <a:p>
+            <a:pPr lvl="4"/>
+            <a:r>
+              <a:rPr lang="en-US" dirty="0"/>
+              <a:t>Fifth level</a:t>
+            </a:r>
+          </a:p>
+        </p:txBody>
+      </p:sp>
+    </p:spTree>
+    <p:extLst>
+      <p:ext uri="{BB962C8B-B14F-4D97-AF65-F5344CB8AC3E}">
+        <p14:creationId xmlns:p14="http://schemas.microsoft.com/office/powerpoint/2010/main" val="1029557597"/>
+      </p:ext>
+    </p:extLst>
+  </p:cSld>
+  <p:clrMapOvr>
+    <a:masterClrMapping/>
+  </p:clrMapOvr>
+</p:sldLayout>
+</file>
+
+<file path=ppt/slideLayouts/slideLayout121.xml><?xml version="1.0" encoding="utf-8"?>
+<p:sldLayout xmlns:a="http://schemas.openxmlformats.org/drawingml/2006/main" xmlns:r="http://schemas.openxmlformats.org/officeDocument/2006/relationships" xmlns:p="http://schemas.openxmlformats.org/presentationml/2006/main" preserve="1">
+  <p:cSld name="section, title, text (two columns)">
+    <p:spTree>
+      <p:nvGrpSpPr>
+        <p:cNvPr id="1" name=""/>
+        <p:cNvGrpSpPr/>
+        <p:nvPr/>
+      </p:nvGrpSpPr>
+      <p:grpSpPr>
+        <a:xfrm>
+          <a:off x="0" y="0"/>
+          <a:ext cx="0" cy="0"/>
+          <a:chOff x="0" y="0"/>
+          <a:chExt cx="0" cy="0"/>
+        </a:xfrm>
+      </p:grpSpPr>
+      <p:sp>
+        <p:nvSpPr>
+          <p:cNvPr id="2" name="Title 1"/>
+          <p:cNvSpPr>
+            <a:spLocks noGrp="1"/>
+          </p:cNvSpPr>
+          <p:nvPr>
+            <p:ph type="title"/>
+          </p:nvPr>
+        </p:nvSpPr>
+        <p:spPr>
+          <a:xfrm>
+            <a:off x="228600" y="411480"/>
+            <a:ext cx="8686800" cy="640080"/>
+          </a:xfrm>
+        </p:spPr>
+        <p:txBody>
+          <a:bodyPr/>
+          <a:lstStyle/>
+          <a:p>
+            <a:r>
+              <a:rPr lang="en-US" dirty="0"/>
+              <a:t>Click to edit Master title style</a:t>
+            </a:r>
+          </a:p>
+        </p:txBody>
+      </p:sp>
+      <p:sp>
+        <p:nvSpPr>
+          <p:cNvPr id="3" name="Slide Number Placeholder 2"/>
+          <p:cNvSpPr>
+            <a:spLocks noGrp="1"/>
+          </p:cNvSpPr>
+          <p:nvPr>
+            <p:ph type="sldNum" sz="quarter" idx="10"/>
+          </p:nvPr>
+        </p:nvSpPr>
+        <p:spPr/>
+        <p:txBody>
+          <a:bodyPr/>
+          <a:lstStyle/>
+          <a:p>
+            <a:fld id="{D0BE6F14-FF48-0F4F-A8AA-2E3F25371E4A}" type="slidenum">
+              <a:rPr lang="en-US" smtClean="0"/>
+              <a:pPr/>
+              <a:t>‹#›</a:t>
+            </a:fld>
+            <a:endParaRPr lang="en-US"/>
+          </a:p>
+        </p:txBody>
+      </p:sp>
+      <p:sp>
+        <p:nvSpPr>
+          <p:cNvPr id="4" name="Footer Placeholder 3"/>
+          <p:cNvSpPr>
+            <a:spLocks noGrp="1"/>
+          </p:cNvSpPr>
+          <p:nvPr>
+            <p:ph type="ftr" sz="quarter" idx="11"/>
+          </p:nvPr>
+        </p:nvSpPr>
+        <p:spPr>
+          <a:xfrm>
+            <a:off x="228600" y="4826480"/>
+            <a:ext cx="6400800" cy="137160"/>
+          </a:xfrm>
+          <a:prstGeom prst="rect">
+            <a:avLst/>
+          </a:prstGeom>
+        </p:spPr>
+        <p:txBody>
+          <a:bodyPr/>
+          <a:lstStyle>
+            <a:lvl1pPr>
+              <a:defRPr/>
+            </a:lvl1pPr>
+          </a:lstStyle>
+          <a:p>
+            <a:r>
+              <a:rPr lang="de-DE" dirty="0"/>
+              <a:t>IBM Cloud / © 2018 IBM Corporation  </a:t>
+            </a:r>
+            <a:r>
+              <a:rPr lang="en-US" dirty="0"/>
+              <a:t>IBM and Business Partner use only</a:t>
+            </a:r>
+          </a:p>
+        </p:txBody>
+      </p:sp>
+      <p:sp>
+        <p:nvSpPr>
+          <p:cNvPr id="6" name="Text Placeholder 5"/>
+          <p:cNvSpPr>
+            <a:spLocks noGrp="1"/>
+          </p:cNvSpPr>
+          <p:nvPr>
+            <p:ph type="body" sz="quarter" idx="12"/>
+          </p:nvPr>
+        </p:nvSpPr>
+        <p:spPr>
+          <a:xfrm>
+            <a:off x="4800600" y="1118616"/>
+            <a:ext cx="4114800" cy="3564510"/>
+          </a:xfrm>
+        </p:spPr>
+        <p:txBody>
+          <a:bodyPr/>
+          <a:lstStyle>
+            <a:lvl1pPr>
+              <a:defRPr sz="1600"/>
+            </a:lvl1pPr>
+          </a:lstStyle>
+          <a:p>
+            <a:pPr lvl="0"/>
+            <a:r>
+              <a:rPr lang="en-US" dirty="0"/>
+              <a:t>Click to edit Master text styles</a:t>
+            </a:r>
+          </a:p>
+          <a:p>
+            <a:pPr lvl="1"/>
+            <a:r>
+              <a:rPr lang="en-US" dirty="0"/>
+              <a:t>Second level</a:t>
+            </a:r>
+          </a:p>
+          <a:p>
+            <a:pPr lvl="2"/>
+            <a:r>
+              <a:rPr lang="en-US" dirty="0"/>
+              <a:t>Third level</a:t>
+            </a:r>
+          </a:p>
+          <a:p>
+            <a:pPr lvl="3"/>
+            <a:r>
+              <a:rPr lang="en-US" dirty="0"/>
+              <a:t>Fourth level</a:t>
+            </a:r>
+          </a:p>
+          <a:p>
+            <a:pPr lvl="4"/>
+            <a:r>
+              <a:rPr lang="en-US" dirty="0"/>
+              <a:t>Fifth level</a:t>
+            </a:r>
+          </a:p>
+        </p:txBody>
+      </p:sp>
+      <p:sp>
+        <p:nvSpPr>
+          <p:cNvPr id="12" name="Text Placeholder 11"/>
+          <p:cNvSpPr>
+            <a:spLocks noGrp="1"/>
+          </p:cNvSpPr>
+          <p:nvPr>
+            <p:ph type="body" sz="quarter" idx="13"/>
+          </p:nvPr>
+        </p:nvSpPr>
+        <p:spPr>
+          <a:xfrm>
+            <a:off x="228600" y="201169"/>
+            <a:ext cx="8686800" cy="204978"/>
+          </a:xfrm>
+        </p:spPr>
+        <p:txBody>
+          <a:bodyPr/>
+          <a:lstStyle>
+            <a:lvl1pPr>
+              <a:defRPr sz="1100"/>
+            </a:lvl1pPr>
+          </a:lstStyle>
+          <a:p>
+            <a:pPr lvl="0"/>
+            <a:r>
+              <a:rPr lang="en-US"/>
+              <a:t>Click to edit Master text styles</a:t>
+            </a:r>
+          </a:p>
+        </p:txBody>
+      </p:sp>
+      <p:sp>
+        <p:nvSpPr>
+          <p:cNvPr id="7" name="Text Placeholder 6"/>
+          <p:cNvSpPr>
+            <a:spLocks noGrp="1"/>
+          </p:cNvSpPr>
+          <p:nvPr>
+            <p:ph type="body" sz="quarter" idx="14"/>
+          </p:nvPr>
+        </p:nvSpPr>
+        <p:spPr>
+          <a:xfrm>
+            <a:off x="228600" y="1118616"/>
+            <a:ext cx="4114800" cy="3564509"/>
+          </a:xfrm>
+        </p:spPr>
+        <p:txBody>
+          <a:bodyPr/>
+          <a:lstStyle>
+            <a:lvl1pPr>
+              <a:defRPr sz="1600"/>
+            </a:lvl1pPr>
+          </a:lstStyle>
+          <a:p>
+            <a:pPr lvl="0"/>
+            <a:r>
+              <a:rPr lang="en-US" dirty="0"/>
+              <a:t>Click to edit Master text styles</a:t>
+            </a:r>
+          </a:p>
+          <a:p>
+            <a:pPr lvl="1"/>
+            <a:r>
+              <a:rPr lang="en-US" dirty="0"/>
+              <a:t>Second level</a:t>
+            </a:r>
+          </a:p>
+          <a:p>
+            <a:pPr lvl="2"/>
+            <a:r>
+              <a:rPr lang="en-US" dirty="0"/>
+              <a:t>Third level</a:t>
+            </a:r>
+          </a:p>
+          <a:p>
+            <a:pPr lvl="3"/>
+            <a:r>
+              <a:rPr lang="en-US" dirty="0"/>
+              <a:t>Fourth level</a:t>
+            </a:r>
+          </a:p>
+          <a:p>
+            <a:pPr lvl="4"/>
+            <a:r>
+              <a:rPr lang="en-US" dirty="0"/>
+              <a:t>Fifth level</a:t>
+            </a:r>
+          </a:p>
+        </p:txBody>
+      </p:sp>
+    </p:spTree>
+    <p:extLst>
+      <p:ext uri="{BB962C8B-B14F-4D97-AF65-F5344CB8AC3E}">
+        <p14:creationId xmlns:p14="http://schemas.microsoft.com/office/powerpoint/2010/main" val="1498788900"/>
+      </p:ext>
+    </p:extLst>
+  </p:cSld>
+  <p:clrMapOvr>
+    <a:masterClrMapping/>
+  </p:clrMapOvr>
+</p:sldLayout>
+</file>
+
+<file path=ppt/slideLayouts/slideLayout122.xml><?xml version="1.0" encoding="utf-8"?>
+<p:sldLayout xmlns:a="http://schemas.openxmlformats.org/drawingml/2006/main" xmlns:r="http://schemas.openxmlformats.org/officeDocument/2006/relationships" xmlns:p="http://schemas.openxmlformats.org/presentationml/2006/main" preserve="1">
+  <p:cSld name="title, text (two columns, different text sizes)">
+    <p:spTree>
+      <p:nvGrpSpPr>
+        <p:cNvPr id="1" name=""/>
+        <p:cNvGrpSpPr/>
+        <p:nvPr/>
+      </p:nvGrpSpPr>
+      <p:grpSpPr>
+        <a:xfrm>
+          <a:off x="0" y="0"/>
+          <a:ext cx="0" cy="0"/>
+          <a:chOff x="0" y="0"/>
+          <a:chExt cx="0" cy="0"/>
+        </a:xfrm>
+      </p:grpSpPr>
+      <p:sp>
+        <p:nvSpPr>
+          <p:cNvPr id="2" name="Title 1"/>
+          <p:cNvSpPr>
+            <a:spLocks noGrp="1"/>
+          </p:cNvSpPr>
+          <p:nvPr>
+            <p:ph type="title"/>
+          </p:nvPr>
+        </p:nvSpPr>
+        <p:spPr>
+          <a:xfrm>
+            <a:off x="228600" y="201168"/>
+            <a:ext cx="8686800" cy="502158"/>
+          </a:xfrm>
+        </p:spPr>
+        <p:txBody>
+          <a:bodyPr/>
+          <a:lstStyle/>
+          <a:p>
+            <a:r>
+              <a:rPr lang="en-US"/>
+              <a:t>Click to edit Master title style</a:t>
+            </a:r>
+            <a:endParaRPr lang="en-US" dirty="0"/>
+          </a:p>
+        </p:txBody>
+      </p:sp>
+      <p:sp>
+        <p:nvSpPr>
+          <p:cNvPr id="3" name="Slide Number Placeholder 2"/>
+          <p:cNvSpPr>
+            <a:spLocks noGrp="1"/>
+          </p:cNvSpPr>
+          <p:nvPr>
+            <p:ph type="sldNum" sz="quarter" idx="10"/>
+          </p:nvPr>
+        </p:nvSpPr>
+        <p:spPr/>
+        <p:txBody>
+          <a:bodyPr/>
+          <a:lstStyle/>
+          <a:p>
+            <a:fld id="{D0BE6F14-FF48-0F4F-A8AA-2E3F25371E4A}" type="slidenum">
+              <a:rPr lang="en-US" smtClean="0"/>
+              <a:pPr/>
+              <a:t>‹#›</a:t>
+            </a:fld>
+            <a:endParaRPr lang="en-US"/>
+          </a:p>
+        </p:txBody>
+      </p:sp>
+      <p:sp>
+        <p:nvSpPr>
+          <p:cNvPr id="4" name="Footer Placeholder 3"/>
+          <p:cNvSpPr>
+            <a:spLocks noGrp="1"/>
+          </p:cNvSpPr>
+          <p:nvPr>
+            <p:ph type="ftr" sz="quarter" idx="11"/>
+          </p:nvPr>
+        </p:nvSpPr>
+        <p:spPr>
+          <a:xfrm>
+            <a:off x="228600" y="4826480"/>
+            <a:ext cx="6400800" cy="137160"/>
+          </a:xfrm>
+          <a:prstGeom prst="rect">
+            <a:avLst/>
+          </a:prstGeom>
+        </p:spPr>
+        <p:txBody>
+          <a:bodyPr/>
+          <a:lstStyle>
+            <a:lvl1pPr>
+              <a:defRPr/>
+            </a:lvl1pPr>
+          </a:lstStyle>
+          <a:p>
+            <a:r>
+              <a:rPr lang="de-DE" dirty="0"/>
+              <a:t>IBM Cloud / © 2018 IBM Corporation  </a:t>
+            </a:r>
+            <a:r>
+              <a:rPr lang="en-US" dirty="0"/>
+              <a:t>IBM and Business Partner use only</a:t>
+            </a:r>
+          </a:p>
+        </p:txBody>
+      </p:sp>
+      <p:sp>
+        <p:nvSpPr>
+          <p:cNvPr id="6" name="Content Placeholder 5"/>
+          <p:cNvSpPr>
+            <a:spLocks noGrp="1"/>
+          </p:cNvSpPr>
+          <p:nvPr>
+            <p:ph sz="quarter" idx="12"/>
+          </p:nvPr>
+        </p:nvSpPr>
+        <p:spPr>
+          <a:xfrm>
+            <a:off x="228600" y="1056894"/>
+            <a:ext cx="4114800" cy="3626231"/>
+          </a:xfrm>
+        </p:spPr>
+        <p:txBody>
+          <a:bodyPr/>
+          <a:lstStyle>
+            <a:lvl1pPr>
+              <a:defRPr sz="2400"/>
+            </a:lvl1pPr>
+          </a:lstStyle>
+          <a:p>
+            <a:pPr lvl="0"/>
+            <a:r>
+              <a:rPr lang="en-US" dirty="0"/>
+              <a:t>Click to edit Master text styles</a:t>
+            </a:r>
+          </a:p>
+        </p:txBody>
+      </p:sp>
+      <p:sp>
+        <p:nvSpPr>
+          <p:cNvPr id="8" name="Content Placeholder 7"/>
+          <p:cNvSpPr>
+            <a:spLocks noGrp="1"/>
+          </p:cNvSpPr>
+          <p:nvPr>
+            <p:ph sz="quarter" idx="13"/>
+          </p:nvPr>
+        </p:nvSpPr>
+        <p:spPr>
+          <a:xfrm>
+            <a:off x="4800600" y="1056894"/>
+            <a:ext cx="4114800" cy="3626231"/>
+          </a:xfrm>
+        </p:spPr>
+        <p:txBody>
+          <a:bodyPr/>
+          <a:lstStyle>
+            <a:lvl1pPr>
+              <a:defRPr sz="1400"/>
+            </a:lvl1pPr>
+            <a:lvl2pPr>
+              <a:defRPr sz="1400"/>
+            </a:lvl2pPr>
+            <a:lvl3pPr>
+              <a:defRPr sz="1400"/>
+            </a:lvl3pPr>
+            <a:lvl4pPr>
+              <a:defRPr sz="1400"/>
+            </a:lvl4pPr>
+            <a:lvl5pPr>
+              <a:defRPr sz="1400"/>
+            </a:lvl5pPr>
+          </a:lstStyle>
+          <a:p>
+            <a:pPr lvl="0"/>
+            <a:r>
+              <a:rPr lang="en-US" dirty="0"/>
+              <a:t>Click to edit Master text styles</a:t>
+            </a:r>
+          </a:p>
+          <a:p>
+            <a:pPr lvl="1"/>
+            <a:r>
+              <a:rPr lang="en-US" dirty="0"/>
+              <a:t>Second level</a:t>
+            </a:r>
+          </a:p>
+          <a:p>
+            <a:pPr lvl="2"/>
+            <a:r>
+              <a:rPr lang="en-US" dirty="0"/>
+              <a:t>Third level</a:t>
+            </a:r>
+          </a:p>
+          <a:p>
+            <a:pPr lvl="3"/>
+            <a:r>
+              <a:rPr lang="en-US" dirty="0"/>
+              <a:t>Fourth level</a:t>
+            </a:r>
+          </a:p>
+          <a:p>
+            <a:pPr lvl="4"/>
+            <a:r>
+              <a:rPr lang="en-US" dirty="0"/>
+              <a:t>Fifth level</a:t>
+            </a:r>
+          </a:p>
+        </p:txBody>
+      </p:sp>
+    </p:spTree>
+    <p:extLst>
+      <p:ext uri="{BB962C8B-B14F-4D97-AF65-F5344CB8AC3E}">
+        <p14:creationId xmlns:p14="http://schemas.microsoft.com/office/powerpoint/2010/main" val="161862990"/>
+      </p:ext>
+    </p:extLst>
+  </p:cSld>
+  <p:clrMapOvr>
+    <a:masterClrMapping/>
+  </p:clrMapOvr>
+</p:sldLayout>
+</file>
+
+<file path=ppt/slideLayouts/slideLayout123.xml><?xml version="1.0" encoding="utf-8"?>
+<p:sldLayout xmlns:a="http://schemas.openxmlformats.org/drawingml/2006/main" xmlns:r="http://schemas.openxmlformats.org/officeDocument/2006/relationships" xmlns:p="http://schemas.openxmlformats.org/presentationml/2006/main" preserve="1">
   <p:cSld name="section, title, text (four columns)">
     <p:spTree>
       <p:nvGrpSpPr>
@@ -5791,7 +6304,7 @@
 </p:sldLayout>
 </file>
 
-<file path=ppt/slideLayouts/slideLayout121.xml><?xml version="1.0" encoding="utf-8"?>
+<file path=ppt/slideLayouts/slideLayout124.xml><?xml version="1.0" encoding="utf-8"?>
 <p:sldLayout xmlns:a="http://schemas.openxmlformats.org/drawingml/2006/main" xmlns:r="http://schemas.openxmlformats.org/officeDocument/2006/relationships" xmlns:p="http://schemas.openxmlformats.org/presentationml/2006/main" preserve="1">
   <p:cSld name="section, title, text, half-image">
     <p:spTree>
@@ -6029,7 +6542,7 @@
 </p:sldLayout>
 </file>
 
-<file path=ppt/slideLayouts/slideLayout122.xml><?xml version="1.0" encoding="utf-8"?>
+<file path=ppt/slideLayouts/slideLayout125.xml><?xml version="1.0" encoding="utf-8"?>
 <p:sldLayout xmlns:a="http://schemas.openxmlformats.org/drawingml/2006/main" xmlns:r="http://schemas.openxmlformats.org/officeDocument/2006/relationships" xmlns:p="http://schemas.openxmlformats.org/presentationml/2006/main" preserve="1">
   <p:cSld name="section, title, text (two columns), half-image">
     <p:spTree>
@@ -6333,7 +6846,7 @@
 </p:sldLayout>
 </file>
 
-<file path=ppt/slideLayouts/slideLayout123.xml><?xml version="1.0" encoding="utf-8"?>
+<file path=ppt/slideLayouts/slideLayout126.xml><?xml version="1.0" encoding="utf-8"?>
 <p:sldLayout xmlns:a="http://schemas.openxmlformats.org/drawingml/2006/main" xmlns:r="http://schemas.openxmlformats.org/officeDocument/2006/relationships" xmlns:p="http://schemas.openxmlformats.org/presentationml/2006/main" preserve="1">
   <p:cSld name="section, title, text (two narrow columns)">
     <p:spTree>
@@ -6638,7 +7151,7 @@
 </p:sldLayout>
 </file>
 
-<file path=ppt/slideLayouts/slideLayout124.xml><?xml version="1.0" encoding="utf-8"?>
+<file path=ppt/slideLayouts/slideLayout127.xml><?xml version="1.0" encoding="utf-8"?>
 <p:sldLayout xmlns:a="http://schemas.openxmlformats.org/drawingml/2006/main" xmlns:r="http://schemas.openxmlformats.org/officeDocument/2006/relationships" xmlns:p="http://schemas.openxmlformats.org/presentationml/2006/main" preserve="1">
   <p:cSld name="section, title, text (dark background)">
     <p:spTree>
@@ -6891,7 +7404,7 @@
 </p:sldLayout>
 </file>
 
-<file path=ppt/slideLayouts/slideLayout125.xml><?xml version="1.0" encoding="utf-8"?>
+<file path=ppt/slideLayouts/slideLayout128.xml><?xml version="1.0" encoding="utf-8"?>
 <p:sldLayout xmlns:a="http://schemas.openxmlformats.org/drawingml/2006/main" xmlns:r="http://schemas.openxmlformats.org/officeDocument/2006/relationships" xmlns:p="http://schemas.openxmlformats.org/presentationml/2006/main" preserve="1">
   <p:cSld name="title, image">
     <p:spTree>
@@ -7000,7 +7513,7 @@
 </p:sldLayout>
 </file>
 
-<file path=ppt/slideLayouts/slideLayout126.xml><?xml version="1.0" encoding="utf-8"?>
+<file path=ppt/slideLayouts/slideLayout129.xml><?xml version="1.0" encoding="utf-8"?>
 <p:sldLayout xmlns:a="http://schemas.openxmlformats.org/drawingml/2006/main" xmlns:r="http://schemas.openxmlformats.org/officeDocument/2006/relationships" xmlns:p="http://schemas.openxmlformats.org/presentationml/2006/main" preserve="1">
   <p:cSld name="title, half-blank area">
     <p:spTree>
@@ -7082,7 +7595,230 @@
 </p:sldLayout>
 </file>
 
-<file path=ppt/slideLayouts/slideLayout127.xml><?xml version="1.0" encoding="utf-8"?>
+<file path=ppt/slideLayouts/slideLayout13.xml><?xml version="1.0" encoding="utf-8"?>
+<p:sldLayout xmlns:a="http://schemas.openxmlformats.org/drawingml/2006/main" xmlns:r="http://schemas.openxmlformats.org/officeDocument/2006/relationships" xmlns:p="http://schemas.openxmlformats.org/presentationml/2006/main" preserve="1">
+  <p:cSld name="section, title, text, half-image">
+    <p:spTree>
+      <p:nvGrpSpPr>
+        <p:cNvPr id="1" name=""/>
+        <p:cNvGrpSpPr/>
+        <p:nvPr/>
+      </p:nvGrpSpPr>
+      <p:grpSpPr>
+        <a:xfrm>
+          <a:off x="0" y="0"/>
+          <a:ext cx="0" cy="0"/>
+          <a:chOff x="0" y="0"/>
+          <a:chExt cx="0" cy="0"/>
+        </a:xfrm>
+      </p:grpSpPr>
+      <p:sp>
+        <p:nvSpPr>
+          <p:cNvPr id="8" name="Picture Placeholder 7"/>
+          <p:cNvSpPr>
+            <a:spLocks noGrp="1"/>
+          </p:cNvSpPr>
+          <p:nvPr>
+            <p:ph type="pic" sz="quarter" idx="15"/>
+          </p:nvPr>
+        </p:nvSpPr>
+        <p:spPr>
+          <a:xfrm>
+            <a:off x="4572000" y="0"/>
+            <a:ext cx="4572000" cy="5143500"/>
+          </a:xfrm>
+        </p:spPr>
+        <p:txBody>
+          <a:bodyPr/>
+          <a:lstStyle/>
+          <a:p>
+            <a:r>
+              <a:rPr lang="en-US"/>
+              <a:t>Drag picture to placeholder or click icon to add</a:t>
+            </a:r>
+          </a:p>
+        </p:txBody>
+      </p:sp>
+      <p:sp>
+        <p:nvSpPr>
+          <p:cNvPr id="2" name="Title 1"/>
+          <p:cNvSpPr>
+            <a:spLocks noGrp="1"/>
+          </p:cNvSpPr>
+          <p:nvPr>
+            <p:ph type="title"/>
+          </p:nvPr>
+        </p:nvSpPr>
+        <p:spPr>
+          <a:xfrm>
+            <a:off x="228600" y="411480"/>
+            <a:ext cx="4114800" cy="640080"/>
+          </a:xfrm>
+        </p:spPr>
+        <p:txBody>
+          <a:bodyPr/>
+          <a:lstStyle/>
+          <a:p>
+            <a:r>
+              <a:rPr lang="en-US"/>
+              <a:t>Click to edit Master title style</a:t>
+            </a:r>
+            <a:endParaRPr lang="en-US" dirty="0"/>
+          </a:p>
+        </p:txBody>
+      </p:sp>
+      <p:sp>
+        <p:nvSpPr>
+          <p:cNvPr id="3" name="Slide Number Placeholder 2"/>
+          <p:cNvSpPr>
+            <a:spLocks noGrp="1"/>
+          </p:cNvSpPr>
+          <p:nvPr>
+            <p:ph type="sldNum" sz="quarter" idx="10"/>
+          </p:nvPr>
+        </p:nvSpPr>
+        <p:spPr/>
+        <p:txBody>
+          <a:bodyPr/>
+          <a:lstStyle/>
+          <a:p>
+            <a:fld id="{3FD999D4-B456-9943-89B7-30D56181CE18}" type="slidenum">
+              <a:rPr lang="en-US" smtClean="0"/>
+              <a:t>‹#›</a:t>
+            </a:fld>
+            <a:endParaRPr lang="en-US"/>
+          </a:p>
+        </p:txBody>
+      </p:sp>
+      <p:sp>
+        <p:nvSpPr>
+          <p:cNvPr id="4" name="Footer Placeholder 3"/>
+          <p:cNvSpPr>
+            <a:spLocks noGrp="1"/>
+          </p:cNvSpPr>
+          <p:nvPr>
+            <p:ph type="ftr" sz="quarter" idx="11"/>
+          </p:nvPr>
+        </p:nvSpPr>
+        <p:spPr/>
+        <p:txBody>
+          <a:bodyPr/>
+          <a:lstStyle/>
+          <a:p>
+            <a:r>
+              <a:rPr lang="en-US"/>
+              <a:t>IBM Cloud / DOC ID / Month XX, 2017 / © 2017 IBM Corporation</a:t>
+            </a:r>
+          </a:p>
+        </p:txBody>
+      </p:sp>
+      <p:sp>
+        <p:nvSpPr>
+          <p:cNvPr id="12" name="Text Placeholder 11"/>
+          <p:cNvSpPr>
+            <a:spLocks noGrp="1"/>
+          </p:cNvSpPr>
+          <p:nvPr>
+            <p:ph type="body" sz="quarter" idx="13"/>
+          </p:nvPr>
+        </p:nvSpPr>
+        <p:spPr>
+          <a:xfrm>
+            <a:off x="228600" y="201168"/>
+            <a:ext cx="4114800" cy="300037"/>
+          </a:xfrm>
+        </p:spPr>
+        <p:txBody>
+          <a:bodyPr/>
+          <a:lstStyle>
+            <a:lvl1pPr>
+              <a:defRPr sz="1100"/>
+            </a:lvl1pPr>
+          </a:lstStyle>
+          <a:p>
+            <a:pPr lvl="0"/>
+            <a:r>
+              <a:rPr lang="en-US"/>
+              <a:t>Click to edit Master text styles</a:t>
+            </a:r>
+          </a:p>
+        </p:txBody>
+      </p:sp>
+      <p:sp>
+        <p:nvSpPr>
+          <p:cNvPr id="7" name="Text Placeholder 6"/>
+          <p:cNvSpPr>
+            <a:spLocks noGrp="1"/>
+          </p:cNvSpPr>
+          <p:nvPr>
+            <p:ph type="body" sz="quarter" idx="14"/>
+          </p:nvPr>
+        </p:nvSpPr>
+        <p:spPr>
+          <a:xfrm>
+            <a:off x="228600" y="1097280"/>
+            <a:ext cx="4114800" cy="3585845"/>
+          </a:xfrm>
+        </p:spPr>
+        <p:txBody>
+          <a:bodyPr/>
+          <a:lstStyle>
+            <a:lvl1pPr>
+              <a:defRPr sz="1600"/>
+            </a:lvl1pPr>
+          </a:lstStyle>
+          <a:p>
+            <a:pPr lvl="0"/>
+            <a:r>
+              <a:rPr lang="en-US"/>
+              <a:t>Click to edit Master text styles</a:t>
+            </a:r>
+          </a:p>
+          <a:p>
+            <a:pPr lvl="1"/>
+            <a:r>
+              <a:rPr lang="en-US"/>
+              <a:t>Second level</a:t>
+            </a:r>
+          </a:p>
+          <a:p>
+            <a:pPr lvl="2"/>
+            <a:r>
+              <a:rPr lang="en-US"/>
+              <a:t>Third level</a:t>
+            </a:r>
+          </a:p>
+          <a:p>
+            <a:pPr lvl="3"/>
+            <a:r>
+              <a:rPr lang="en-US"/>
+              <a:t>Fourth level</a:t>
+            </a:r>
+          </a:p>
+          <a:p>
+            <a:pPr lvl="4"/>
+            <a:r>
+              <a:rPr lang="en-US"/>
+              <a:t>Fifth level</a:t>
+            </a:r>
+            <a:endParaRPr lang="en-US" dirty="0"/>
+          </a:p>
+        </p:txBody>
+      </p:sp>
+    </p:spTree>
+    <p:extLst>
+      <p:ext uri="{BB962C8B-B14F-4D97-AF65-F5344CB8AC3E}">
+        <p14:creationId xmlns:p14="http://schemas.microsoft.com/office/powerpoint/2010/main" val="1281953551"/>
+      </p:ext>
+    </p:extLst>
+  </p:cSld>
+  <p:clrMapOvr>
+    <a:masterClrMapping/>
+  </p:clrMapOvr>
+</p:sldLayout>
+</file>
+
+<file path=ppt/slideLayouts/slideLayout130.xml><?xml version="1.0" encoding="utf-8"?>
 <p:sldLayout xmlns:a="http://schemas.openxmlformats.org/drawingml/2006/main" xmlns:r="http://schemas.openxmlformats.org/officeDocument/2006/relationships" xmlns:p="http://schemas.openxmlformats.org/presentationml/2006/main" preserve="1">
   <p:cSld name="insight, text, boxes">
     <p:spTree>
@@ -7365,7 +8101,7 @@
 </p:sldLayout>
 </file>
 
-<file path=ppt/slideLayouts/slideLayout128.xml><?xml version="1.0" encoding="utf-8"?>
+<file path=ppt/slideLayouts/slideLayout131.xml><?xml version="1.0" encoding="utf-8"?>
 <p:sldLayout xmlns:a="http://schemas.openxmlformats.org/drawingml/2006/main" xmlns:r="http://schemas.openxmlformats.org/officeDocument/2006/relationships" xmlns:p="http://schemas.openxmlformats.org/presentationml/2006/main" preserve="1">
   <p:cSld name="boxes (3 med, 2 small)">
     <p:spTree>
@@ -7694,7 +8430,7 @@
 </p:sldLayout>
 </file>
 
-<file path=ppt/slideLayouts/slideLayout129.xml><?xml version="1.0" encoding="utf-8"?>
+<file path=ppt/slideLayouts/slideLayout132.xml><?xml version="1.0" encoding="utf-8"?>
 <p:sldLayout xmlns:a="http://schemas.openxmlformats.org/drawingml/2006/main" xmlns:r="http://schemas.openxmlformats.org/officeDocument/2006/relationships" xmlns:p="http://schemas.openxmlformats.org/presentationml/2006/main" preserve="1">
   <p:cSld name="boxes (1 large, 4 small)">
     <p:spTree>
@@ -8021,230 +8757,7 @@
 </p:sldLayout>
 </file>
 
-<file path=ppt/slideLayouts/slideLayout13.xml><?xml version="1.0" encoding="utf-8"?>
-<p:sldLayout xmlns:a="http://schemas.openxmlformats.org/drawingml/2006/main" xmlns:r="http://schemas.openxmlformats.org/officeDocument/2006/relationships" xmlns:p="http://schemas.openxmlformats.org/presentationml/2006/main" preserve="1">
-  <p:cSld name="section, title, text, half-image">
-    <p:spTree>
-      <p:nvGrpSpPr>
-        <p:cNvPr id="1" name=""/>
-        <p:cNvGrpSpPr/>
-        <p:nvPr/>
-      </p:nvGrpSpPr>
-      <p:grpSpPr>
-        <a:xfrm>
-          <a:off x="0" y="0"/>
-          <a:ext cx="0" cy="0"/>
-          <a:chOff x="0" y="0"/>
-          <a:chExt cx="0" cy="0"/>
-        </a:xfrm>
-      </p:grpSpPr>
-      <p:sp>
-        <p:nvSpPr>
-          <p:cNvPr id="8" name="Picture Placeholder 7"/>
-          <p:cNvSpPr>
-            <a:spLocks noGrp="1"/>
-          </p:cNvSpPr>
-          <p:nvPr>
-            <p:ph type="pic" sz="quarter" idx="15"/>
-          </p:nvPr>
-        </p:nvSpPr>
-        <p:spPr>
-          <a:xfrm>
-            <a:off x="4572000" y="0"/>
-            <a:ext cx="4572000" cy="5143500"/>
-          </a:xfrm>
-        </p:spPr>
-        <p:txBody>
-          <a:bodyPr/>
-          <a:lstStyle/>
-          <a:p>
-            <a:r>
-              <a:rPr lang="en-US"/>
-              <a:t>Drag picture to placeholder or click icon to add</a:t>
-            </a:r>
-          </a:p>
-        </p:txBody>
-      </p:sp>
-      <p:sp>
-        <p:nvSpPr>
-          <p:cNvPr id="2" name="Title 1"/>
-          <p:cNvSpPr>
-            <a:spLocks noGrp="1"/>
-          </p:cNvSpPr>
-          <p:nvPr>
-            <p:ph type="title"/>
-          </p:nvPr>
-        </p:nvSpPr>
-        <p:spPr>
-          <a:xfrm>
-            <a:off x="228600" y="411480"/>
-            <a:ext cx="4114800" cy="640080"/>
-          </a:xfrm>
-        </p:spPr>
-        <p:txBody>
-          <a:bodyPr/>
-          <a:lstStyle/>
-          <a:p>
-            <a:r>
-              <a:rPr lang="en-US"/>
-              <a:t>Click to edit Master title style</a:t>
-            </a:r>
-            <a:endParaRPr lang="en-US" dirty="0"/>
-          </a:p>
-        </p:txBody>
-      </p:sp>
-      <p:sp>
-        <p:nvSpPr>
-          <p:cNvPr id="3" name="Slide Number Placeholder 2"/>
-          <p:cNvSpPr>
-            <a:spLocks noGrp="1"/>
-          </p:cNvSpPr>
-          <p:nvPr>
-            <p:ph type="sldNum" sz="quarter" idx="10"/>
-          </p:nvPr>
-        </p:nvSpPr>
-        <p:spPr/>
-        <p:txBody>
-          <a:bodyPr/>
-          <a:lstStyle/>
-          <a:p>
-            <a:fld id="{3FD999D4-B456-9943-89B7-30D56181CE18}" type="slidenum">
-              <a:rPr lang="en-US" smtClean="0"/>
-              <a:t>‹#›</a:t>
-            </a:fld>
-            <a:endParaRPr lang="en-US"/>
-          </a:p>
-        </p:txBody>
-      </p:sp>
-      <p:sp>
-        <p:nvSpPr>
-          <p:cNvPr id="4" name="Footer Placeholder 3"/>
-          <p:cNvSpPr>
-            <a:spLocks noGrp="1"/>
-          </p:cNvSpPr>
-          <p:nvPr>
-            <p:ph type="ftr" sz="quarter" idx="11"/>
-          </p:nvPr>
-        </p:nvSpPr>
-        <p:spPr/>
-        <p:txBody>
-          <a:bodyPr/>
-          <a:lstStyle/>
-          <a:p>
-            <a:r>
-              <a:rPr lang="en-US"/>
-              <a:t>IBM Cloud / DOC ID / Month XX, 2017 / © 2017 IBM Corporation</a:t>
-            </a:r>
-          </a:p>
-        </p:txBody>
-      </p:sp>
-      <p:sp>
-        <p:nvSpPr>
-          <p:cNvPr id="12" name="Text Placeholder 11"/>
-          <p:cNvSpPr>
-            <a:spLocks noGrp="1"/>
-          </p:cNvSpPr>
-          <p:nvPr>
-            <p:ph type="body" sz="quarter" idx="13"/>
-          </p:nvPr>
-        </p:nvSpPr>
-        <p:spPr>
-          <a:xfrm>
-            <a:off x="228600" y="201168"/>
-            <a:ext cx="4114800" cy="300037"/>
-          </a:xfrm>
-        </p:spPr>
-        <p:txBody>
-          <a:bodyPr/>
-          <a:lstStyle>
-            <a:lvl1pPr>
-              <a:defRPr sz="1100"/>
-            </a:lvl1pPr>
-          </a:lstStyle>
-          <a:p>
-            <a:pPr lvl="0"/>
-            <a:r>
-              <a:rPr lang="en-US"/>
-              <a:t>Click to edit Master text styles</a:t>
-            </a:r>
-          </a:p>
-        </p:txBody>
-      </p:sp>
-      <p:sp>
-        <p:nvSpPr>
-          <p:cNvPr id="7" name="Text Placeholder 6"/>
-          <p:cNvSpPr>
-            <a:spLocks noGrp="1"/>
-          </p:cNvSpPr>
-          <p:nvPr>
-            <p:ph type="body" sz="quarter" idx="14"/>
-          </p:nvPr>
-        </p:nvSpPr>
-        <p:spPr>
-          <a:xfrm>
-            <a:off x="228600" y="1097280"/>
-            <a:ext cx="4114800" cy="3585845"/>
-          </a:xfrm>
-        </p:spPr>
-        <p:txBody>
-          <a:bodyPr/>
-          <a:lstStyle>
-            <a:lvl1pPr>
-              <a:defRPr sz="1600"/>
-            </a:lvl1pPr>
-          </a:lstStyle>
-          <a:p>
-            <a:pPr lvl="0"/>
-            <a:r>
-              <a:rPr lang="en-US"/>
-              <a:t>Click to edit Master text styles</a:t>
-            </a:r>
-          </a:p>
-          <a:p>
-            <a:pPr lvl="1"/>
-            <a:r>
-              <a:rPr lang="en-US"/>
-              <a:t>Second level</a:t>
-            </a:r>
-          </a:p>
-          <a:p>
-            <a:pPr lvl="2"/>
-            <a:r>
-              <a:rPr lang="en-US"/>
-              <a:t>Third level</a:t>
-            </a:r>
-          </a:p>
-          <a:p>
-            <a:pPr lvl="3"/>
-            <a:r>
-              <a:rPr lang="en-US"/>
-              <a:t>Fourth level</a:t>
-            </a:r>
-          </a:p>
-          <a:p>
-            <a:pPr lvl="4"/>
-            <a:r>
-              <a:rPr lang="en-US"/>
-              <a:t>Fifth level</a:t>
-            </a:r>
-            <a:endParaRPr lang="en-US" dirty="0"/>
-          </a:p>
-        </p:txBody>
-      </p:sp>
-    </p:spTree>
-    <p:extLst>
-      <p:ext uri="{BB962C8B-B14F-4D97-AF65-F5344CB8AC3E}">
-        <p14:creationId xmlns:p14="http://schemas.microsoft.com/office/powerpoint/2010/main" val="1281953551"/>
-      </p:ext>
-    </p:extLst>
-  </p:cSld>
-  <p:clrMapOvr>
-    <a:masterClrMapping/>
-  </p:clrMapOvr>
-</p:sldLayout>
-</file>
-
-<file path=ppt/slideLayouts/slideLayout130.xml><?xml version="1.0" encoding="utf-8"?>
+<file path=ppt/slideLayouts/slideLayout133.xml><?xml version="1.0" encoding="utf-8"?>
 <p:sldLayout xmlns:a="http://schemas.openxmlformats.org/drawingml/2006/main" xmlns:r="http://schemas.openxmlformats.org/officeDocument/2006/relationships" xmlns:p="http://schemas.openxmlformats.org/presentationml/2006/main" preserve="1">
   <p:cSld name="title (black box) over image(s)">
     <p:spTree>
@@ -8375,7 +8888,7 @@
 </p:sldLayout>
 </file>
 
-<file path=ppt/slideLayouts/slideLayout131.xml><?xml version="1.0" encoding="utf-8"?>
+<file path=ppt/slideLayouts/slideLayout134.xml><?xml version="1.0" encoding="utf-8"?>
 <p:sldLayout xmlns:a="http://schemas.openxmlformats.org/drawingml/2006/main" xmlns:r="http://schemas.openxmlformats.org/officeDocument/2006/relationships" xmlns:p="http://schemas.openxmlformats.org/presentationml/2006/main" preserve="1">
   <p:cSld name="text (black box) over image(s)">
     <p:spTree>
@@ -8567,7 +9080,7 @@
 </p:sldLayout>
 </file>
 
-<file path=ppt/slideLayouts/slideLayout132.xml><?xml version="1.0" encoding="utf-8"?>
+<file path=ppt/slideLayouts/slideLayout135.xml><?xml version="1.0" encoding="utf-8"?>
 <p:sldLayout xmlns:a="http://schemas.openxmlformats.org/drawingml/2006/main" xmlns:r="http://schemas.openxmlformats.org/officeDocument/2006/relationships" xmlns:p="http://schemas.openxmlformats.org/presentationml/2006/main" preserve="1">
   <p:cSld name="boxes (4 tall)">
     <p:spTree>
@@ -8970,7 +9483,7 @@
 </p:sldLayout>
 </file>
 
-<file path=ppt/slideLayouts/slideLayout133.xml><?xml version="1.0" encoding="utf-8"?>
+<file path=ppt/slideLayouts/slideLayout136.xml><?xml version="1.0" encoding="utf-8"?>
 <p:sldLayout xmlns:a="http://schemas.openxmlformats.org/drawingml/2006/main" xmlns:r="http://schemas.openxmlformats.org/officeDocument/2006/relationships" xmlns:p="http://schemas.openxmlformats.org/presentationml/2006/main" preserve="1">
   <p:cSld name="graph">
     <p:spTree>
@@ -9167,7 +9680,7 @@
 </p:sldLayout>
 </file>
 
-<file path=ppt/slideLayouts/slideLayout134.xml><?xml version="1.0" encoding="utf-8"?>
+<file path=ppt/slideLayouts/slideLayout137.xml><?xml version="1.0" encoding="utf-8"?>
 <p:sldLayout xmlns:a="http://schemas.openxmlformats.org/drawingml/2006/main" xmlns:r="http://schemas.openxmlformats.org/officeDocument/2006/relationships" xmlns:p="http://schemas.openxmlformats.org/presentationml/2006/main" preserve="1">
   <p:cSld name="title, text (1/4), content (3/4)">
     <p:spTree>
@@ -9416,7 +9929,7 @@
 </p:sldLayout>
 </file>
 
-<file path=ppt/slideLayouts/slideLayout135.xml><?xml version="1.0" encoding="utf-8"?>
+<file path=ppt/slideLayouts/slideLayout138.xml><?xml version="1.0" encoding="utf-8"?>
 <p:sldLayout xmlns:a="http://schemas.openxmlformats.org/drawingml/2006/main" xmlns:r="http://schemas.openxmlformats.org/officeDocument/2006/relationships" xmlns:p="http://schemas.openxmlformats.org/presentationml/2006/main" preserve="1">
   <p:cSld name="title, text (1/4), blank (3/4)">
     <p:spTree>
@@ -9608,7 +10121,7 @@
 </p:sldLayout>
 </file>
 
-<file path=ppt/slideLayouts/slideLayout136.xml><?xml version="1.0" encoding="utf-8"?>
+<file path=ppt/slideLayouts/slideLayout139.xml><?xml version="1.0" encoding="utf-8"?>
 <p:sldLayout xmlns:a="http://schemas.openxmlformats.org/drawingml/2006/main" xmlns:r="http://schemas.openxmlformats.org/officeDocument/2006/relationships" xmlns:p="http://schemas.openxmlformats.org/presentationml/2006/main" preserve="1">
   <p:cSld name="case study: title, text (2/4), content (2/4)">
     <p:spTree>
@@ -9891,634 +10404,6 @@
     <p:extLst>
       <p:ext uri="{BB962C8B-B14F-4D97-AF65-F5344CB8AC3E}">
         <p14:creationId xmlns:p14="http://schemas.microsoft.com/office/powerpoint/2010/main" val="939981713"/>
-      </p:ext>
-    </p:extLst>
-  </p:cSld>
-  <p:clrMapOvr>
-    <a:masterClrMapping/>
-  </p:clrMapOvr>
-</p:sldLayout>
-</file>
-
-<file path=ppt/slideLayouts/slideLayout137.xml><?xml version="1.0" encoding="utf-8"?>
-<p:sldLayout xmlns:a="http://schemas.openxmlformats.org/drawingml/2006/main" xmlns:r="http://schemas.openxmlformats.org/officeDocument/2006/relationships" xmlns:p="http://schemas.openxmlformats.org/presentationml/2006/main" preserve="1">
-  <p:cSld name="case study 2: title, text (2/4), quote (2/4)">
-    <p:spTree>
-      <p:nvGrpSpPr>
-        <p:cNvPr id="1" name=""/>
-        <p:cNvGrpSpPr/>
-        <p:nvPr/>
-      </p:nvGrpSpPr>
-      <p:grpSpPr>
-        <a:xfrm>
-          <a:off x="0" y="0"/>
-          <a:ext cx="0" cy="0"/>
-          <a:chOff x="0" y="0"/>
-          <a:chExt cx="0" cy="0"/>
-        </a:xfrm>
-      </p:grpSpPr>
-      <p:sp>
-        <p:nvSpPr>
-          <p:cNvPr id="2" name="Title 1"/>
-          <p:cNvSpPr>
-            <a:spLocks noGrp="1"/>
-          </p:cNvSpPr>
-          <p:nvPr>
-            <p:ph type="title"/>
-          </p:nvPr>
-        </p:nvSpPr>
-        <p:spPr>
-          <a:xfrm>
-            <a:off x="228600" y="201168"/>
-            <a:ext cx="8686800" cy="855731"/>
-          </a:xfrm>
-        </p:spPr>
-        <p:txBody>
-          <a:bodyPr/>
-          <a:lstStyle/>
-          <a:p>
-            <a:r>
-              <a:rPr lang="en-US"/>
-              <a:t>Click to edit Master title style</a:t>
-            </a:r>
-            <a:endParaRPr lang="en-US" dirty="0"/>
-          </a:p>
-        </p:txBody>
-      </p:sp>
-      <p:sp>
-        <p:nvSpPr>
-          <p:cNvPr id="3" name="Slide Number Placeholder 2"/>
-          <p:cNvSpPr>
-            <a:spLocks noGrp="1"/>
-          </p:cNvSpPr>
-          <p:nvPr>
-            <p:ph type="sldNum" sz="quarter" idx="10"/>
-          </p:nvPr>
-        </p:nvSpPr>
-        <p:spPr/>
-        <p:txBody>
-          <a:bodyPr/>
-          <a:lstStyle/>
-          <a:p>
-            <a:fld id="{D0BE6F14-FF48-0F4F-A8AA-2E3F25371E4A}" type="slidenum">
-              <a:rPr lang="en-US" smtClean="0"/>
-              <a:pPr/>
-              <a:t>‹#›</a:t>
-            </a:fld>
-            <a:endParaRPr lang="en-US"/>
-          </a:p>
-        </p:txBody>
-      </p:sp>
-      <p:sp>
-        <p:nvSpPr>
-          <p:cNvPr id="4" name="Footer Placeholder 3"/>
-          <p:cNvSpPr>
-            <a:spLocks noGrp="1"/>
-          </p:cNvSpPr>
-          <p:nvPr>
-            <p:ph type="ftr" sz="quarter" idx="11"/>
-          </p:nvPr>
-        </p:nvSpPr>
-        <p:spPr>
-          <a:xfrm>
-            <a:off x="228600" y="4826480"/>
-            <a:ext cx="6400800" cy="137160"/>
-          </a:xfrm>
-          <a:prstGeom prst="rect">
-            <a:avLst/>
-          </a:prstGeom>
-        </p:spPr>
-        <p:txBody>
-          <a:bodyPr/>
-          <a:lstStyle>
-            <a:lvl1pPr>
-              <a:defRPr/>
-            </a:lvl1pPr>
-          </a:lstStyle>
-          <a:p>
-            <a:r>
-              <a:rPr lang="de-DE" dirty="0"/>
-              <a:t>IBM Cloud / © 2018 IBM Corporation  </a:t>
-            </a:r>
-            <a:r>
-              <a:rPr lang="en-US" dirty="0"/>
-              <a:t>IBM and Business Partner use only</a:t>
-            </a:r>
-          </a:p>
-        </p:txBody>
-      </p:sp>
-      <p:sp>
-        <p:nvSpPr>
-          <p:cNvPr id="7" name="Text Placeholder 6"/>
-          <p:cNvSpPr>
-            <a:spLocks noGrp="1"/>
-          </p:cNvSpPr>
-          <p:nvPr>
-            <p:ph type="body" sz="quarter" idx="12"/>
-          </p:nvPr>
-        </p:nvSpPr>
-        <p:spPr>
-          <a:xfrm>
-            <a:off x="228600" y="1123954"/>
-            <a:ext cx="1828800" cy="3475477"/>
-          </a:xfrm>
-        </p:spPr>
-        <p:txBody>
-          <a:bodyPr/>
-          <a:lstStyle>
-            <a:lvl1pPr>
-              <a:defRPr sz="1600"/>
-            </a:lvl1pPr>
-            <a:lvl2pPr>
-              <a:defRPr sz="1100"/>
-            </a:lvl2pPr>
-            <a:lvl3pPr>
-              <a:defRPr sz="1100"/>
-            </a:lvl3pPr>
-            <a:lvl4pPr>
-              <a:defRPr sz="1100"/>
-            </a:lvl4pPr>
-            <a:lvl5pPr>
-              <a:defRPr sz="1100"/>
-            </a:lvl5pPr>
-          </a:lstStyle>
-          <a:p>
-            <a:pPr lvl="0"/>
-            <a:r>
-              <a:rPr lang="en-US" dirty="0"/>
-              <a:t>Click to edit Master text styles</a:t>
-            </a:r>
-          </a:p>
-          <a:p>
-            <a:pPr lvl="1"/>
-            <a:r>
-              <a:rPr lang="en-US" dirty="0"/>
-              <a:t>Second level</a:t>
-            </a:r>
-          </a:p>
-          <a:p>
-            <a:pPr lvl="2"/>
-            <a:r>
-              <a:rPr lang="en-US" dirty="0"/>
-              <a:t>Third level</a:t>
-            </a:r>
-          </a:p>
-          <a:p>
-            <a:pPr lvl="3"/>
-            <a:r>
-              <a:rPr lang="en-US" dirty="0"/>
-              <a:t>Fourth level</a:t>
-            </a:r>
-          </a:p>
-          <a:p>
-            <a:pPr lvl="4"/>
-            <a:r>
-              <a:rPr lang="en-US" dirty="0"/>
-              <a:t>Fifth level</a:t>
-            </a:r>
-          </a:p>
-        </p:txBody>
-      </p:sp>
-      <p:sp>
-        <p:nvSpPr>
-          <p:cNvPr id="6" name="Text Placeholder 5"/>
-          <p:cNvSpPr>
-            <a:spLocks noGrp="1"/>
-          </p:cNvSpPr>
-          <p:nvPr>
-            <p:ph type="body" sz="quarter" idx="13"/>
-          </p:nvPr>
-        </p:nvSpPr>
-        <p:spPr>
-          <a:xfrm>
-            <a:off x="2514600" y="1123954"/>
-            <a:ext cx="1828800" cy="3457190"/>
-          </a:xfrm>
-        </p:spPr>
-        <p:txBody>
-          <a:bodyPr/>
-          <a:lstStyle>
-            <a:lvl1pPr>
-              <a:defRPr sz="1400"/>
-            </a:lvl1pPr>
-            <a:lvl2pPr marL="0" indent="0">
-              <a:buNone/>
-              <a:defRPr sz="1000"/>
-            </a:lvl2pPr>
-            <a:lvl3pPr>
-              <a:defRPr sz="1000"/>
-            </a:lvl3pPr>
-            <a:lvl4pPr>
-              <a:defRPr sz="1000"/>
-            </a:lvl4pPr>
-            <a:lvl5pPr>
-              <a:defRPr sz="1000"/>
-            </a:lvl5pPr>
-          </a:lstStyle>
-          <a:p>
-            <a:pPr lvl="0"/>
-            <a:r>
-              <a:rPr lang="en-US" dirty="0"/>
-              <a:t>Click to edit Master text styles</a:t>
-            </a:r>
-          </a:p>
-          <a:p>
-            <a:pPr lvl="1"/>
-            <a:r>
-              <a:rPr lang="en-US" dirty="0"/>
-              <a:t>Second level</a:t>
-            </a:r>
-          </a:p>
-          <a:p>
-            <a:pPr lvl="2"/>
-            <a:r>
-              <a:rPr lang="en-US" dirty="0"/>
-              <a:t>Third level</a:t>
-            </a:r>
-          </a:p>
-          <a:p>
-            <a:pPr lvl="3"/>
-            <a:r>
-              <a:rPr lang="en-US" dirty="0"/>
-              <a:t>Fourth level</a:t>
-            </a:r>
-          </a:p>
-          <a:p>
-            <a:pPr lvl="4"/>
-            <a:r>
-              <a:rPr lang="en-US" dirty="0"/>
-              <a:t>Fifth level</a:t>
-            </a:r>
-          </a:p>
-        </p:txBody>
-      </p:sp>
-      <p:sp>
-        <p:nvSpPr>
-          <p:cNvPr id="9" name="Text Placeholder 8"/>
-          <p:cNvSpPr>
-            <a:spLocks noGrp="1"/>
-          </p:cNvSpPr>
-          <p:nvPr>
-            <p:ph type="body" sz="quarter" idx="14"/>
-          </p:nvPr>
-        </p:nvSpPr>
-        <p:spPr>
-          <a:xfrm>
-            <a:off x="4700392" y="1123953"/>
-            <a:ext cx="4215008" cy="3423439"/>
-          </a:xfrm>
-        </p:spPr>
-        <p:txBody>
-          <a:bodyPr/>
-          <a:lstStyle>
-            <a:lvl1pPr marL="117475" indent="-117475">
-              <a:tabLst/>
-              <a:defRPr sz="2400"/>
-            </a:lvl1pPr>
-            <a:lvl2pPr marL="0" indent="0">
-              <a:buNone/>
-              <a:defRPr sz="1100"/>
-            </a:lvl2pPr>
-            <a:lvl3pPr>
-              <a:defRPr sz="1100"/>
-            </a:lvl3pPr>
-            <a:lvl4pPr>
-              <a:defRPr sz="1100"/>
-            </a:lvl4pPr>
-            <a:lvl5pPr>
-              <a:defRPr sz="1100"/>
-            </a:lvl5pPr>
-          </a:lstStyle>
-          <a:p>
-            <a:pPr lvl="0"/>
-            <a:r>
-              <a:rPr lang="en-US"/>
-              <a:t>Click to edit Master text styles</a:t>
-            </a:r>
-          </a:p>
-          <a:p>
-            <a:pPr lvl="1"/>
-            <a:r>
-              <a:rPr lang="en-US" dirty="0"/>
-              <a:t>Second level</a:t>
-            </a:r>
-          </a:p>
-          <a:p>
-            <a:pPr lvl="2"/>
-            <a:r>
-              <a:rPr lang="en-US" dirty="0"/>
-              <a:t>Third level</a:t>
-            </a:r>
-          </a:p>
-          <a:p>
-            <a:pPr lvl="3"/>
-            <a:r>
-              <a:rPr lang="en-US" dirty="0"/>
-              <a:t>Fourth level</a:t>
-            </a:r>
-          </a:p>
-          <a:p>
-            <a:pPr lvl="4"/>
-            <a:r>
-              <a:rPr lang="en-US" dirty="0"/>
-              <a:t>Fifth level</a:t>
-            </a:r>
-          </a:p>
-        </p:txBody>
-      </p:sp>
-    </p:spTree>
-    <p:extLst>
-      <p:ext uri="{BB962C8B-B14F-4D97-AF65-F5344CB8AC3E}">
-        <p14:creationId xmlns:p14="http://schemas.microsoft.com/office/powerpoint/2010/main" val="1382943059"/>
-      </p:ext>
-    </p:extLst>
-  </p:cSld>
-  <p:clrMapOvr>
-    <a:masterClrMapping/>
-  </p:clrMapOvr>
-</p:sldLayout>
-</file>
-
-<file path=ppt/slideLayouts/slideLayout138.xml><?xml version="1.0" encoding="utf-8"?>
-<p:sldLayout xmlns:a="http://schemas.openxmlformats.org/drawingml/2006/main" xmlns:r="http://schemas.openxmlformats.org/officeDocument/2006/relationships" xmlns:p="http://schemas.openxmlformats.org/presentationml/2006/main" preserve="1">
-  <p:cSld name="table">
-    <p:spTree>
-      <p:nvGrpSpPr>
-        <p:cNvPr id="1" name=""/>
-        <p:cNvGrpSpPr/>
-        <p:nvPr/>
-      </p:nvGrpSpPr>
-      <p:grpSpPr>
-        <a:xfrm>
-          <a:off x="0" y="0"/>
-          <a:ext cx="0" cy="0"/>
-          <a:chOff x="0" y="0"/>
-          <a:chExt cx="0" cy="0"/>
-        </a:xfrm>
-      </p:grpSpPr>
-      <p:sp>
-        <p:nvSpPr>
-          <p:cNvPr id="3" name="Slide Number Placeholder 2"/>
-          <p:cNvSpPr>
-            <a:spLocks noGrp="1"/>
-          </p:cNvSpPr>
-          <p:nvPr>
-            <p:ph type="sldNum" sz="quarter" idx="10"/>
-          </p:nvPr>
-        </p:nvSpPr>
-        <p:spPr/>
-        <p:txBody>
-          <a:bodyPr/>
-          <a:lstStyle/>
-          <a:p>
-            <a:fld id="{D0BE6F14-FF48-0F4F-A8AA-2E3F25371E4A}" type="slidenum">
-              <a:rPr lang="en-US" smtClean="0"/>
-              <a:pPr/>
-              <a:t>‹#›</a:t>
-            </a:fld>
-            <a:endParaRPr lang="en-US"/>
-          </a:p>
-        </p:txBody>
-      </p:sp>
-      <p:sp>
-        <p:nvSpPr>
-          <p:cNvPr id="4" name="Footer Placeholder 3"/>
-          <p:cNvSpPr>
-            <a:spLocks noGrp="1"/>
-          </p:cNvSpPr>
-          <p:nvPr>
-            <p:ph type="ftr" sz="quarter" idx="11"/>
-          </p:nvPr>
-        </p:nvSpPr>
-        <p:spPr>
-          <a:xfrm>
-            <a:off x="228600" y="4826480"/>
-            <a:ext cx="6400800" cy="137160"/>
-          </a:xfrm>
-          <a:prstGeom prst="rect">
-            <a:avLst/>
-          </a:prstGeom>
-        </p:spPr>
-        <p:txBody>
-          <a:bodyPr/>
-          <a:lstStyle>
-            <a:lvl1pPr>
-              <a:defRPr/>
-            </a:lvl1pPr>
-          </a:lstStyle>
-          <a:p>
-            <a:r>
-              <a:rPr lang="de-DE" dirty="0"/>
-              <a:t>IBM Cloud / © 2018 IBM Corporation  </a:t>
-            </a:r>
-            <a:r>
-              <a:rPr lang="en-US" dirty="0"/>
-              <a:t>IBM and Business Partner use only</a:t>
-            </a:r>
-          </a:p>
-        </p:txBody>
-      </p:sp>
-      <p:sp>
-        <p:nvSpPr>
-          <p:cNvPr id="6" name="Text Placeholder 5"/>
-          <p:cNvSpPr>
-            <a:spLocks noGrp="1"/>
-          </p:cNvSpPr>
-          <p:nvPr>
-            <p:ph type="body" sz="quarter" idx="12"/>
-          </p:nvPr>
-        </p:nvSpPr>
-        <p:spPr>
-          <a:xfrm>
-            <a:off x="228600" y="192024"/>
-            <a:ext cx="1828800" cy="4408995"/>
-          </a:xfrm>
-        </p:spPr>
-        <p:txBody>
-          <a:bodyPr/>
-          <a:lstStyle>
-            <a:lvl1pPr>
-              <a:defRPr sz="1600"/>
-            </a:lvl1pPr>
-            <a:lvl2pPr marL="0" indent="0">
-              <a:spcBef>
-                <a:spcPts val="1100"/>
-              </a:spcBef>
-              <a:buFontTx/>
-              <a:buNone/>
-              <a:defRPr sz="1100"/>
-            </a:lvl2pPr>
-            <a:lvl3pPr>
-              <a:defRPr sz="1100"/>
-            </a:lvl3pPr>
-            <a:lvl4pPr>
-              <a:defRPr sz="1100"/>
-            </a:lvl4pPr>
-            <a:lvl5pPr>
-              <a:defRPr sz="1100"/>
-            </a:lvl5pPr>
-          </a:lstStyle>
-          <a:p>
-            <a:pPr lvl="0"/>
-            <a:r>
-              <a:rPr lang="en-US"/>
-              <a:t>Click to edit Master text styles</a:t>
-            </a:r>
-          </a:p>
-          <a:p>
-            <a:pPr lvl="1"/>
-            <a:r>
-              <a:rPr lang="en-US"/>
-              <a:t>Second level</a:t>
-            </a:r>
-          </a:p>
-          <a:p>
-            <a:pPr lvl="2"/>
-            <a:r>
-              <a:rPr lang="en-US"/>
-              <a:t>Third level</a:t>
-            </a:r>
-          </a:p>
-          <a:p>
-            <a:pPr lvl="3"/>
-            <a:r>
-              <a:rPr lang="en-US"/>
-              <a:t>Fourth level</a:t>
-            </a:r>
-          </a:p>
-          <a:p>
-            <a:pPr lvl="4"/>
-            <a:r>
-              <a:rPr lang="en-US"/>
-              <a:t>Fifth level</a:t>
-            </a:r>
-            <a:endParaRPr lang="en-US" dirty="0"/>
-          </a:p>
-        </p:txBody>
-      </p:sp>
-      <p:sp>
-        <p:nvSpPr>
-          <p:cNvPr id="7" name="Table Placeholder 6"/>
-          <p:cNvSpPr>
-            <a:spLocks noGrp="1"/>
-          </p:cNvSpPr>
-          <p:nvPr>
-            <p:ph type="tbl" sz="quarter" idx="13"/>
-          </p:nvPr>
-        </p:nvSpPr>
-        <p:spPr>
-          <a:xfrm>
-            <a:off x="2514600" y="225425"/>
-            <a:ext cx="6400800" cy="4597400"/>
-          </a:xfrm>
-        </p:spPr>
-        <p:txBody>
-          <a:bodyPr/>
-          <a:lstStyle/>
-          <a:p>
-            <a:r>
-              <a:rPr lang="en-US"/>
-              <a:t>Click icon to add table</a:t>
-            </a:r>
-          </a:p>
-        </p:txBody>
-      </p:sp>
-    </p:spTree>
-    <p:extLst>
-      <p:ext uri="{BB962C8B-B14F-4D97-AF65-F5344CB8AC3E}">
-        <p14:creationId xmlns:p14="http://schemas.microsoft.com/office/powerpoint/2010/main" val="908481132"/>
-      </p:ext>
-    </p:extLst>
-  </p:cSld>
-  <p:clrMapOvr>
-    <a:masterClrMapping/>
-  </p:clrMapOvr>
-</p:sldLayout>
-</file>
-
-<file path=ppt/slideLayouts/slideLayout139.xml><?xml version="1.0" encoding="utf-8"?>
-<p:sldLayout xmlns:a="http://schemas.openxmlformats.org/drawingml/2006/main" xmlns:r="http://schemas.openxmlformats.org/officeDocument/2006/relationships" xmlns:p="http://schemas.openxmlformats.org/presentationml/2006/main" preserve="1">
-  <p:cSld name="blank (with footer)">
-    <p:spTree>
-      <p:nvGrpSpPr>
-        <p:cNvPr id="1" name=""/>
-        <p:cNvGrpSpPr/>
-        <p:nvPr/>
-      </p:nvGrpSpPr>
-      <p:grpSpPr>
-        <a:xfrm>
-          <a:off x="0" y="0"/>
-          <a:ext cx="0" cy="0"/>
-          <a:chOff x="0" y="0"/>
-          <a:chExt cx="0" cy="0"/>
-        </a:xfrm>
-      </p:grpSpPr>
-      <p:sp>
-        <p:nvSpPr>
-          <p:cNvPr id="3" name="Slide Number Placeholder 2"/>
-          <p:cNvSpPr>
-            <a:spLocks noGrp="1"/>
-          </p:cNvSpPr>
-          <p:nvPr>
-            <p:ph type="sldNum" sz="quarter" idx="10"/>
-          </p:nvPr>
-        </p:nvSpPr>
-        <p:spPr/>
-        <p:txBody>
-          <a:bodyPr/>
-          <a:lstStyle/>
-          <a:p>
-            <a:fld id="{D0BE6F14-FF48-0F4F-A8AA-2E3F25371E4A}" type="slidenum">
-              <a:rPr lang="en-US" smtClean="0"/>
-              <a:pPr/>
-              <a:t>‹#›</a:t>
-            </a:fld>
-            <a:endParaRPr lang="en-US"/>
-          </a:p>
-        </p:txBody>
-      </p:sp>
-      <p:sp>
-        <p:nvSpPr>
-          <p:cNvPr id="4" name="Footer Placeholder 3"/>
-          <p:cNvSpPr>
-            <a:spLocks noGrp="1"/>
-          </p:cNvSpPr>
-          <p:nvPr>
-            <p:ph type="ftr" sz="quarter" idx="11"/>
-          </p:nvPr>
-        </p:nvSpPr>
-        <p:spPr>
-          <a:xfrm>
-            <a:off x="228600" y="4826480"/>
-            <a:ext cx="6400800" cy="137160"/>
-          </a:xfrm>
-          <a:prstGeom prst="rect">
-            <a:avLst/>
-          </a:prstGeom>
-        </p:spPr>
-        <p:txBody>
-          <a:bodyPr/>
-          <a:lstStyle>
-            <a:lvl1pPr>
-              <a:defRPr/>
-            </a:lvl1pPr>
-          </a:lstStyle>
-          <a:p>
-            <a:r>
-              <a:rPr lang="de-DE" dirty="0"/>
-              <a:t>IBM Cloud / © 2018 IBM Corporation  </a:t>
-            </a:r>
-            <a:r>
-              <a:rPr lang="en-US" dirty="0"/>
-              <a:t>IBM and Business Partner use only</a:t>
-            </a:r>
-          </a:p>
-        </p:txBody>
-      </p:sp>
-    </p:spTree>
-    <p:extLst>
-      <p:ext uri="{BB962C8B-B14F-4D97-AF65-F5344CB8AC3E}">
-        <p14:creationId xmlns:p14="http://schemas.microsoft.com/office/powerpoint/2010/main" val="233655354"/>
       </p:ext>
     </p:extLst>
   </p:cSld>
@@ -10819,6 +10704,634 @@
 
 <file path=ppt/slideLayouts/slideLayout140.xml><?xml version="1.0" encoding="utf-8"?>
 <p:sldLayout xmlns:a="http://schemas.openxmlformats.org/drawingml/2006/main" xmlns:r="http://schemas.openxmlformats.org/officeDocument/2006/relationships" xmlns:p="http://schemas.openxmlformats.org/presentationml/2006/main" preserve="1">
+  <p:cSld name="case study 2: title, text (2/4), quote (2/4)">
+    <p:spTree>
+      <p:nvGrpSpPr>
+        <p:cNvPr id="1" name=""/>
+        <p:cNvGrpSpPr/>
+        <p:nvPr/>
+      </p:nvGrpSpPr>
+      <p:grpSpPr>
+        <a:xfrm>
+          <a:off x="0" y="0"/>
+          <a:ext cx="0" cy="0"/>
+          <a:chOff x="0" y="0"/>
+          <a:chExt cx="0" cy="0"/>
+        </a:xfrm>
+      </p:grpSpPr>
+      <p:sp>
+        <p:nvSpPr>
+          <p:cNvPr id="2" name="Title 1"/>
+          <p:cNvSpPr>
+            <a:spLocks noGrp="1"/>
+          </p:cNvSpPr>
+          <p:nvPr>
+            <p:ph type="title"/>
+          </p:nvPr>
+        </p:nvSpPr>
+        <p:spPr>
+          <a:xfrm>
+            <a:off x="228600" y="201168"/>
+            <a:ext cx="8686800" cy="855731"/>
+          </a:xfrm>
+        </p:spPr>
+        <p:txBody>
+          <a:bodyPr/>
+          <a:lstStyle/>
+          <a:p>
+            <a:r>
+              <a:rPr lang="en-US"/>
+              <a:t>Click to edit Master title style</a:t>
+            </a:r>
+            <a:endParaRPr lang="en-US" dirty="0"/>
+          </a:p>
+        </p:txBody>
+      </p:sp>
+      <p:sp>
+        <p:nvSpPr>
+          <p:cNvPr id="3" name="Slide Number Placeholder 2"/>
+          <p:cNvSpPr>
+            <a:spLocks noGrp="1"/>
+          </p:cNvSpPr>
+          <p:nvPr>
+            <p:ph type="sldNum" sz="quarter" idx="10"/>
+          </p:nvPr>
+        </p:nvSpPr>
+        <p:spPr/>
+        <p:txBody>
+          <a:bodyPr/>
+          <a:lstStyle/>
+          <a:p>
+            <a:fld id="{D0BE6F14-FF48-0F4F-A8AA-2E3F25371E4A}" type="slidenum">
+              <a:rPr lang="en-US" smtClean="0"/>
+              <a:pPr/>
+              <a:t>‹#›</a:t>
+            </a:fld>
+            <a:endParaRPr lang="en-US"/>
+          </a:p>
+        </p:txBody>
+      </p:sp>
+      <p:sp>
+        <p:nvSpPr>
+          <p:cNvPr id="4" name="Footer Placeholder 3"/>
+          <p:cNvSpPr>
+            <a:spLocks noGrp="1"/>
+          </p:cNvSpPr>
+          <p:nvPr>
+            <p:ph type="ftr" sz="quarter" idx="11"/>
+          </p:nvPr>
+        </p:nvSpPr>
+        <p:spPr>
+          <a:xfrm>
+            <a:off x="228600" y="4826480"/>
+            <a:ext cx="6400800" cy="137160"/>
+          </a:xfrm>
+          <a:prstGeom prst="rect">
+            <a:avLst/>
+          </a:prstGeom>
+        </p:spPr>
+        <p:txBody>
+          <a:bodyPr/>
+          <a:lstStyle>
+            <a:lvl1pPr>
+              <a:defRPr/>
+            </a:lvl1pPr>
+          </a:lstStyle>
+          <a:p>
+            <a:r>
+              <a:rPr lang="de-DE" dirty="0"/>
+              <a:t>IBM Cloud / © 2018 IBM Corporation  </a:t>
+            </a:r>
+            <a:r>
+              <a:rPr lang="en-US" dirty="0"/>
+              <a:t>IBM and Business Partner use only</a:t>
+            </a:r>
+          </a:p>
+        </p:txBody>
+      </p:sp>
+      <p:sp>
+        <p:nvSpPr>
+          <p:cNvPr id="7" name="Text Placeholder 6"/>
+          <p:cNvSpPr>
+            <a:spLocks noGrp="1"/>
+          </p:cNvSpPr>
+          <p:nvPr>
+            <p:ph type="body" sz="quarter" idx="12"/>
+          </p:nvPr>
+        </p:nvSpPr>
+        <p:spPr>
+          <a:xfrm>
+            <a:off x="228600" y="1123954"/>
+            <a:ext cx="1828800" cy="3475477"/>
+          </a:xfrm>
+        </p:spPr>
+        <p:txBody>
+          <a:bodyPr/>
+          <a:lstStyle>
+            <a:lvl1pPr>
+              <a:defRPr sz="1600"/>
+            </a:lvl1pPr>
+            <a:lvl2pPr>
+              <a:defRPr sz="1100"/>
+            </a:lvl2pPr>
+            <a:lvl3pPr>
+              <a:defRPr sz="1100"/>
+            </a:lvl3pPr>
+            <a:lvl4pPr>
+              <a:defRPr sz="1100"/>
+            </a:lvl4pPr>
+            <a:lvl5pPr>
+              <a:defRPr sz="1100"/>
+            </a:lvl5pPr>
+          </a:lstStyle>
+          <a:p>
+            <a:pPr lvl="0"/>
+            <a:r>
+              <a:rPr lang="en-US" dirty="0"/>
+              <a:t>Click to edit Master text styles</a:t>
+            </a:r>
+          </a:p>
+          <a:p>
+            <a:pPr lvl="1"/>
+            <a:r>
+              <a:rPr lang="en-US" dirty="0"/>
+              <a:t>Second level</a:t>
+            </a:r>
+          </a:p>
+          <a:p>
+            <a:pPr lvl="2"/>
+            <a:r>
+              <a:rPr lang="en-US" dirty="0"/>
+              <a:t>Third level</a:t>
+            </a:r>
+          </a:p>
+          <a:p>
+            <a:pPr lvl="3"/>
+            <a:r>
+              <a:rPr lang="en-US" dirty="0"/>
+              <a:t>Fourth level</a:t>
+            </a:r>
+          </a:p>
+          <a:p>
+            <a:pPr lvl="4"/>
+            <a:r>
+              <a:rPr lang="en-US" dirty="0"/>
+              <a:t>Fifth level</a:t>
+            </a:r>
+          </a:p>
+        </p:txBody>
+      </p:sp>
+      <p:sp>
+        <p:nvSpPr>
+          <p:cNvPr id="6" name="Text Placeholder 5"/>
+          <p:cNvSpPr>
+            <a:spLocks noGrp="1"/>
+          </p:cNvSpPr>
+          <p:nvPr>
+            <p:ph type="body" sz="quarter" idx="13"/>
+          </p:nvPr>
+        </p:nvSpPr>
+        <p:spPr>
+          <a:xfrm>
+            <a:off x="2514600" y="1123954"/>
+            <a:ext cx="1828800" cy="3457190"/>
+          </a:xfrm>
+        </p:spPr>
+        <p:txBody>
+          <a:bodyPr/>
+          <a:lstStyle>
+            <a:lvl1pPr>
+              <a:defRPr sz="1400"/>
+            </a:lvl1pPr>
+            <a:lvl2pPr marL="0" indent="0">
+              <a:buNone/>
+              <a:defRPr sz="1000"/>
+            </a:lvl2pPr>
+            <a:lvl3pPr>
+              <a:defRPr sz="1000"/>
+            </a:lvl3pPr>
+            <a:lvl4pPr>
+              <a:defRPr sz="1000"/>
+            </a:lvl4pPr>
+            <a:lvl5pPr>
+              <a:defRPr sz="1000"/>
+            </a:lvl5pPr>
+          </a:lstStyle>
+          <a:p>
+            <a:pPr lvl="0"/>
+            <a:r>
+              <a:rPr lang="en-US" dirty="0"/>
+              <a:t>Click to edit Master text styles</a:t>
+            </a:r>
+          </a:p>
+          <a:p>
+            <a:pPr lvl="1"/>
+            <a:r>
+              <a:rPr lang="en-US" dirty="0"/>
+              <a:t>Second level</a:t>
+            </a:r>
+          </a:p>
+          <a:p>
+            <a:pPr lvl="2"/>
+            <a:r>
+              <a:rPr lang="en-US" dirty="0"/>
+              <a:t>Third level</a:t>
+            </a:r>
+          </a:p>
+          <a:p>
+            <a:pPr lvl="3"/>
+            <a:r>
+              <a:rPr lang="en-US" dirty="0"/>
+              <a:t>Fourth level</a:t>
+            </a:r>
+          </a:p>
+          <a:p>
+            <a:pPr lvl="4"/>
+            <a:r>
+              <a:rPr lang="en-US" dirty="0"/>
+              <a:t>Fifth level</a:t>
+            </a:r>
+          </a:p>
+        </p:txBody>
+      </p:sp>
+      <p:sp>
+        <p:nvSpPr>
+          <p:cNvPr id="9" name="Text Placeholder 8"/>
+          <p:cNvSpPr>
+            <a:spLocks noGrp="1"/>
+          </p:cNvSpPr>
+          <p:nvPr>
+            <p:ph type="body" sz="quarter" idx="14"/>
+          </p:nvPr>
+        </p:nvSpPr>
+        <p:spPr>
+          <a:xfrm>
+            <a:off x="4700392" y="1123953"/>
+            <a:ext cx="4215008" cy="3423439"/>
+          </a:xfrm>
+        </p:spPr>
+        <p:txBody>
+          <a:bodyPr/>
+          <a:lstStyle>
+            <a:lvl1pPr marL="117475" indent="-117475">
+              <a:tabLst/>
+              <a:defRPr sz="2400"/>
+            </a:lvl1pPr>
+            <a:lvl2pPr marL="0" indent="0">
+              <a:buNone/>
+              <a:defRPr sz="1100"/>
+            </a:lvl2pPr>
+            <a:lvl3pPr>
+              <a:defRPr sz="1100"/>
+            </a:lvl3pPr>
+            <a:lvl4pPr>
+              <a:defRPr sz="1100"/>
+            </a:lvl4pPr>
+            <a:lvl5pPr>
+              <a:defRPr sz="1100"/>
+            </a:lvl5pPr>
+          </a:lstStyle>
+          <a:p>
+            <a:pPr lvl="0"/>
+            <a:r>
+              <a:rPr lang="en-US"/>
+              <a:t>Click to edit Master text styles</a:t>
+            </a:r>
+          </a:p>
+          <a:p>
+            <a:pPr lvl="1"/>
+            <a:r>
+              <a:rPr lang="en-US" dirty="0"/>
+              <a:t>Second level</a:t>
+            </a:r>
+          </a:p>
+          <a:p>
+            <a:pPr lvl="2"/>
+            <a:r>
+              <a:rPr lang="en-US" dirty="0"/>
+              <a:t>Third level</a:t>
+            </a:r>
+          </a:p>
+          <a:p>
+            <a:pPr lvl="3"/>
+            <a:r>
+              <a:rPr lang="en-US" dirty="0"/>
+              <a:t>Fourth level</a:t>
+            </a:r>
+          </a:p>
+          <a:p>
+            <a:pPr lvl="4"/>
+            <a:r>
+              <a:rPr lang="en-US" dirty="0"/>
+              <a:t>Fifth level</a:t>
+            </a:r>
+          </a:p>
+        </p:txBody>
+      </p:sp>
+    </p:spTree>
+    <p:extLst>
+      <p:ext uri="{BB962C8B-B14F-4D97-AF65-F5344CB8AC3E}">
+        <p14:creationId xmlns:p14="http://schemas.microsoft.com/office/powerpoint/2010/main" val="1382943059"/>
+      </p:ext>
+    </p:extLst>
+  </p:cSld>
+  <p:clrMapOvr>
+    <a:masterClrMapping/>
+  </p:clrMapOvr>
+</p:sldLayout>
+</file>
+
+<file path=ppt/slideLayouts/slideLayout141.xml><?xml version="1.0" encoding="utf-8"?>
+<p:sldLayout xmlns:a="http://schemas.openxmlformats.org/drawingml/2006/main" xmlns:r="http://schemas.openxmlformats.org/officeDocument/2006/relationships" xmlns:p="http://schemas.openxmlformats.org/presentationml/2006/main" preserve="1">
+  <p:cSld name="table">
+    <p:spTree>
+      <p:nvGrpSpPr>
+        <p:cNvPr id="1" name=""/>
+        <p:cNvGrpSpPr/>
+        <p:nvPr/>
+      </p:nvGrpSpPr>
+      <p:grpSpPr>
+        <a:xfrm>
+          <a:off x="0" y="0"/>
+          <a:ext cx="0" cy="0"/>
+          <a:chOff x="0" y="0"/>
+          <a:chExt cx="0" cy="0"/>
+        </a:xfrm>
+      </p:grpSpPr>
+      <p:sp>
+        <p:nvSpPr>
+          <p:cNvPr id="3" name="Slide Number Placeholder 2"/>
+          <p:cNvSpPr>
+            <a:spLocks noGrp="1"/>
+          </p:cNvSpPr>
+          <p:nvPr>
+            <p:ph type="sldNum" sz="quarter" idx="10"/>
+          </p:nvPr>
+        </p:nvSpPr>
+        <p:spPr/>
+        <p:txBody>
+          <a:bodyPr/>
+          <a:lstStyle/>
+          <a:p>
+            <a:fld id="{D0BE6F14-FF48-0F4F-A8AA-2E3F25371E4A}" type="slidenum">
+              <a:rPr lang="en-US" smtClean="0"/>
+              <a:pPr/>
+              <a:t>‹#›</a:t>
+            </a:fld>
+            <a:endParaRPr lang="en-US"/>
+          </a:p>
+        </p:txBody>
+      </p:sp>
+      <p:sp>
+        <p:nvSpPr>
+          <p:cNvPr id="4" name="Footer Placeholder 3"/>
+          <p:cNvSpPr>
+            <a:spLocks noGrp="1"/>
+          </p:cNvSpPr>
+          <p:nvPr>
+            <p:ph type="ftr" sz="quarter" idx="11"/>
+          </p:nvPr>
+        </p:nvSpPr>
+        <p:spPr>
+          <a:xfrm>
+            <a:off x="228600" y="4826480"/>
+            <a:ext cx="6400800" cy="137160"/>
+          </a:xfrm>
+          <a:prstGeom prst="rect">
+            <a:avLst/>
+          </a:prstGeom>
+        </p:spPr>
+        <p:txBody>
+          <a:bodyPr/>
+          <a:lstStyle>
+            <a:lvl1pPr>
+              <a:defRPr/>
+            </a:lvl1pPr>
+          </a:lstStyle>
+          <a:p>
+            <a:r>
+              <a:rPr lang="de-DE" dirty="0"/>
+              <a:t>IBM Cloud / © 2018 IBM Corporation  </a:t>
+            </a:r>
+            <a:r>
+              <a:rPr lang="en-US" dirty="0"/>
+              <a:t>IBM and Business Partner use only</a:t>
+            </a:r>
+          </a:p>
+        </p:txBody>
+      </p:sp>
+      <p:sp>
+        <p:nvSpPr>
+          <p:cNvPr id="6" name="Text Placeholder 5"/>
+          <p:cNvSpPr>
+            <a:spLocks noGrp="1"/>
+          </p:cNvSpPr>
+          <p:nvPr>
+            <p:ph type="body" sz="quarter" idx="12"/>
+          </p:nvPr>
+        </p:nvSpPr>
+        <p:spPr>
+          <a:xfrm>
+            <a:off x="228600" y="192024"/>
+            <a:ext cx="1828800" cy="4408995"/>
+          </a:xfrm>
+        </p:spPr>
+        <p:txBody>
+          <a:bodyPr/>
+          <a:lstStyle>
+            <a:lvl1pPr>
+              <a:defRPr sz="1600"/>
+            </a:lvl1pPr>
+            <a:lvl2pPr marL="0" indent="0">
+              <a:spcBef>
+                <a:spcPts val="1100"/>
+              </a:spcBef>
+              <a:buFontTx/>
+              <a:buNone/>
+              <a:defRPr sz="1100"/>
+            </a:lvl2pPr>
+            <a:lvl3pPr>
+              <a:defRPr sz="1100"/>
+            </a:lvl3pPr>
+            <a:lvl4pPr>
+              <a:defRPr sz="1100"/>
+            </a:lvl4pPr>
+            <a:lvl5pPr>
+              <a:defRPr sz="1100"/>
+            </a:lvl5pPr>
+          </a:lstStyle>
+          <a:p>
+            <a:pPr lvl="0"/>
+            <a:r>
+              <a:rPr lang="en-US"/>
+              <a:t>Click to edit Master text styles</a:t>
+            </a:r>
+          </a:p>
+          <a:p>
+            <a:pPr lvl="1"/>
+            <a:r>
+              <a:rPr lang="en-US"/>
+              <a:t>Second level</a:t>
+            </a:r>
+          </a:p>
+          <a:p>
+            <a:pPr lvl="2"/>
+            <a:r>
+              <a:rPr lang="en-US"/>
+              <a:t>Third level</a:t>
+            </a:r>
+          </a:p>
+          <a:p>
+            <a:pPr lvl="3"/>
+            <a:r>
+              <a:rPr lang="en-US"/>
+              <a:t>Fourth level</a:t>
+            </a:r>
+          </a:p>
+          <a:p>
+            <a:pPr lvl="4"/>
+            <a:r>
+              <a:rPr lang="en-US"/>
+              <a:t>Fifth level</a:t>
+            </a:r>
+            <a:endParaRPr lang="en-US" dirty="0"/>
+          </a:p>
+        </p:txBody>
+      </p:sp>
+      <p:sp>
+        <p:nvSpPr>
+          <p:cNvPr id="7" name="Table Placeholder 6"/>
+          <p:cNvSpPr>
+            <a:spLocks noGrp="1"/>
+          </p:cNvSpPr>
+          <p:nvPr>
+            <p:ph type="tbl" sz="quarter" idx="13"/>
+          </p:nvPr>
+        </p:nvSpPr>
+        <p:spPr>
+          <a:xfrm>
+            <a:off x="2514600" y="225425"/>
+            <a:ext cx="6400800" cy="4597400"/>
+          </a:xfrm>
+        </p:spPr>
+        <p:txBody>
+          <a:bodyPr/>
+          <a:lstStyle/>
+          <a:p>
+            <a:r>
+              <a:rPr lang="en-US"/>
+              <a:t>Click icon to add table</a:t>
+            </a:r>
+          </a:p>
+        </p:txBody>
+      </p:sp>
+    </p:spTree>
+    <p:extLst>
+      <p:ext uri="{BB962C8B-B14F-4D97-AF65-F5344CB8AC3E}">
+        <p14:creationId xmlns:p14="http://schemas.microsoft.com/office/powerpoint/2010/main" val="908481132"/>
+      </p:ext>
+    </p:extLst>
+  </p:cSld>
+  <p:clrMapOvr>
+    <a:masterClrMapping/>
+  </p:clrMapOvr>
+</p:sldLayout>
+</file>
+
+<file path=ppt/slideLayouts/slideLayout142.xml><?xml version="1.0" encoding="utf-8"?>
+<p:sldLayout xmlns:a="http://schemas.openxmlformats.org/drawingml/2006/main" xmlns:r="http://schemas.openxmlformats.org/officeDocument/2006/relationships" xmlns:p="http://schemas.openxmlformats.org/presentationml/2006/main" preserve="1">
+  <p:cSld name="blank (with footer)">
+    <p:spTree>
+      <p:nvGrpSpPr>
+        <p:cNvPr id="1" name=""/>
+        <p:cNvGrpSpPr/>
+        <p:nvPr/>
+      </p:nvGrpSpPr>
+      <p:grpSpPr>
+        <a:xfrm>
+          <a:off x="0" y="0"/>
+          <a:ext cx="0" cy="0"/>
+          <a:chOff x="0" y="0"/>
+          <a:chExt cx="0" cy="0"/>
+        </a:xfrm>
+      </p:grpSpPr>
+      <p:sp>
+        <p:nvSpPr>
+          <p:cNvPr id="3" name="Slide Number Placeholder 2"/>
+          <p:cNvSpPr>
+            <a:spLocks noGrp="1"/>
+          </p:cNvSpPr>
+          <p:nvPr>
+            <p:ph type="sldNum" sz="quarter" idx="10"/>
+          </p:nvPr>
+        </p:nvSpPr>
+        <p:spPr/>
+        <p:txBody>
+          <a:bodyPr/>
+          <a:lstStyle/>
+          <a:p>
+            <a:fld id="{D0BE6F14-FF48-0F4F-A8AA-2E3F25371E4A}" type="slidenum">
+              <a:rPr lang="en-US" smtClean="0"/>
+              <a:pPr/>
+              <a:t>‹#›</a:t>
+            </a:fld>
+            <a:endParaRPr lang="en-US"/>
+          </a:p>
+        </p:txBody>
+      </p:sp>
+      <p:sp>
+        <p:nvSpPr>
+          <p:cNvPr id="4" name="Footer Placeholder 3"/>
+          <p:cNvSpPr>
+            <a:spLocks noGrp="1"/>
+          </p:cNvSpPr>
+          <p:nvPr>
+            <p:ph type="ftr" sz="quarter" idx="11"/>
+          </p:nvPr>
+        </p:nvSpPr>
+        <p:spPr>
+          <a:xfrm>
+            <a:off x="228600" y="4826480"/>
+            <a:ext cx="6400800" cy="137160"/>
+          </a:xfrm>
+          <a:prstGeom prst="rect">
+            <a:avLst/>
+          </a:prstGeom>
+        </p:spPr>
+        <p:txBody>
+          <a:bodyPr/>
+          <a:lstStyle>
+            <a:lvl1pPr>
+              <a:defRPr/>
+            </a:lvl1pPr>
+          </a:lstStyle>
+          <a:p>
+            <a:r>
+              <a:rPr lang="de-DE" dirty="0"/>
+              <a:t>IBM Cloud / © 2018 IBM Corporation  </a:t>
+            </a:r>
+            <a:r>
+              <a:rPr lang="en-US" dirty="0"/>
+              <a:t>IBM and Business Partner use only</a:t>
+            </a:r>
+          </a:p>
+        </p:txBody>
+      </p:sp>
+    </p:spTree>
+    <p:extLst>
+      <p:ext uri="{BB962C8B-B14F-4D97-AF65-F5344CB8AC3E}">
+        <p14:creationId xmlns:p14="http://schemas.microsoft.com/office/powerpoint/2010/main" val="233655354"/>
+      </p:ext>
+    </p:extLst>
+  </p:cSld>
+  <p:clrMapOvr>
+    <a:masterClrMapping/>
+  </p:clrMapOvr>
+</p:sldLayout>
+</file>
+
+<file path=ppt/slideLayouts/slideLayout143.xml><?xml version="1.0" encoding="utf-8"?>
+<p:sldLayout xmlns:a="http://schemas.openxmlformats.org/drawingml/2006/main" xmlns:r="http://schemas.openxmlformats.org/officeDocument/2006/relationships" xmlns:p="http://schemas.openxmlformats.org/presentationml/2006/main" preserve="1">
   <p:cSld name="blank (no footer)">
     <p:spTree>
       <p:nvGrpSpPr>
@@ -10839,7 +11352,7 @@
           <p:cNvPr id="2" name="Rectangle 1">
             <a:extLst>
               <a:ext uri="{FF2B5EF4-FFF2-40B4-BE49-F238E27FC236}">
-                <a16:creationId xmlns:a16="http://schemas.microsoft.com/office/drawing/2014/main" xmlns="" id="{0408AE91-D7AE-A745-86FC-C38E5AC46DFA}"/>
+                <a16:creationId xmlns="" xmlns:a16="http://schemas.microsoft.com/office/drawing/2014/main" id="{0408AE91-D7AE-A745-86FC-C38E5AC46DFA}"/>
               </a:ext>
             </a:extLst>
           </p:cNvPr>
@@ -10885,7 +11398,7 @@
 </p:sldLayout>
 </file>
 
-<file path=ppt/slideLayouts/slideLayout141.xml><?xml version="1.0" encoding="utf-8"?>
+<file path=ppt/slideLayouts/slideLayout144.xml><?xml version="1.0" encoding="utf-8"?>
 <p:sldLayout xmlns:a="http://schemas.openxmlformats.org/drawingml/2006/main" xmlns:r="http://schemas.openxmlformats.org/officeDocument/2006/relationships" xmlns:p="http://schemas.openxmlformats.org/presentationml/2006/main" preserve="1" userDrawn="1">
   <p:cSld name="Thank you">
     <p:spTree>
@@ -11085,7 +11598,7 @@
 </p:sldLayout>
 </file>
 
-<file path=ppt/slideLayouts/slideLayout142.xml><?xml version="1.0" encoding="utf-8"?>
+<file path=ppt/slideLayouts/slideLayout145.xml><?xml version="1.0" encoding="utf-8"?>
 <p:sldLayout xmlns:a="http://schemas.openxmlformats.org/drawingml/2006/main" xmlns:r="http://schemas.openxmlformats.org/officeDocument/2006/relationships" xmlns:p="http://schemas.openxmlformats.org/presentationml/2006/main" preserve="1">
   <p:cSld name="ibm sign-off">
     <p:spTree>
@@ -11169,7 +11682,7 @@
 </p:sldLayout>
 </file>
 
-<file path=ppt/slideLayouts/slideLayout143.xml><?xml version="1.0" encoding="utf-8"?>
+<file path=ppt/slideLayouts/slideLayout146.xml><?xml version="1.0" encoding="utf-8"?>
 <p:sldLayout xmlns:a="http://schemas.openxmlformats.org/drawingml/2006/main" xmlns:r="http://schemas.openxmlformats.org/officeDocument/2006/relationships" xmlns:p="http://schemas.openxmlformats.org/presentationml/2006/main" userDrawn="1">
   <p:cSld name="Blank">
     <p:spTree>
@@ -11211,7 +11724,7 @@
 </p:sldLayout>
 </file>
 
-<file path=ppt/slideLayouts/slideLayout144.xml><?xml version="1.0" encoding="utf-8"?>
+<file path=ppt/slideLayouts/slideLayout147.xml><?xml version="1.0" encoding="utf-8"?>
 <p:sldLayout xmlns:a="http://schemas.openxmlformats.org/drawingml/2006/main" xmlns:r="http://schemas.openxmlformats.org/officeDocument/2006/relationships" xmlns:p="http://schemas.openxmlformats.org/presentationml/2006/main" userDrawn="1">
   <p:cSld name="Content">
     <p:spTree>
@@ -31755,7 +32268,7 @@
   </p:txStyles>
   <p:extLst mod="1">
     <p:ext uri="{27BBF7A9-308A-43DC-89C8-2F10F3537804}">
-      <p15:sldGuideLst xmlns:p15="http://schemas.microsoft.com/office/powerpoint/2012/main" xmlns="">
+      <p15:sldGuideLst xmlns="" xmlns:p15="http://schemas.microsoft.com/office/powerpoint/2012/main">
         <p15:guide id="1" pos="1296">
           <p15:clr>
             <a:srgbClr val="F26B43"/>
@@ -32401,7 +32914,7 @@
   </p:txStyles>
   <p:extLst mod="1">
     <p:ext uri="{27BBF7A9-308A-43DC-89C8-2F10F3537804}">
-      <p15:sldGuideLst xmlns:p15="http://schemas.microsoft.com/office/powerpoint/2012/main" xmlns="">
+      <p15:sldGuideLst xmlns="" xmlns:p15="http://schemas.microsoft.com/office/powerpoint/2012/main">
         <p15:guide id="1" pos="1296">
           <p15:clr>
             <a:srgbClr val="F26B43"/>
@@ -32764,6 +33277,9 @@
     <p:sldLayoutId id="2147483824" r:id="rId34"/>
     <p:sldLayoutId id="2147483780" r:id="rId35"/>
     <p:sldLayoutId id="2147483832" r:id="rId36"/>
+    <p:sldLayoutId id="2147483833" r:id="rId37"/>
+    <p:sldLayoutId id="2147483834" r:id="rId38"/>
+    <p:sldLayoutId id="2147483835" r:id="rId39"/>
   </p:sldLayoutIdLst>
   <p:hf sldNum="0" hdr="0" dt="0"/>
   <p:txStyles>
@@ -33048,7 +33564,7 @@
   </p:txStyles>
   <p:extLst mod="1">
     <p:ext uri="{27BBF7A9-308A-43DC-89C8-2F10F3537804}">
-      <p15:sldGuideLst xmlns:p15="http://schemas.microsoft.com/office/powerpoint/2012/main" xmlns="">
+      <p15:sldGuideLst xmlns="" xmlns:p15="http://schemas.microsoft.com/office/powerpoint/2012/main">
         <p15:guide id="1" pos="1296">
           <p15:clr>
             <a:srgbClr val="F26B43"/>
@@ -33652,7 +34168,7 @@
   </p:txStyles>
   <p:extLst mod="1">
     <p:ext uri="{27BBF7A9-308A-43DC-89C8-2F10F3537804}">
-      <p15:sldGuideLst xmlns:p15="http://schemas.microsoft.com/office/powerpoint/2012/main" xmlns="">
+      <p15:sldGuideLst xmlns="" xmlns:p15="http://schemas.microsoft.com/office/powerpoint/2012/main">
         <p15:guide id="1" pos="1296">
           <p15:clr>
             <a:srgbClr val="F26B43"/>
@@ -34216,7 +34732,7 @@
   </p:txStyles>
   <p:extLst mod="1">
     <p:ext uri="{27BBF7A9-308A-43DC-89C8-2F10F3537804}">
-      <p15:sldGuideLst xmlns:p15="http://schemas.microsoft.com/office/powerpoint/2012/main" xmlns="">
+      <p15:sldGuideLst xmlns="" xmlns:p15="http://schemas.microsoft.com/office/powerpoint/2012/main">
         <p15:guide id="1" pos="1296">
           <p15:clr>
             <a:srgbClr val="F26B43"/>
@@ -34547,7 +35063,7 @@
           </a:ln>
           <a:extLst>
             <a:ext uri="{C572A759-6A51-4108-AA02-DFA0A04FC94B}">
-              <ma14:wrappingTextBoxFlag xmlns:ma14="http://schemas.microsoft.com/office/mac/drawingml/2011/main" xmlns="" val="1"/>
+              <ma14:wrappingTextBoxFlag xmlns="" xmlns:ma14="http://schemas.microsoft.com/office/mac/drawingml/2011/main" val="1"/>
             </a:ext>
           </a:extLst>
         </p:spPr>
@@ -34679,7 +35195,7 @@
           </a:ln>
           <a:extLst>
             <a:ext uri="{C572A759-6A51-4108-AA02-DFA0A04FC94B}">
-              <ma14:wrappingTextBoxFlag xmlns:ma14="http://schemas.microsoft.com/office/mac/drawingml/2011/main" xmlns="" val="1"/>
+              <ma14:wrappingTextBoxFlag xmlns="" xmlns:ma14="http://schemas.microsoft.com/office/mac/drawingml/2011/main" val="1"/>
             </a:ext>
           </a:extLst>
         </p:spPr>
@@ -36610,7 +37126,7 @@
           </a:ln>
           <a:extLst>
             <a:ext uri="{C572A759-6A51-4108-AA02-DFA0A04FC94B}">
-              <ma14:wrappingTextBoxFlag xmlns:ma14="http://schemas.microsoft.com/office/mac/drawingml/2011/main" xmlns="" val="1"/>
+              <ma14:wrappingTextBoxFlag xmlns="" xmlns:ma14="http://schemas.microsoft.com/office/mac/drawingml/2011/main" val="1"/>
             </a:ext>
           </a:extLst>
         </p:spPr>
@@ -40864,7 +41380,7 @@
           </a:ln>
           <a:extLst>
             <a:ext uri="{C572A759-6A51-4108-AA02-DFA0A04FC94B}">
-              <ma14:wrappingTextBoxFlag xmlns:ma14="http://schemas.microsoft.com/office/mac/drawingml/2011/main" xmlns="" val="1"/>
+              <ma14:wrappingTextBoxFlag xmlns="" xmlns:ma14="http://schemas.microsoft.com/office/mac/drawingml/2011/main" val="1"/>
             </a:ext>
           </a:extLst>
         </p:spPr>
@@ -43471,6 +43987,1221 @@
       </p:par>
     </p:tnLst>
   </p:timing>
+</p:sld>
+</file>
+
+<file path=ppt/slides/slide7.xml><?xml version="1.0" encoding="utf-8"?>
+<p:sld xmlns:a="http://schemas.openxmlformats.org/drawingml/2006/main" xmlns:r="http://schemas.openxmlformats.org/officeDocument/2006/relationships" xmlns:p="http://schemas.openxmlformats.org/presentationml/2006/main">
+  <p:cSld>
+    <p:spTree>
+      <p:nvGrpSpPr>
+        <p:cNvPr id="1" name=""/>
+        <p:cNvGrpSpPr/>
+        <p:nvPr/>
+      </p:nvGrpSpPr>
+      <p:grpSpPr>
+        <a:xfrm>
+          <a:off x="0" y="0"/>
+          <a:ext cx="0" cy="0"/>
+          <a:chOff x="0" y="0"/>
+          <a:chExt cx="0" cy="0"/>
+        </a:xfrm>
+      </p:grpSpPr>
+      <p:pic>
+        <p:nvPicPr>
+          <p:cNvPr id="955" name="image40.png"/>
+          <p:cNvPicPr>
+            <a:picLocks noChangeAspect="1"/>
+          </p:cNvPicPr>
+          <p:nvPr/>
+        </p:nvPicPr>
+        <p:blipFill>
+          <a:blip r:embed="rId2">
+            <a:extLst/>
+          </a:blip>
+          <a:stretch>
+            <a:fillRect/>
+          </a:stretch>
+        </p:blipFill>
+        <p:spPr>
+          <a:xfrm>
+            <a:off x="3418557" y="813313"/>
+            <a:ext cx="5470333" cy="4078835"/>
+          </a:xfrm>
+          <a:prstGeom prst="rect">
+            <a:avLst/>
+          </a:prstGeom>
+          <a:ln w="12700">
+            <a:miter lim="400000"/>
+          </a:ln>
+        </p:spPr>
+      </p:pic>
+      <p:sp>
+        <p:nvSpPr>
+          <p:cNvPr id="9" name="Title 8"/>
+          <p:cNvSpPr>
+            <a:spLocks noGrp="1"/>
+          </p:cNvSpPr>
+          <p:nvPr>
+            <p:ph type="title"/>
+          </p:nvPr>
+        </p:nvSpPr>
+        <p:spPr>
+          <a:xfrm>
+            <a:off x="228599" y="201168"/>
+            <a:ext cx="8474755" cy="689869"/>
+          </a:xfrm>
+        </p:spPr>
+        <p:txBody>
+          <a:bodyPr/>
+          <a:lstStyle/>
+          <a:p>
+            <a:r>
+              <a:rPr lang="en-US" dirty="0"/>
+              <a:t>Container </a:t>
+            </a:r>
+            <a:r>
+              <a:rPr lang="en-US" dirty="0" smtClean="0"/>
+              <a:t>orchestration responsibilities</a:t>
+            </a:r>
+            <a:endParaRPr lang="en-US" dirty="0"/>
+          </a:p>
+        </p:txBody>
+      </p:sp>
+      <p:sp>
+        <p:nvSpPr>
+          <p:cNvPr id="12" name="Content Placeholder 11"/>
+          <p:cNvSpPr>
+            <a:spLocks noGrp="1"/>
+          </p:cNvSpPr>
+          <p:nvPr>
+            <p:ph idx="1"/>
+          </p:nvPr>
+        </p:nvSpPr>
+        <p:spPr>
+          <a:xfrm>
+            <a:off x="129540" y="891037"/>
+            <a:ext cx="4114800" cy="4500245"/>
+          </a:xfrm>
+        </p:spPr>
+        <p:txBody>
+          <a:bodyPr/>
+          <a:lstStyle/>
+          <a:p>
+            <a:pPr marL="0" indent="0">
+              <a:buNone/>
+            </a:pPr>
+            <a:r>
+              <a:rPr lang="en-US" sz="1600" dirty="0"/>
+              <a:t>Container orchestration</a:t>
+            </a:r>
+          </a:p>
+          <a:p>
+            <a:pPr lvl="1"/>
+            <a:r>
+              <a:rPr lang="en-US" dirty="0"/>
+              <a:t>Scheduling</a:t>
+            </a:r>
+          </a:p>
+          <a:p>
+            <a:pPr lvl="1"/>
+            <a:r>
+              <a:rPr lang="en-US" dirty="0"/>
+              <a:t>Cluster management</a:t>
+            </a:r>
+          </a:p>
+          <a:p>
+            <a:pPr lvl="1"/>
+            <a:r>
+              <a:rPr lang="en-US" dirty="0"/>
+              <a:t>Service discovery</a:t>
+            </a:r>
+          </a:p>
+          <a:p>
+            <a:endParaRPr lang="en-US" dirty="0"/>
+          </a:p>
+          <a:p>
+            <a:pPr marL="0" indent="0">
+              <a:buNone/>
+            </a:pPr>
+            <a:r>
+              <a:rPr lang="en-US" sz="1600" dirty="0"/>
+              <a:t>Related functionality</a:t>
+            </a:r>
+          </a:p>
+          <a:p>
+            <a:pPr lvl="1"/>
+            <a:r>
+              <a:rPr lang="en-US" dirty="0"/>
+              <a:t>Provisioning</a:t>
+            </a:r>
+          </a:p>
+          <a:p>
+            <a:pPr lvl="1"/>
+            <a:r>
+              <a:rPr lang="en-US" dirty="0"/>
+              <a:t>Monitoring</a:t>
+            </a:r>
+          </a:p>
+          <a:p>
+            <a:pPr lvl="1"/>
+            <a:r>
+              <a:rPr lang="en-US" dirty="0"/>
+              <a:t>Configuration management</a:t>
+            </a:r>
+          </a:p>
+          <a:p>
+            <a:endParaRPr lang="en-US" dirty="0"/>
+          </a:p>
+        </p:txBody>
+      </p:sp>
+      <p:sp>
+        <p:nvSpPr>
+          <p:cNvPr id="956" name="Shape 956"/>
+          <p:cNvSpPr/>
+          <p:nvPr/>
+        </p:nvSpPr>
+        <p:spPr>
+          <a:xfrm>
+            <a:off x="3572806" y="1300163"/>
+            <a:ext cx="5130549" cy="1428750"/>
+          </a:xfrm>
+          <a:prstGeom prst="rect">
+            <a:avLst/>
+          </a:prstGeom>
+          <a:noFill/>
+          <a:ln w="38100" cap="flat" cmpd="sng" algn="ctr">
+            <a:solidFill>
+              <a:srgbClr val="002060"/>
+            </a:solidFill>
+            <a:prstDash val="solid"/>
+            <a:round/>
+            <a:headEnd type="none" w="med" len="med"/>
+            <a:tailEnd type="none" w="med" len="med"/>
+          </a:ln>
+          <a:effectLst/>
+        </p:spPr>
+        <p:txBody>
+          <a:bodyPr rot="0" spcFirstLastPara="0" vertOverflow="overflow" horzOverflow="overflow" vert="horz" wrap="none" lIns="68589" tIns="34295" rIns="68589" bIns="34295" numCol="1" spcCol="0" rtlCol="0" fromWordArt="0" anchor="ctr" anchorCtr="0" forceAA="0" compatLnSpc="1">
+            <a:prstTxWarp prst="textNoShape">
+              <a:avLst/>
+            </a:prstTxWarp>
+            <a:noAutofit/>
+          </a:bodyPr>
+          <a:lstStyle/>
+          <a:p>
+            <a:pPr algn="ctr" defTabSz="460834"/>
+            <a:endParaRPr sz="900"/>
+          </a:p>
+        </p:txBody>
+      </p:sp>
+    </p:spTree>
+    <p:extLst>
+      <p:ext uri="{BB962C8B-B14F-4D97-AF65-F5344CB8AC3E}">
+        <p14:creationId xmlns:p14="http://schemas.microsoft.com/office/powerpoint/2010/main" val="383436640"/>
+      </p:ext>
+    </p:extLst>
+  </p:cSld>
+  <p:clrMapOvr>
+    <a:masterClrMapping/>
+  </p:clrMapOvr>
+</p:sld>
+</file>
+
+<file path=ppt/slides/slide8.xml><?xml version="1.0" encoding="utf-8"?>
+<p:sld xmlns:a="http://schemas.openxmlformats.org/drawingml/2006/main" xmlns:r="http://schemas.openxmlformats.org/officeDocument/2006/relationships" xmlns:p="http://schemas.openxmlformats.org/presentationml/2006/main">
+  <p:cSld>
+    <p:spTree>
+      <p:nvGrpSpPr>
+        <p:cNvPr id="1" name=""/>
+        <p:cNvGrpSpPr/>
+        <p:nvPr/>
+      </p:nvGrpSpPr>
+      <p:grpSpPr>
+        <a:xfrm>
+          <a:off x="0" y="0"/>
+          <a:ext cx="0" cy="0"/>
+          <a:chOff x="0" y="0"/>
+          <a:chExt cx="0" cy="0"/>
+        </a:xfrm>
+      </p:grpSpPr>
+      <p:sp>
+        <p:nvSpPr>
+          <p:cNvPr id="2" name="Title 1"/>
+          <p:cNvSpPr>
+            <a:spLocks noGrp="1"/>
+          </p:cNvSpPr>
+          <p:nvPr>
+            <p:ph type="title"/>
+          </p:nvPr>
+        </p:nvSpPr>
+        <p:spPr/>
+        <p:txBody>
+          <a:bodyPr/>
+          <a:lstStyle/>
+          <a:p>
+            <a:r>
+              <a:rPr lang="en-US" dirty="0"/>
+              <a:t>Container </a:t>
+            </a:r>
+            <a:r>
+              <a:rPr lang="en-US" dirty="0"/>
+              <a:t>e</a:t>
+            </a:r>
+            <a:r>
+              <a:rPr lang="en-US" dirty="0" smtClean="0"/>
+              <a:t>cosystem layers</a:t>
+            </a:r>
+            <a:endParaRPr lang="en-US" dirty="0"/>
+          </a:p>
+        </p:txBody>
+      </p:sp>
+      <p:sp>
+        <p:nvSpPr>
+          <p:cNvPr id="5" name="Rounded Rectangle 4"/>
+          <p:cNvSpPr/>
+          <p:nvPr/>
+        </p:nvSpPr>
+        <p:spPr bwMode="auto">
+          <a:xfrm>
+            <a:off x="1574264" y="1015485"/>
+            <a:ext cx="2743170" cy="3656608"/>
+          </a:xfrm>
+          <a:prstGeom prst="roundRect">
+            <a:avLst>
+              <a:gd name="adj" fmla="val 1150"/>
+            </a:avLst>
+          </a:prstGeom>
+          <a:solidFill>
+            <a:schemeClr val="bg2">
+              <a:lumMod val="95000"/>
+            </a:schemeClr>
+          </a:solidFill>
+          <a:ln w="9525" cap="flat" cmpd="sng" algn="ctr">
+            <a:solidFill>
+              <a:schemeClr val="tx2">
+                <a:lumMod val="50000"/>
+              </a:schemeClr>
+            </a:solidFill>
+            <a:prstDash val="solid"/>
+            <a:round/>
+            <a:headEnd type="none" w="med" len="med"/>
+            <a:tailEnd type="none" w="med" len="med"/>
+          </a:ln>
+          <a:effectLst/>
+        </p:spPr>
+        <p:txBody>
+          <a:bodyPr vert="horz" wrap="square" lIns="0" tIns="0" rIns="0" bIns="0" numCol="1" rtlCol="0" anchor="t" anchorCtr="0" compatLnSpc="1">
+            <a:prstTxWarp prst="textNoShape">
+              <a:avLst/>
+            </a:prstTxWarp>
+          </a:bodyPr>
+          <a:lstStyle/>
+          <a:p>
+            <a:pPr defTabSz="914316">
+              <a:lnSpc>
+                <a:spcPct val="90000"/>
+              </a:lnSpc>
+            </a:pPr>
+            <a:endParaRPr lang="en-US" sz="2000">
+              <a:solidFill>
+                <a:srgbClr val="191919"/>
+              </a:solidFill>
+              <a:latin typeface="HelvNeue Light for IBM" pitchFamily="34" charset="0"/>
+            </a:endParaRPr>
+          </a:p>
+        </p:txBody>
+      </p:sp>
+      <p:sp>
+        <p:nvSpPr>
+          <p:cNvPr id="6" name="Rectangle 5"/>
+          <p:cNvSpPr/>
+          <p:nvPr/>
+        </p:nvSpPr>
+        <p:spPr bwMode="auto">
+          <a:xfrm>
+            <a:off x="1364857" y="1784256"/>
+            <a:ext cx="6212747" cy="435301"/>
+          </a:xfrm>
+          <a:prstGeom prst="rect">
+            <a:avLst/>
+          </a:prstGeom>
+          <a:noFill/>
+          <a:ln w="9525" cap="flat" cmpd="sng" algn="ctr">
+            <a:noFill/>
+            <a:prstDash val="solid"/>
+            <a:round/>
+            <a:headEnd type="none" w="med" len="med"/>
+            <a:tailEnd type="none" w="med" len="med"/>
+          </a:ln>
+          <a:effectLst/>
+        </p:spPr>
+        <p:txBody>
+          <a:bodyPr vert="horz" wrap="square" lIns="0" tIns="0" rIns="0" bIns="0" numCol="1" rtlCol="0" anchor="t" anchorCtr="0" compatLnSpc="1">
+            <a:prstTxWarp prst="textNoShape">
+              <a:avLst/>
+            </a:prstTxWarp>
+          </a:bodyPr>
+          <a:lstStyle/>
+          <a:p>
+            <a:endParaRPr lang="en-US" sz="1800"/>
+          </a:p>
+        </p:txBody>
+      </p:sp>
+      <p:sp>
+        <p:nvSpPr>
+          <p:cNvPr id="8" name="Rounded Rectangle 7"/>
+          <p:cNvSpPr/>
+          <p:nvPr/>
+        </p:nvSpPr>
+        <p:spPr bwMode="auto">
+          <a:xfrm>
+            <a:off x="1705102" y="4040147"/>
+            <a:ext cx="2468853" cy="457076"/>
+          </a:xfrm>
+          <a:prstGeom prst="roundRect">
+            <a:avLst>
+              <a:gd name="adj" fmla="val 8241"/>
+            </a:avLst>
+          </a:prstGeom>
+          <a:solidFill>
+            <a:schemeClr val="bg2">
+              <a:lumMod val="85000"/>
+            </a:schemeClr>
+          </a:solidFill>
+          <a:ln w="9525" cap="flat" cmpd="sng" algn="ctr">
+            <a:solidFill>
+              <a:schemeClr val="accent5">
+                <a:lumMod val="50000"/>
+              </a:schemeClr>
+            </a:solidFill>
+            <a:prstDash val="solid"/>
+            <a:round/>
+            <a:headEnd type="none" w="med" len="med"/>
+            <a:tailEnd type="none" w="med" len="med"/>
+          </a:ln>
+          <a:effectLst/>
+        </p:spPr>
+        <p:txBody>
+          <a:bodyPr vert="horz" wrap="square" lIns="0" tIns="0" rIns="0" bIns="0" numCol="1" rtlCol="0" anchor="ctr" anchorCtr="0" compatLnSpc="1">
+            <a:prstTxWarp prst="textNoShape">
+              <a:avLst/>
+            </a:prstTxWarp>
+          </a:bodyPr>
+          <a:lstStyle/>
+          <a:p>
+            <a:pPr algn="ctr" defTabSz="914316">
+              <a:lnSpc>
+                <a:spcPct val="90000"/>
+              </a:lnSpc>
+            </a:pPr>
+            <a:r>
+              <a:rPr lang="en-US" sz="1400" b="1" dirty="0">
+                <a:latin typeface="HelvNeue Light for IBM" pitchFamily="34" charset="0"/>
+              </a:rPr>
+              <a:t>Physical Infrastructure</a:t>
+            </a:r>
+          </a:p>
+        </p:txBody>
+      </p:sp>
+      <p:sp>
+        <p:nvSpPr>
+          <p:cNvPr id="9" name="TextBox 8"/>
+          <p:cNvSpPr txBox="1"/>
+          <p:nvPr/>
+        </p:nvSpPr>
+        <p:spPr>
+          <a:xfrm>
+            <a:off x="823248" y="4125606"/>
+            <a:ext cx="721672" cy="276999"/>
+          </a:xfrm>
+          <a:prstGeom prst="rect">
+            <a:avLst/>
+          </a:prstGeom>
+          <a:noFill/>
+        </p:spPr>
+        <p:txBody>
+          <a:bodyPr wrap="none" rtlCol="0">
+            <a:spAutoFit/>
+          </a:bodyPr>
+          <a:lstStyle/>
+          <a:p>
+            <a:r>
+              <a:rPr lang="en-US" sz="1200" b="1" dirty="0"/>
+              <a:t>Layer 1</a:t>
+            </a:r>
+          </a:p>
+        </p:txBody>
+      </p:sp>
+      <p:sp>
+        <p:nvSpPr>
+          <p:cNvPr id="11" name="Rounded Rectangle 10"/>
+          <p:cNvSpPr/>
+          <p:nvPr/>
+        </p:nvSpPr>
+        <p:spPr bwMode="auto">
+          <a:xfrm>
+            <a:off x="1705102" y="3461872"/>
+            <a:ext cx="2468853" cy="457076"/>
+          </a:xfrm>
+          <a:prstGeom prst="roundRect">
+            <a:avLst>
+              <a:gd name="adj" fmla="val 8241"/>
+            </a:avLst>
+          </a:prstGeom>
+          <a:solidFill>
+            <a:schemeClr val="bg2">
+              <a:lumMod val="85000"/>
+            </a:schemeClr>
+          </a:solidFill>
+          <a:ln w="9525" cap="flat" cmpd="sng" algn="ctr">
+            <a:solidFill>
+              <a:schemeClr val="accent5">
+                <a:lumMod val="50000"/>
+              </a:schemeClr>
+            </a:solidFill>
+            <a:prstDash val="solid"/>
+            <a:round/>
+            <a:headEnd type="none" w="med" len="med"/>
+            <a:tailEnd type="none" w="med" len="med"/>
+          </a:ln>
+          <a:effectLst/>
+        </p:spPr>
+        <p:txBody>
+          <a:bodyPr vert="horz" wrap="square" lIns="0" tIns="0" rIns="0" bIns="0" numCol="1" rtlCol="0" anchor="ctr" anchorCtr="0" compatLnSpc="1">
+            <a:prstTxWarp prst="textNoShape">
+              <a:avLst/>
+            </a:prstTxWarp>
+          </a:bodyPr>
+          <a:lstStyle/>
+          <a:p>
+            <a:pPr algn="ctr" defTabSz="914316">
+              <a:lnSpc>
+                <a:spcPct val="90000"/>
+              </a:lnSpc>
+            </a:pPr>
+            <a:r>
+              <a:rPr lang="en-US" sz="1400" b="1" dirty="0">
+                <a:latin typeface="HelvNeue Light for IBM" pitchFamily="34" charset="0"/>
+              </a:rPr>
+              <a:t>Virtual Infrastructure</a:t>
+            </a:r>
+          </a:p>
+        </p:txBody>
+      </p:sp>
+      <p:sp>
+        <p:nvSpPr>
+          <p:cNvPr id="12" name="TextBox 11"/>
+          <p:cNvSpPr txBox="1"/>
+          <p:nvPr/>
+        </p:nvSpPr>
+        <p:spPr>
+          <a:xfrm>
+            <a:off x="823248" y="3547331"/>
+            <a:ext cx="721672" cy="276999"/>
+          </a:xfrm>
+          <a:prstGeom prst="rect">
+            <a:avLst/>
+          </a:prstGeom>
+          <a:noFill/>
+        </p:spPr>
+        <p:txBody>
+          <a:bodyPr wrap="none" rtlCol="0">
+            <a:spAutoFit/>
+          </a:bodyPr>
+          <a:lstStyle/>
+          <a:p>
+            <a:r>
+              <a:rPr lang="en-US" sz="1200" b="1" dirty="0"/>
+              <a:t>Layer 2</a:t>
+            </a:r>
+          </a:p>
+        </p:txBody>
+      </p:sp>
+      <p:sp>
+        <p:nvSpPr>
+          <p:cNvPr id="14" name="Rounded Rectangle 13"/>
+          <p:cNvSpPr/>
+          <p:nvPr/>
+        </p:nvSpPr>
+        <p:spPr bwMode="auto">
+          <a:xfrm>
+            <a:off x="1705102" y="2883718"/>
+            <a:ext cx="2468853" cy="457076"/>
+          </a:xfrm>
+          <a:prstGeom prst="roundRect">
+            <a:avLst>
+              <a:gd name="adj" fmla="val 8241"/>
+            </a:avLst>
+          </a:prstGeom>
+          <a:solidFill>
+            <a:schemeClr val="bg2">
+              <a:lumMod val="85000"/>
+            </a:schemeClr>
+          </a:solidFill>
+          <a:ln w="9525" cap="flat" cmpd="sng" algn="ctr">
+            <a:solidFill>
+              <a:schemeClr val="accent5">
+                <a:lumMod val="50000"/>
+              </a:schemeClr>
+            </a:solidFill>
+            <a:prstDash val="solid"/>
+            <a:round/>
+            <a:headEnd type="none" w="med" len="med"/>
+            <a:tailEnd type="none" w="med" len="med"/>
+          </a:ln>
+          <a:effectLst/>
+        </p:spPr>
+        <p:txBody>
+          <a:bodyPr vert="horz" wrap="square" lIns="0" tIns="0" rIns="0" bIns="0" numCol="1" rtlCol="0" anchor="ctr" anchorCtr="0" compatLnSpc="1">
+            <a:prstTxWarp prst="textNoShape">
+              <a:avLst/>
+            </a:prstTxWarp>
+          </a:bodyPr>
+          <a:lstStyle/>
+          <a:p>
+            <a:pPr algn="ctr" defTabSz="914316">
+              <a:lnSpc>
+                <a:spcPct val="90000"/>
+              </a:lnSpc>
+            </a:pPr>
+            <a:r>
+              <a:rPr lang="en-US" sz="1400" b="1" dirty="0">
+                <a:latin typeface="HelvNeue Light for IBM" pitchFamily="34" charset="0"/>
+              </a:rPr>
+              <a:t>Operating System</a:t>
+            </a:r>
+          </a:p>
+        </p:txBody>
+      </p:sp>
+      <p:sp>
+        <p:nvSpPr>
+          <p:cNvPr id="15" name="TextBox 14"/>
+          <p:cNvSpPr txBox="1"/>
+          <p:nvPr/>
+        </p:nvSpPr>
+        <p:spPr>
+          <a:xfrm>
+            <a:off x="823248" y="2969177"/>
+            <a:ext cx="721672" cy="276999"/>
+          </a:xfrm>
+          <a:prstGeom prst="rect">
+            <a:avLst/>
+          </a:prstGeom>
+          <a:noFill/>
+        </p:spPr>
+        <p:txBody>
+          <a:bodyPr wrap="none" rtlCol="0">
+            <a:spAutoFit/>
+          </a:bodyPr>
+          <a:lstStyle/>
+          <a:p>
+            <a:r>
+              <a:rPr lang="en-US" sz="1200" b="1" dirty="0"/>
+              <a:t>Layer 3</a:t>
+            </a:r>
+          </a:p>
+        </p:txBody>
+      </p:sp>
+      <p:sp>
+        <p:nvSpPr>
+          <p:cNvPr id="17" name="Rounded Rectangle 16"/>
+          <p:cNvSpPr/>
+          <p:nvPr/>
+        </p:nvSpPr>
+        <p:spPr bwMode="auto">
+          <a:xfrm>
+            <a:off x="1705102" y="2320267"/>
+            <a:ext cx="2468853" cy="457076"/>
+          </a:xfrm>
+          <a:prstGeom prst="roundRect">
+            <a:avLst>
+              <a:gd name="adj" fmla="val 8241"/>
+            </a:avLst>
+          </a:prstGeom>
+          <a:solidFill>
+            <a:schemeClr val="bg2">
+              <a:lumMod val="85000"/>
+            </a:schemeClr>
+          </a:solidFill>
+          <a:ln w="9525" cap="flat" cmpd="sng" algn="ctr">
+            <a:solidFill>
+              <a:schemeClr val="accent5">
+                <a:lumMod val="50000"/>
+              </a:schemeClr>
+            </a:solidFill>
+            <a:prstDash val="solid"/>
+            <a:round/>
+            <a:headEnd type="none" w="med" len="med"/>
+            <a:tailEnd type="none" w="med" len="med"/>
+          </a:ln>
+          <a:effectLst/>
+        </p:spPr>
+        <p:txBody>
+          <a:bodyPr vert="horz" wrap="square" lIns="0" tIns="0" rIns="0" bIns="0" numCol="1" rtlCol="0" anchor="ctr" anchorCtr="0" compatLnSpc="1">
+            <a:prstTxWarp prst="textNoShape">
+              <a:avLst/>
+            </a:prstTxWarp>
+          </a:bodyPr>
+          <a:lstStyle/>
+          <a:p>
+            <a:pPr algn="ctr" defTabSz="914316">
+              <a:lnSpc>
+                <a:spcPct val="90000"/>
+              </a:lnSpc>
+            </a:pPr>
+            <a:r>
+              <a:rPr lang="en-US" sz="1400" b="1" dirty="0">
+                <a:latin typeface="HelvNeue Light for IBM" pitchFamily="34" charset="0"/>
+              </a:rPr>
+              <a:t>Container Engine</a:t>
+            </a:r>
+          </a:p>
+        </p:txBody>
+      </p:sp>
+      <p:sp>
+        <p:nvSpPr>
+          <p:cNvPr id="18" name="TextBox 17"/>
+          <p:cNvSpPr txBox="1"/>
+          <p:nvPr/>
+        </p:nvSpPr>
+        <p:spPr>
+          <a:xfrm>
+            <a:off x="823248" y="2405726"/>
+            <a:ext cx="721672" cy="276999"/>
+          </a:xfrm>
+          <a:prstGeom prst="rect">
+            <a:avLst/>
+          </a:prstGeom>
+          <a:noFill/>
+        </p:spPr>
+        <p:txBody>
+          <a:bodyPr wrap="none" rtlCol="0">
+            <a:spAutoFit/>
+          </a:bodyPr>
+          <a:lstStyle/>
+          <a:p>
+            <a:r>
+              <a:rPr lang="en-US" sz="1200" b="1" dirty="0"/>
+              <a:t>Layer 4</a:t>
+            </a:r>
+          </a:p>
+        </p:txBody>
+      </p:sp>
+      <p:sp>
+        <p:nvSpPr>
+          <p:cNvPr id="20" name="Rounded Rectangle 19"/>
+          <p:cNvSpPr/>
+          <p:nvPr/>
+        </p:nvSpPr>
+        <p:spPr bwMode="auto">
+          <a:xfrm>
+            <a:off x="1705102" y="1741013"/>
+            <a:ext cx="2468853" cy="457076"/>
+          </a:xfrm>
+          <a:prstGeom prst="roundRect">
+            <a:avLst>
+              <a:gd name="adj" fmla="val 8241"/>
+            </a:avLst>
+          </a:prstGeom>
+          <a:solidFill>
+            <a:schemeClr val="bg2">
+              <a:lumMod val="85000"/>
+            </a:schemeClr>
+          </a:solidFill>
+          <a:ln w="9525" cap="flat" cmpd="sng" algn="ctr">
+            <a:solidFill>
+              <a:schemeClr val="accent5">
+                <a:lumMod val="50000"/>
+              </a:schemeClr>
+            </a:solidFill>
+            <a:prstDash val="solid"/>
+            <a:round/>
+            <a:headEnd type="none" w="med" len="med"/>
+            <a:tailEnd type="none" w="med" len="med"/>
+          </a:ln>
+          <a:effectLst/>
+        </p:spPr>
+        <p:txBody>
+          <a:bodyPr vert="horz" wrap="square" lIns="0" tIns="0" rIns="0" bIns="0" numCol="1" rtlCol="0" anchor="ctr" anchorCtr="0" compatLnSpc="1">
+            <a:prstTxWarp prst="textNoShape">
+              <a:avLst/>
+            </a:prstTxWarp>
+          </a:bodyPr>
+          <a:lstStyle/>
+          <a:p>
+            <a:pPr algn="ctr" defTabSz="914316">
+              <a:lnSpc>
+                <a:spcPct val="90000"/>
+              </a:lnSpc>
+            </a:pPr>
+            <a:r>
+              <a:rPr lang="en-US" sz="1400" b="1" dirty="0"/>
+              <a:t>Orchestration/Scheduling</a:t>
+            </a:r>
+          </a:p>
+          <a:p>
+            <a:pPr algn="ctr" defTabSz="914316">
+              <a:lnSpc>
+                <a:spcPct val="90000"/>
+              </a:lnSpc>
+            </a:pPr>
+            <a:r>
+              <a:rPr lang="en-US" sz="1400" b="1" dirty="0"/>
+              <a:t>Service Model</a:t>
+            </a:r>
+            <a:endParaRPr lang="en-US" sz="1400" b="1" dirty="0">
+              <a:solidFill>
+                <a:srgbClr val="191919"/>
+              </a:solidFill>
+            </a:endParaRPr>
+          </a:p>
+        </p:txBody>
+      </p:sp>
+      <p:sp>
+        <p:nvSpPr>
+          <p:cNvPr id="21" name="TextBox 20"/>
+          <p:cNvSpPr txBox="1"/>
+          <p:nvPr/>
+        </p:nvSpPr>
+        <p:spPr>
+          <a:xfrm>
+            <a:off x="823248" y="1826472"/>
+            <a:ext cx="721672" cy="276999"/>
+          </a:xfrm>
+          <a:prstGeom prst="rect">
+            <a:avLst/>
+          </a:prstGeom>
+          <a:noFill/>
+        </p:spPr>
+        <p:txBody>
+          <a:bodyPr wrap="none" rtlCol="0">
+            <a:spAutoFit/>
+          </a:bodyPr>
+          <a:lstStyle/>
+          <a:p>
+            <a:r>
+              <a:rPr lang="en-US" sz="1200" b="1" dirty="0"/>
+              <a:t>Layer 5</a:t>
+            </a:r>
+          </a:p>
+        </p:txBody>
+      </p:sp>
+      <p:sp>
+        <p:nvSpPr>
+          <p:cNvPr id="23" name="Rounded Rectangle 22"/>
+          <p:cNvSpPr/>
+          <p:nvPr/>
+        </p:nvSpPr>
+        <p:spPr bwMode="auto">
+          <a:xfrm>
+            <a:off x="1705102" y="1162858"/>
+            <a:ext cx="2468853" cy="457076"/>
+          </a:xfrm>
+          <a:prstGeom prst="roundRect">
+            <a:avLst>
+              <a:gd name="adj" fmla="val 8241"/>
+            </a:avLst>
+          </a:prstGeom>
+          <a:solidFill>
+            <a:schemeClr val="bg2">
+              <a:lumMod val="85000"/>
+            </a:schemeClr>
+          </a:solidFill>
+          <a:ln w="9525" cap="flat" cmpd="sng" algn="ctr">
+            <a:solidFill>
+              <a:schemeClr val="accent5">
+                <a:lumMod val="50000"/>
+              </a:schemeClr>
+            </a:solidFill>
+            <a:prstDash val="solid"/>
+            <a:round/>
+            <a:headEnd type="none" w="med" len="med"/>
+            <a:tailEnd type="none" w="med" len="med"/>
+          </a:ln>
+          <a:effectLst/>
+        </p:spPr>
+        <p:txBody>
+          <a:bodyPr vert="horz" wrap="square" lIns="0" tIns="0" rIns="0" bIns="0" numCol="1" rtlCol="0" anchor="ctr" anchorCtr="0" compatLnSpc="1">
+            <a:prstTxWarp prst="textNoShape">
+              <a:avLst/>
+            </a:prstTxWarp>
+          </a:bodyPr>
+          <a:lstStyle/>
+          <a:p>
+            <a:pPr algn="ctr" defTabSz="914316">
+              <a:lnSpc>
+                <a:spcPct val="90000"/>
+              </a:lnSpc>
+            </a:pPr>
+            <a:r>
+              <a:rPr lang="en-US" sz="1400" b="1" dirty="0"/>
+              <a:t>Development Workflow</a:t>
+            </a:r>
+          </a:p>
+          <a:p>
+            <a:pPr algn="ctr" defTabSz="914316">
+              <a:lnSpc>
+                <a:spcPct val="90000"/>
+              </a:lnSpc>
+            </a:pPr>
+            <a:r>
+              <a:rPr lang="en-US" sz="1400" b="1" dirty="0"/>
+              <a:t>Opinionated Containers</a:t>
+            </a:r>
+          </a:p>
+        </p:txBody>
+      </p:sp>
+      <p:sp>
+        <p:nvSpPr>
+          <p:cNvPr id="24" name="TextBox 23"/>
+          <p:cNvSpPr txBox="1"/>
+          <p:nvPr/>
+        </p:nvSpPr>
+        <p:spPr>
+          <a:xfrm>
+            <a:off x="823248" y="1248317"/>
+            <a:ext cx="721672" cy="276999"/>
+          </a:xfrm>
+          <a:prstGeom prst="rect">
+            <a:avLst/>
+          </a:prstGeom>
+          <a:noFill/>
+        </p:spPr>
+        <p:txBody>
+          <a:bodyPr wrap="none" rtlCol="0">
+            <a:spAutoFit/>
+          </a:bodyPr>
+          <a:lstStyle/>
+          <a:p>
+            <a:r>
+              <a:rPr lang="en-US" sz="1200" b="1" dirty="0"/>
+              <a:t>Layer 6</a:t>
+            </a:r>
+          </a:p>
+        </p:txBody>
+      </p:sp>
+      <p:pic>
+        <p:nvPicPr>
+          <p:cNvPr id="26" name="Picture 25"/>
+          <p:cNvPicPr>
+            <a:picLocks noChangeAspect="1"/>
+          </p:cNvPicPr>
+          <p:nvPr/>
+        </p:nvPicPr>
+        <p:blipFill>
+          <a:blip r:embed="rId2"/>
+          <a:stretch>
+            <a:fillRect/>
+          </a:stretch>
+        </p:blipFill>
+        <p:spPr>
+          <a:xfrm>
+            <a:off x="4994859" y="4063772"/>
+            <a:ext cx="2276475" cy="471365"/>
+          </a:xfrm>
+          <a:prstGeom prst="rect">
+            <a:avLst/>
+          </a:prstGeom>
+        </p:spPr>
+      </p:pic>
+      <p:pic>
+        <p:nvPicPr>
+          <p:cNvPr id="27" name="Picture 26"/>
+          <p:cNvPicPr>
+            <a:picLocks noChangeAspect="1"/>
+          </p:cNvPicPr>
+          <p:nvPr/>
+        </p:nvPicPr>
+        <p:blipFill>
+          <a:blip r:embed="rId3"/>
+          <a:stretch>
+            <a:fillRect/>
+          </a:stretch>
+        </p:blipFill>
+        <p:spPr>
+          <a:xfrm>
+            <a:off x="5009912" y="3491180"/>
+            <a:ext cx="2243137" cy="385662"/>
+          </a:xfrm>
+          <a:prstGeom prst="rect">
+            <a:avLst/>
+          </a:prstGeom>
+        </p:spPr>
+      </p:pic>
+      <p:pic>
+        <p:nvPicPr>
+          <p:cNvPr id="28" name="Picture 27"/>
+          <p:cNvPicPr>
+            <a:picLocks noChangeAspect="1"/>
+          </p:cNvPicPr>
+          <p:nvPr/>
+        </p:nvPicPr>
+        <p:blipFill>
+          <a:blip r:embed="rId4"/>
+          <a:stretch>
+            <a:fillRect/>
+          </a:stretch>
+        </p:blipFill>
+        <p:spPr>
+          <a:xfrm>
+            <a:off x="4727474" y="2985051"/>
+            <a:ext cx="2690813" cy="352334"/>
+          </a:xfrm>
+          <a:prstGeom prst="rect">
+            <a:avLst/>
+          </a:prstGeom>
+        </p:spPr>
+      </p:pic>
+      <p:pic>
+        <p:nvPicPr>
+          <p:cNvPr id="29" name="Picture 28"/>
+          <p:cNvPicPr>
+            <a:picLocks noChangeAspect="1"/>
+          </p:cNvPicPr>
+          <p:nvPr/>
+        </p:nvPicPr>
+        <p:blipFill>
+          <a:blip r:embed="rId5"/>
+          <a:stretch>
+            <a:fillRect/>
+          </a:stretch>
+        </p:blipFill>
+        <p:spPr>
+          <a:xfrm>
+            <a:off x="4648893" y="2355796"/>
+            <a:ext cx="2847975" cy="438036"/>
+          </a:xfrm>
+          <a:prstGeom prst="rect">
+            <a:avLst/>
+          </a:prstGeom>
+        </p:spPr>
+      </p:pic>
+      <p:pic>
+        <p:nvPicPr>
+          <p:cNvPr id="30" name="Picture 29"/>
+          <p:cNvPicPr>
+            <a:picLocks noChangeAspect="1"/>
+          </p:cNvPicPr>
+          <p:nvPr/>
+        </p:nvPicPr>
+        <p:blipFill>
+          <a:blip r:embed="rId6"/>
+          <a:stretch>
+            <a:fillRect/>
+          </a:stretch>
+        </p:blipFill>
+        <p:spPr>
+          <a:xfrm>
+            <a:off x="4360760" y="1740312"/>
+            <a:ext cx="838200" cy="480887"/>
+          </a:xfrm>
+          <a:prstGeom prst="rect">
+            <a:avLst/>
+          </a:prstGeom>
+        </p:spPr>
+      </p:pic>
+      <p:pic>
+        <p:nvPicPr>
+          <p:cNvPr id="32" name="Picture 31"/>
+          <p:cNvPicPr>
+            <a:picLocks noChangeAspect="1"/>
+          </p:cNvPicPr>
+          <p:nvPr/>
+        </p:nvPicPr>
+        <p:blipFill>
+          <a:blip r:embed="rId7"/>
+          <a:stretch>
+            <a:fillRect/>
+          </a:stretch>
+        </p:blipFill>
+        <p:spPr>
+          <a:xfrm>
+            <a:off x="6008058" y="1771456"/>
+            <a:ext cx="890588" cy="380901"/>
+          </a:xfrm>
+          <a:prstGeom prst="rect">
+            <a:avLst/>
+          </a:prstGeom>
+        </p:spPr>
+      </p:pic>
+      <p:pic>
+        <p:nvPicPr>
+          <p:cNvPr id="34" name="Picture 33"/>
+          <p:cNvPicPr>
+            <a:picLocks noChangeAspect="1"/>
+          </p:cNvPicPr>
+          <p:nvPr/>
+        </p:nvPicPr>
+        <p:blipFill>
+          <a:blip r:embed="rId8"/>
+          <a:stretch>
+            <a:fillRect/>
+          </a:stretch>
+        </p:blipFill>
+        <p:spPr>
+          <a:xfrm>
+            <a:off x="4448272" y="1198570"/>
+            <a:ext cx="857250" cy="266630"/>
+          </a:xfrm>
+          <a:prstGeom prst="rect">
+            <a:avLst/>
+          </a:prstGeom>
+        </p:spPr>
+      </p:pic>
+      <p:pic>
+        <p:nvPicPr>
+          <p:cNvPr id="35" name="Picture 34"/>
+          <p:cNvPicPr>
+            <a:picLocks noChangeAspect="1"/>
+          </p:cNvPicPr>
+          <p:nvPr/>
+        </p:nvPicPr>
+        <p:blipFill>
+          <a:blip r:embed="rId9"/>
+          <a:stretch>
+            <a:fillRect/>
+          </a:stretch>
+        </p:blipFill>
+        <p:spPr>
+          <a:xfrm>
+            <a:off x="5432433" y="1147438"/>
+            <a:ext cx="533400" cy="495171"/>
+          </a:xfrm>
+          <a:prstGeom prst="rect">
+            <a:avLst/>
+          </a:prstGeom>
+        </p:spPr>
+      </p:pic>
+      <p:pic>
+        <p:nvPicPr>
+          <p:cNvPr id="43" name="image48.tif"/>
+          <p:cNvPicPr>
+            <a:picLocks noChangeAspect="1"/>
+          </p:cNvPicPr>
+          <p:nvPr/>
+        </p:nvPicPr>
+        <p:blipFill>
+          <a:blip r:embed="rId10">
+            <a:extLst/>
+          </a:blip>
+          <a:stretch>
+            <a:fillRect/>
+          </a:stretch>
+        </p:blipFill>
+        <p:spPr>
+          <a:xfrm>
+            <a:off x="5292502" y="1669747"/>
+            <a:ext cx="622015" cy="622015"/>
+          </a:xfrm>
+          <a:prstGeom prst="rect">
+            <a:avLst/>
+          </a:prstGeom>
+          <a:ln w="12700">
+            <a:miter lim="400000"/>
+          </a:ln>
+        </p:spPr>
+      </p:pic>
+      <p:pic>
+        <p:nvPicPr>
+          <p:cNvPr id="1026" name="Picture 2" descr="elated image"/>
+          <p:cNvPicPr>
+            <a:picLocks noChangeAspect="1" noChangeArrowheads="1"/>
+          </p:cNvPicPr>
+          <p:nvPr/>
+        </p:nvPicPr>
+        <p:blipFill>
+          <a:blip r:embed="rId11">
+            <a:extLst>
+              <a:ext uri="{28A0092B-C50C-407E-A947-70E740481C1C}">
+                <a14:useLocalDpi xmlns:a14="http://schemas.microsoft.com/office/drawing/2010/main" val="0"/>
+              </a:ext>
+            </a:extLst>
+          </a:blip>
+          <a:srcRect/>
+          <a:stretch>
+            <a:fillRect/>
+          </a:stretch>
+        </p:blipFill>
+        <p:spPr bwMode="auto">
+          <a:xfrm>
+            <a:off x="6992187" y="1739890"/>
+            <a:ext cx="500764" cy="479666"/>
+          </a:xfrm>
+          <a:prstGeom prst="rect">
+            <a:avLst/>
+          </a:prstGeom>
+          <a:noFill/>
+          <a:extLst>
+            <a:ext uri="{909E8E84-426E-40DD-AFC4-6F175D3DCCD1}">
+              <a14:hiddenFill xmlns:a14="http://schemas.microsoft.com/office/drawing/2010/main">
+                <a:solidFill>
+                  <a:srgbClr val="FFFFFF"/>
+                </a:solidFill>
+              </a14:hiddenFill>
+            </a:ext>
+          </a:extLst>
+        </p:spPr>
+      </p:pic>
+      <p:sp>
+        <p:nvSpPr>
+          <p:cNvPr id="36" name="Rounded Rectangle 35"/>
+          <p:cNvSpPr/>
+          <p:nvPr/>
+        </p:nvSpPr>
+        <p:spPr bwMode="auto">
+          <a:xfrm>
+            <a:off x="359858" y="1679338"/>
+            <a:ext cx="8310462" cy="579326"/>
+          </a:xfrm>
+          <a:prstGeom prst="roundRect">
+            <a:avLst/>
+          </a:prstGeom>
+          <a:noFill/>
+          <a:ln w="19050" cap="flat" cmpd="sng" algn="ctr">
+            <a:solidFill>
+              <a:schemeClr val="tx1"/>
+            </a:solidFill>
+            <a:prstDash val="solid"/>
+            <a:round/>
+            <a:headEnd type="none" w="med" len="med"/>
+            <a:tailEnd type="none" w="med" len="med"/>
+          </a:ln>
+          <a:effectLst/>
+          <a:extLst/>
+        </p:spPr>
+        <p:txBody>
+          <a:bodyPr vert="horz" wrap="none" lIns="68589" tIns="34295" rIns="68589" bIns="34295" numCol="1" rtlCol="0" anchor="ctr" anchorCtr="0" compatLnSpc="1">
+            <a:prstTxWarp prst="textNoShape">
+              <a:avLst/>
+            </a:prstTxWarp>
+          </a:bodyPr>
+          <a:lstStyle/>
+          <a:p>
+            <a:pPr algn="ctr" defTabSz="460834" fontAlgn="base">
+              <a:spcBef>
+                <a:spcPct val="0"/>
+              </a:spcBef>
+              <a:spcAft>
+                <a:spcPct val="0"/>
+              </a:spcAft>
+            </a:pPr>
+            <a:endParaRPr lang="en-US" sz="900">
+              <a:latin typeface="Arial" panose="020B0604020202020204" pitchFamily="34" charset="0"/>
+            </a:endParaRPr>
+          </a:p>
+        </p:txBody>
+      </p:sp>
+    </p:spTree>
+    <p:extLst>
+      <p:ext uri="{BB962C8B-B14F-4D97-AF65-F5344CB8AC3E}">
+        <p14:creationId xmlns:p14="http://schemas.microsoft.com/office/powerpoint/2010/main" val="649065815"/>
+      </p:ext>
+    </p:extLst>
+  </p:cSld>
+  <p:clrMapOvr>
+    <a:masterClrMapping/>
+  </p:clrMapOvr>
 </p:sld>
 </file>
 
@@ -43791,7 +45522,7 @@
   <a:extraClrSchemeLst/>
   <a:extLst>
     <a:ext uri="{05A4C25C-085E-4340-85A3-A5531E510DB2}">
-      <thm15:themeFamily xmlns:thm15="http://schemas.microsoft.com/office/thememl/2012/main" xmlns="" name="DRAFT 7_IBM_Cloud_Presentation_Fast Start_2018_Mini Main and Sessions_Arial" id="{448989E2-F453-EB48-A504-083BB1AFD7E3}" vid="{B050ED43-DA11-BE41-B744-807098D861CA}"/>
+      <thm15:themeFamily xmlns="" xmlns:thm15="http://schemas.microsoft.com/office/thememl/2012/main" name="DRAFT 7_IBM_Cloud_Presentation_Fast Start_2018_Mini Main and Sessions_Arial" id="{448989E2-F453-EB48-A504-083BB1AFD7E3}" vid="{B050ED43-DA11-BE41-B744-807098D861CA}"/>
     </a:ext>
   </a:extLst>
 </a:theme>
@@ -44114,7 +45845,7 @@
   <a:extraClrSchemeLst/>
   <a:extLst>
     <a:ext uri="{05A4C25C-085E-4340-85A3-A5531E510DB2}">
-      <thm15:themeFamily xmlns:thm15="http://schemas.microsoft.com/office/thememl/2012/main" xmlns="" name="DRAFT 7_IBM_Cloud_Presentation_Fast Start_2018_Mini Main and Sessions_Arial" id="{448989E2-F453-EB48-A504-083BB1AFD7E3}" vid="{C99EB306-4F64-C242-BE13-5B49035DDC3E}"/>
+      <thm15:themeFamily xmlns="" xmlns:thm15="http://schemas.microsoft.com/office/thememl/2012/main" name="DRAFT 7_IBM_Cloud_Presentation_Fast Start_2018_Mini Main and Sessions_Arial" id="{448989E2-F453-EB48-A504-083BB1AFD7E3}" vid="{C99EB306-4F64-C242-BE13-5B49035DDC3E}"/>
     </a:ext>
   </a:extLst>
 </a:theme>
@@ -44446,7 +46177,7 @@
   <a:extraClrSchemeLst/>
   <a:extLst>
     <a:ext uri="{05A4C25C-085E-4340-85A3-A5531E510DB2}">
-      <thm15:themeFamily xmlns:thm15="http://schemas.microsoft.com/office/thememl/2012/main" xmlns="" name="DRAFT 7_IBM_Cloud_Presentation_Fast Start_2018_Mini Main and Sessions_Arial" id="{448989E2-F453-EB48-A504-083BB1AFD7E3}" vid="{07DB8211-143D-D64F-904E-1520B9F17183}"/>
+      <thm15:themeFamily xmlns="" xmlns:thm15="http://schemas.microsoft.com/office/thememl/2012/main" name="DRAFT 7_IBM_Cloud_Presentation_Fast Start_2018_Mini Main and Sessions_Arial" id="{448989E2-F453-EB48-A504-083BB1AFD7E3}" vid="{07DB8211-143D-D64F-904E-1520B9F17183}"/>
     </a:ext>
   </a:extLst>
 </a:theme>
@@ -44769,7 +46500,7 @@
   <a:extraClrSchemeLst/>
   <a:extLst>
     <a:ext uri="{05A4C25C-085E-4340-85A3-A5531E510DB2}">
-      <thm15:themeFamily xmlns:thm15="http://schemas.microsoft.com/office/thememl/2012/main" xmlns="" name="DRAFT 7_IBM_Cloud_Presentation_Fast Start_2018_Mini Main and Sessions_Arial" id="{448989E2-F453-EB48-A504-083BB1AFD7E3}" vid="{A9EE2942-96FA-7B41-8904-00DEB1B826B4}"/>
+      <thm15:themeFamily xmlns="" xmlns:thm15="http://schemas.microsoft.com/office/thememl/2012/main" name="DRAFT 7_IBM_Cloud_Presentation_Fast Start_2018_Mini Main and Sessions_Arial" id="{448989E2-F453-EB48-A504-083BB1AFD7E3}" vid="{A9EE2942-96FA-7B41-8904-00DEB1B826B4}"/>
     </a:ext>
   </a:extLst>
 </a:theme>
@@ -45092,7 +46823,7 @@
   <a:extraClrSchemeLst/>
   <a:extLst>
     <a:ext uri="{05A4C25C-085E-4340-85A3-A5531E510DB2}">
-      <thm15:themeFamily xmlns:thm15="http://schemas.microsoft.com/office/thememl/2012/main" xmlns="" name="DRAFT 7_IBM_Cloud_Presentation_Fast Start_2018_Mini Main and Sessions_Arial" id="{448989E2-F453-EB48-A504-083BB1AFD7E3}" vid="{69E3344E-065F-7B4B-8991-E5AD7C8A66B7}"/>
+      <thm15:themeFamily xmlns="" xmlns:thm15="http://schemas.microsoft.com/office/thememl/2012/main" name="DRAFT 7_IBM_Cloud_Presentation_Fast Start_2018_Mini Main and Sessions_Arial" id="{448989E2-F453-EB48-A504-083BB1AFD7E3}" vid="{69E3344E-065F-7B4B-8991-E5AD7C8A66B7}"/>
     </a:ext>
   </a:extLst>
 </a:theme>
@@ -45353,7 +47084,7 @@
   <a:extraClrSchemeLst/>
   <a:extLst>
     <a:ext uri="{05A4C25C-085E-4340-85A3-A5531E510DB2}">
-      <thm15:themeFamily xmlns:thm15="http://schemas.microsoft.com/office/thememl/2012/main" xmlns="" name="Office Theme" id="{62F939B6-93AF-4DB8-9C6B-D6C7DFDC589F}" vid="{4A3C46E8-61CC-4603-A589-7422A47A8E4A}"/>
+      <thm15:themeFamily xmlns="" xmlns:thm15="http://schemas.microsoft.com/office/thememl/2012/main" name="Office Theme" id="{62F939B6-93AF-4DB8-9C6B-D6C7DFDC589F}" vid="{4A3C46E8-61CC-4603-A589-7422A47A8E4A}"/>
     </a:ext>
   </a:extLst>
 </a:theme>
